--- a/4-1/소프트웨어 종합설계/4주차/졸업작품 UI소개.pptx
+++ b/4-1/소프트웨어 종합설계/4주차/졸업작품 UI소개.pptx
@@ -4525,6 +4525,36 @@
           </a:prstGeom>
         </p:spPr>
       </p:pic>
+      <p:pic>
+        <p:nvPicPr>
+          <p:cNvPr id="19" name="그림 18">
+            <a:extLst>
+              <a:ext uri="{FF2B5EF4-FFF2-40B4-BE49-F238E27FC236}">
+                <a16:creationId xmlns:a16="http://schemas.microsoft.com/office/drawing/2014/main" id="{44295D32-E719-194C-9E92-84618552E604}"/>
+              </a:ext>
+            </a:extLst>
+          </p:cNvPr>
+          <p:cNvPicPr>
+            <a:picLocks noChangeAspect="1"/>
+          </p:cNvPicPr>
+          <p:nvPr/>
+        </p:nvPicPr>
+        <p:blipFill>
+          <a:blip r:embed="rId3"/>
+          <a:stretch>
+            <a:fillRect/>
+          </a:stretch>
+        </p:blipFill>
+        <p:spPr>
+          <a:xfrm>
+            <a:off x="3632200" y="1778000"/>
+            <a:ext cx="2463800" cy="5080000"/>
+          </a:xfrm>
+          <a:prstGeom prst="rect">
+            <a:avLst/>
+          </a:prstGeom>
+        </p:spPr>
+      </p:pic>
     </p:spTree>
     <p:extLst>
       <p:ext uri="{BB962C8B-B14F-4D97-AF65-F5344CB8AC3E}">

--- a/4-1/소프트웨어 종합설계/4주차/졸업작품 UI소개.pptx
+++ b/4-1/소프트웨어 종합설계/4주차/졸업작품 UI소개.pptx
@@ -266,7 +266,7 @@
           <a:p>
             <a:fld id="{CA0C9A70-06BB-774B-8A5A-F2019B565F3F}" type="datetimeFigureOut">
               <a:rPr kumimoji="1" lang="ko-Kore-KR" altLang="en-US" smtClean="0"/>
-              <a:t>2022. 3. 24.</a:t>
+              <a:t>2022. 3. 29.</a:t>
             </a:fld>
             <a:endParaRPr kumimoji="1" lang="ko-Kore-KR" altLang="en-US"/>
           </a:p>
@@ -466,7 +466,7 @@
           <a:p>
             <a:fld id="{CA0C9A70-06BB-774B-8A5A-F2019B565F3F}" type="datetimeFigureOut">
               <a:rPr kumimoji="1" lang="ko-Kore-KR" altLang="en-US" smtClean="0"/>
-              <a:t>2022. 3. 24.</a:t>
+              <a:t>2022. 3. 29.</a:t>
             </a:fld>
             <a:endParaRPr kumimoji="1" lang="ko-Kore-KR" altLang="en-US"/>
           </a:p>
@@ -676,7 +676,7 @@
           <a:p>
             <a:fld id="{CA0C9A70-06BB-774B-8A5A-F2019B565F3F}" type="datetimeFigureOut">
               <a:rPr kumimoji="1" lang="ko-Kore-KR" altLang="en-US" smtClean="0"/>
-              <a:t>2022. 3. 24.</a:t>
+              <a:t>2022. 3. 29.</a:t>
             </a:fld>
             <a:endParaRPr kumimoji="1" lang="ko-Kore-KR" altLang="en-US"/>
           </a:p>
@@ -876,7 +876,7 @@
           <a:p>
             <a:fld id="{CA0C9A70-06BB-774B-8A5A-F2019B565F3F}" type="datetimeFigureOut">
               <a:rPr kumimoji="1" lang="ko-Kore-KR" altLang="en-US" smtClean="0"/>
-              <a:t>2022. 3. 24.</a:t>
+              <a:t>2022. 3. 29.</a:t>
             </a:fld>
             <a:endParaRPr kumimoji="1" lang="ko-Kore-KR" altLang="en-US"/>
           </a:p>
@@ -1152,7 +1152,7 @@
           <a:p>
             <a:fld id="{CA0C9A70-06BB-774B-8A5A-F2019B565F3F}" type="datetimeFigureOut">
               <a:rPr kumimoji="1" lang="ko-Kore-KR" altLang="en-US" smtClean="0"/>
-              <a:t>2022. 3. 24.</a:t>
+              <a:t>2022. 3. 29.</a:t>
             </a:fld>
             <a:endParaRPr kumimoji="1" lang="ko-Kore-KR" altLang="en-US"/>
           </a:p>
@@ -1420,7 +1420,7 @@
           <a:p>
             <a:fld id="{CA0C9A70-06BB-774B-8A5A-F2019B565F3F}" type="datetimeFigureOut">
               <a:rPr kumimoji="1" lang="ko-Kore-KR" altLang="en-US" smtClean="0"/>
-              <a:t>2022. 3. 24.</a:t>
+              <a:t>2022. 3. 29.</a:t>
             </a:fld>
             <a:endParaRPr kumimoji="1" lang="ko-Kore-KR" altLang="en-US"/>
           </a:p>
@@ -1835,7 +1835,7 @@
           <a:p>
             <a:fld id="{CA0C9A70-06BB-774B-8A5A-F2019B565F3F}" type="datetimeFigureOut">
               <a:rPr kumimoji="1" lang="ko-Kore-KR" altLang="en-US" smtClean="0"/>
-              <a:t>2022. 3. 24.</a:t>
+              <a:t>2022. 3. 29.</a:t>
             </a:fld>
             <a:endParaRPr kumimoji="1" lang="ko-Kore-KR" altLang="en-US"/>
           </a:p>
@@ -1977,7 +1977,7 @@
           <a:p>
             <a:fld id="{CA0C9A70-06BB-774B-8A5A-F2019B565F3F}" type="datetimeFigureOut">
               <a:rPr kumimoji="1" lang="ko-Kore-KR" altLang="en-US" smtClean="0"/>
-              <a:t>2022. 3. 24.</a:t>
+              <a:t>2022. 3. 29.</a:t>
             </a:fld>
             <a:endParaRPr kumimoji="1" lang="ko-Kore-KR" altLang="en-US"/>
           </a:p>
@@ -2090,7 +2090,7 @@
           <a:p>
             <a:fld id="{CA0C9A70-06BB-774B-8A5A-F2019B565F3F}" type="datetimeFigureOut">
               <a:rPr kumimoji="1" lang="ko-Kore-KR" altLang="en-US" smtClean="0"/>
-              <a:t>2022. 3. 24.</a:t>
+              <a:t>2022. 3. 29.</a:t>
             </a:fld>
             <a:endParaRPr kumimoji="1" lang="ko-Kore-KR" altLang="en-US"/>
           </a:p>
@@ -2403,7 +2403,7 @@
           <a:p>
             <a:fld id="{CA0C9A70-06BB-774B-8A5A-F2019B565F3F}" type="datetimeFigureOut">
               <a:rPr kumimoji="1" lang="ko-Kore-KR" altLang="en-US" smtClean="0"/>
-              <a:t>2022. 3. 24.</a:t>
+              <a:t>2022. 3. 29.</a:t>
             </a:fld>
             <a:endParaRPr kumimoji="1" lang="ko-Kore-KR" altLang="en-US"/>
           </a:p>
@@ -2692,7 +2692,7 @@
           <a:p>
             <a:fld id="{CA0C9A70-06BB-774B-8A5A-F2019B565F3F}" type="datetimeFigureOut">
               <a:rPr kumimoji="1" lang="ko-Kore-KR" altLang="en-US" smtClean="0"/>
-              <a:t>2022. 3. 24.</a:t>
+              <a:t>2022. 3. 29.</a:t>
             </a:fld>
             <a:endParaRPr kumimoji="1" lang="ko-Kore-KR" altLang="en-US"/>
           </a:p>
@@ -2935,7 +2935,7 @@
           <a:p>
             <a:fld id="{CA0C9A70-06BB-774B-8A5A-F2019B565F3F}" type="datetimeFigureOut">
               <a:rPr kumimoji="1" lang="ko-Kore-KR" altLang="en-US" smtClean="0"/>
-              <a:t>2022. 3. 24.</a:t>
+              <a:t>2022. 3. 29.</a:t>
             </a:fld>
             <a:endParaRPr kumimoji="1" lang="ko-Kore-KR" altLang="en-US"/>
           </a:p>
@@ -3665,7 +3665,7 @@
         </p:blipFill>
         <p:spPr>
           <a:xfrm>
-            <a:off x="4864100" y="1778000"/>
+            <a:off x="3515862" y="1778000"/>
             <a:ext cx="2463800" cy="5080000"/>
           </a:xfrm>
           <a:prstGeom prst="rect">
@@ -3696,6 +3696,36 @@
         <p:spPr>
           <a:xfrm>
             <a:off x="9006050" y="1778000"/>
+            <a:ext cx="2463800" cy="5080000"/>
+          </a:xfrm>
+          <a:prstGeom prst="rect">
+            <a:avLst/>
+          </a:prstGeom>
+        </p:spPr>
+      </p:pic>
+      <p:pic>
+        <p:nvPicPr>
+          <p:cNvPr id="4" name="그림 3">
+            <a:extLst>
+              <a:ext uri="{FF2B5EF4-FFF2-40B4-BE49-F238E27FC236}">
+                <a16:creationId xmlns:a16="http://schemas.microsoft.com/office/drawing/2014/main" id="{589D47D8-527C-424D-B547-07724CE255E8}"/>
+              </a:ext>
+            </a:extLst>
+          </p:cNvPr>
+          <p:cNvPicPr>
+            <a:picLocks noChangeAspect="1"/>
+          </p:cNvPicPr>
+          <p:nvPr/>
+        </p:nvPicPr>
+        <p:blipFill>
+          <a:blip r:embed="rId5"/>
+          <a:stretch>
+            <a:fillRect/>
+          </a:stretch>
+        </p:blipFill>
+        <p:spPr>
+          <a:xfrm>
+            <a:off x="6212338" y="1778000"/>
             <a:ext cx="2463800" cy="5080000"/>
           </a:xfrm>
           <a:prstGeom prst="rect">

--- a/4-1/소프트웨어 종합설계/4주차/졸업작품 UI소개.pptx
+++ b/4-1/소프트웨어 종합설계/4주차/졸업작품 UI소개.pptx
@@ -7,10 +7,12 @@
   <p:sldIdLst>
     <p:sldId id="257" r:id="rId2"/>
     <p:sldId id="276" r:id="rId3"/>
-    <p:sldId id="279" r:id="rId4"/>
-    <p:sldId id="277" r:id="rId5"/>
-    <p:sldId id="280" r:id="rId6"/>
-    <p:sldId id="278" r:id="rId7"/>
+    <p:sldId id="282" r:id="rId4"/>
+    <p:sldId id="279" r:id="rId5"/>
+    <p:sldId id="277" r:id="rId6"/>
+    <p:sldId id="280" r:id="rId7"/>
+    <p:sldId id="278" r:id="rId8"/>
+    <p:sldId id="281" r:id="rId9"/>
   </p:sldIdLst>
   <p:sldSz cx="12192000" cy="6858000"/>
   <p:notesSz cx="6858000" cy="9144000"/>
@@ -266,7 +268,7 @@
           <a:p>
             <a:fld id="{CA0C9A70-06BB-774B-8A5A-F2019B565F3F}" type="datetimeFigureOut">
               <a:rPr kumimoji="1" lang="ko-Kore-KR" altLang="en-US" smtClean="0"/>
-              <a:t>2022. 3. 29.</a:t>
+              <a:t>2022. 3. 31.</a:t>
             </a:fld>
             <a:endParaRPr kumimoji="1" lang="ko-Kore-KR" altLang="en-US"/>
           </a:p>
@@ -466,7 +468,7 @@
           <a:p>
             <a:fld id="{CA0C9A70-06BB-774B-8A5A-F2019B565F3F}" type="datetimeFigureOut">
               <a:rPr kumimoji="1" lang="ko-Kore-KR" altLang="en-US" smtClean="0"/>
-              <a:t>2022. 3. 29.</a:t>
+              <a:t>2022. 3. 31.</a:t>
             </a:fld>
             <a:endParaRPr kumimoji="1" lang="ko-Kore-KR" altLang="en-US"/>
           </a:p>
@@ -676,7 +678,7 @@
           <a:p>
             <a:fld id="{CA0C9A70-06BB-774B-8A5A-F2019B565F3F}" type="datetimeFigureOut">
               <a:rPr kumimoji="1" lang="ko-Kore-KR" altLang="en-US" smtClean="0"/>
-              <a:t>2022. 3. 29.</a:t>
+              <a:t>2022. 3. 31.</a:t>
             </a:fld>
             <a:endParaRPr kumimoji="1" lang="ko-Kore-KR" altLang="en-US"/>
           </a:p>
@@ -876,7 +878,7 @@
           <a:p>
             <a:fld id="{CA0C9A70-06BB-774B-8A5A-F2019B565F3F}" type="datetimeFigureOut">
               <a:rPr kumimoji="1" lang="ko-Kore-KR" altLang="en-US" smtClean="0"/>
-              <a:t>2022. 3. 29.</a:t>
+              <a:t>2022. 3. 31.</a:t>
             </a:fld>
             <a:endParaRPr kumimoji="1" lang="ko-Kore-KR" altLang="en-US"/>
           </a:p>
@@ -1152,7 +1154,7 @@
           <a:p>
             <a:fld id="{CA0C9A70-06BB-774B-8A5A-F2019B565F3F}" type="datetimeFigureOut">
               <a:rPr kumimoji="1" lang="ko-Kore-KR" altLang="en-US" smtClean="0"/>
-              <a:t>2022. 3. 29.</a:t>
+              <a:t>2022. 3. 31.</a:t>
             </a:fld>
             <a:endParaRPr kumimoji="1" lang="ko-Kore-KR" altLang="en-US"/>
           </a:p>
@@ -1420,7 +1422,7 @@
           <a:p>
             <a:fld id="{CA0C9A70-06BB-774B-8A5A-F2019B565F3F}" type="datetimeFigureOut">
               <a:rPr kumimoji="1" lang="ko-Kore-KR" altLang="en-US" smtClean="0"/>
-              <a:t>2022. 3. 29.</a:t>
+              <a:t>2022. 3. 31.</a:t>
             </a:fld>
             <a:endParaRPr kumimoji="1" lang="ko-Kore-KR" altLang="en-US"/>
           </a:p>
@@ -1835,7 +1837,7 @@
           <a:p>
             <a:fld id="{CA0C9A70-06BB-774B-8A5A-F2019B565F3F}" type="datetimeFigureOut">
               <a:rPr kumimoji="1" lang="ko-Kore-KR" altLang="en-US" smtClean="0"/>
-              <a:t>2022. 3. 29.</a:t>
+              <a:t>2022. 3. 31.</a:t>
             </a:fld>
             <a:endParaRPr kumimoji="1" lang="ko-Kore-KR" altLang="en-US"/>
           </a:p>
@@ -1977,7 +1979,7 @@
           <a:p>
             <a:fld id="{CA0C9A70-06BB-774B-8A5A-F2019B565F3F}" type="datetimeFigureOut">
               <a:rPr kumimoji="1" lang="ko-Kore-KR" altLang="en-US" smtClean="0"/>
-              <a:t>2022. 3. 29.</a:t>
+              <a:t>2022. 3. 31.</a:t>
             </a:fld>
             <a:endParaRPr kumimoji="1" lang="ko-Kore-KR" altLang="en-US"/>
           </a:p>
@@ -2090,7 +2092,7 @@
           <a:p>
             <a:fld id="{CA0C9A70-06BB-774B-8A5A-F2019B565F3F}" type="datetimeFigureOut">
               <a:rPr kumimoji="1" lang="ko-Kore-KR" altLang="en-US" smtClean="0"/>
-              <a:t>2022. 3. 29.</a:t>
+              <a:t>2022. 3. 31.</a:t>
             </a:fld>
             <a:endParaRPr kumimoji="1" lang="ko-Kore-KR" altLang="en-US"/>
           </a:p>
@@ -2403,7 +2405,7 @@
           <a:p>
             <a:fld id="{CA0C9A70-06BB-774B-8A5A-F2019B565F3F}" type="datetimeFigureOut">
               <a:rPr kumimoji="1" lang="ko-Kore-KR" altLang="en-US" smtClean="0"/>
-              <a:t>2022. 3. 29.</a:t>
+              <a:t>2022. 3. 31.</a:t>
             </a:fld>
             <a:endParaRPr kumimoji="1" lang="ko-Kore-KR" altLang="en-US"/>
           </a:p>
@@ -2692,7 +2694,7 @@
           <a:p>
             <a:fld id="{CA0C9A70-06BB-774B-8A5A-F2019B565F3F}" type="datetimeFigureOut">
               <a:rPr kumimoji="1" lang="ko-Kore-KR" altLang="en-US" smtClean="0"/>
-              <a:t>2022. 3. 29.</a:t>
+              <a:t>2022. 3. 31.</a:t>
             </a:fld>
             <a:endParaRPr kumimoji="1" lang="ko-Kore-KR" altLang="en-US"/>
           </a:p>
@@ -2935,7 +2937,7 @@
           <a:p>
             <a:fld id="{CA0C9A70-06BB-774B-8A5A-F2019B565F3F}" type="datetimeFigureOut">
               <a:rPr kumimoji="1" lang="ko-Kore-KR" altLang="en-US" smtClean="0"/>
-              <a:t>2022. 3. 29.</a:t>
+              <a:t>2022. 3. 31.</a:t>
             </a:fld>
             <a:endParaRPr kumimoji="1" lang="ko-Kore-KR" altLang="en-US"/>
           </a:p>
@@ -3643,96 +3645,864 @@
           </a:prstGeom>
         </p:spPr>
       </p:pic>
-      <p:pic>
-        <p:nvPicPr>
-          <p:cNvPr id="15" name="그림 14">
-            <a:extLst>
-              <a:ext uri="{FF2B5EF4-FFF2-40B4-BE49-F238E27FC236}">
-                <a16:creationId xmlns:a16="http://schemas.microsoft.com/office/drawing/2014/main" id="{C76622DF-D14C-C747-9874-2E78BB3DD9B6}"/>
-              </a:ext>
-            </a:extLst>
-          </p:cNvPr>
-          <p:cNvPicPr>
-            <a:picLocks noChangeAspect="1"/>
-          </p:cNvPicPr>
+      <p:grpSp>
+        <p:nvGrpSpPr>
+          <p:cNvPr id="23" name="그룹 22">
+            <a:extLst>
+              <a:ext uri="{FF2B5EF4-FFF2-40B4-BE49-F238E27FC236}">
+                <a16:creationId xmlns:a16="http://schemas.microsoft.com/office/drawing/2014/main" id="{35FE5253-C1EE-B048-91E2-965846569BE0}"/>
+              </a:ext>
+            </a:extLst>
+          </p:cNvPr>
+          <p:cNvGrpSpPr/>
           <p:nvPr/>
-        </p:nvPicPr>
-        <p:blipFill>
-          <a:blip r:embed="rId3"/>
-          <a:stretch>
-            <a:fillRect/>
-          </a:stretch>
-        </p:blipFill>
-        <p:spPr>
+        </p:nvGrpSpPr>
+        <p:grpSpPr>
           <a:xfrm>
-            <a:off x="3515862" y="1778000"/>
+            <a:off x="6542250" y="1778000"/>
+            <a:ext cx="2463800" cy="5083200"/>
+            <a:chOff x="6309574" y="1778000"/>
+            <a:chExt cx="2463800" cy="5080000"/>
+          </a:xfrm>
+        </p:grpSpPr>
+        <p:pic>
+          <p:nvPicPr>
+            <p:cNvPr id="9" name="그림 8">
+              <a:extLst>
+                <a:ext uri="{FF2B5EF4-FFF2-40B4-BE49-F238E27FC236}">
+                  <a16:creationId xmlns:a16="http://schemas.microsoft.com/office/drawing/2014/main" id="{30BDD374-4846-4849-BF33-2825236B8386}"/>
+                </a:ext>
+              </a:extLst>
+            </p:cNvPr>
+            <p:cNvPicPr>
+              <a:picLocks noChangeAspect="1"/>
+            </p:cNvPicPr>
+            <p:nvPr/>
+          </p:nvPicPr>
+          <p:blipFill>
+            <a:blip r:embed="rId2"/>
+            <a:stretch>
+              <a:fillRect/>
+            </a:stretch>
+          </p:blipFill>
+          <p:spPr>
+            <a:xfrm>
+              <a:off x="6309574" y="1778000"/>
+              <a:ext cx="2463800" cy="5080000"/>
+            </a:xfrm>
+            <a:prstGeom prst="rect">
+              <a:avLst/>
+            </a:prstGeom>
+          </p:spPr>
+        </p:pic>
+        <p:sp>
+          <p:nvSpPr>
+            <p:cNvPr id="7" name="직사각형 6">
+              <a:extLst>
+                <a:ext uri="{FF2B5EF4-FFF2-40B4-BE49-F238E27FC236}">
+                  <a16:creationId xmlns:a16="http://schemas.microsoft.com/office/drawing/2014/main" id="{DB5BEB64-6F50-D441-AE00-8A46DCE9A487}"/>
+                </a:ext>
+              </a:extLst>
+            </p:cNvPr>
+            <p:cNvSpPr/>
+            <p:nvPr/>
+          </p:nvSpPr>
+          <p:spPr>
+            <a:xfrm>
+              <a:off x="7084274" y="2504302"/>
+              <a:ext cx="914400" cy="222422"/>
+            </a:xfrm>
+            <a:prstGeom prst="rect">
+              <a:avLst/>
+            </a:prstGeom>
+            <a:solidFill>
+              <a:schemeClr val="bg1"/>
+            </a:solidFill>
+            <a:ln>
+              <a:noFill/>
+            </a:ln>
+          </p:spPr>
+          <p:style>
+            <a:lnRef idx="2">
+              <a:schemeClr val="accent1">
+                <a:shade val="50000"/>
+              </a:schemeClr>
+            </a:lnRef>
+            <a:fillRef idx="1">
+              <a:schemeClr val="accent1"/>
+            </a:fillRef>
+            <a:effectRef idx="0">
+              <a:schemeClr val="accent1"/>
+            </a:effectRef>
+            <a:fontRef idx="minor">
+              <a:schemeClr val="lt1"/>
+            </a:fontRef>
+          </p:style>
+          <p:txBody>
+            <a:bodyPr rtlCol="0" anchor="ctr"/>
+            <a:lstStyle/>
+            <a:p>
+              <a:pPr algn="ctr"/>
+              <a:r>
+                <a:rPr kumimoji="1" lang="en-US" altLang="ko-Kore-KR" sz="800" dirty="0">
+                  <a:solidFill>
+                    <a:schemeClr val="tx1"/>
+                  </a:solidFill>
+                </a:rPr>
+                <a:t>Feb, 06 / 2022</a:t>
+              </a:r>
+              <a:endParaRPr kumimoji="1" lang="ko-Kore-KR" altLang="en-US" sz="800" dirty="0">
+                <a:solidFill>
+                  <a:schemeClr val="tx1"/>
+                </a:solidFill>
+              </a:endParaRPr>
+            </a:p>
+          </p:txBody>
+        </p:sp>
+        <p:pic>
+          <p:nvPicPr>
+            <p:cNvPr id="10" name="그림 9" descr="실내이(가) 표시된 사진&#10;&#10;자동 생성된 설명">
+              <a:extLst>
+                <a:ext uri="{FF2B5EF4-FFF2-40B4-BE49-F238E27FC236}">
+                  <a16:creationId xmlns:a16="http://schemas.microsoft.com/office/drawing/2014/main" id="{DFBB1BF1-1CAA-874A-90E6-2674DFDC3206}"/>
+                </a:ext>
+              </a:extLst>
+            </p:cNvPr>
+            <p:cNvPicPr>
+              <a:picLocks/>
+            </p:cNvPicPr>
+            <p:nvPr/>
+          </p:nvPicPr>
+          <p:blipFill>
+            <a:blip r:embed="rId3"/>
+            <a:stretch>
+              <a:fillRect/>
+            </a:stretch>
+          </p:blipFill>
+          <p:spPr>
+            <a:xfrm>
+              <a:off x="6461474" y="3338086"/>
+              <a:ext cx="2160000" cy="2255405"/>
+            </a:xfrm>
+            <a:prstGeom prst="rect">
+              <a:avLst/>
+            </a:prstGeom>
+          </p:spPr>
+        </p:pic>
+        <p:sp>
+          <p:nvSpPr>
+            <p:cNvPr id="12" name="직사각형 11">
+              <a:extLst>
+                <a:ext uri="{FF2B5EF4-FFF2-40B4-BE49-F238E27FC236}">
+                  <a16:creationId xmlns:a16="http://schemas.microsoft.com/office/drawing/2014/main" id="{C9C4BDF2-DD8C-F544-8599-DCB4EC107336}"/>
+                </a:ext>
+              </a:extLst>
+            </p:cNvPr>
+            <p:cNvSpPr/>
+            <p:nvPr/>
+          </p:nvSpPr>
+          <p:spPr>
+            <a:xfrm>
+              <a:off x="6536724" y="5659394"/>
+              <a:ext cx="729050" cy="205947"/>
+            </a:xfrm>
+            <a:prstGeom prst="rect">
+              <a:avLst/>
+            </a:prstGeom>
+            <a:solidFill>
+              <a:schemeClr val="bg1"/>
+            </a:solidFill>
+            <a:ln>
+              <a:noFill/>
+            </a:ln>
+          </p:spPr>
+          <p:style>
+            <a:lnRef idx="2">
+              <a:schemeClr val="accent1">
+                <a:shade val="50000"/>
+              </a:schemeClr>
+            </a:lnRef>
+            <a:fillRef idx="1">
+              <a:schemeClr val="accent1"/>
+            </a:fillRef>
+            <a:effectRef idx="0">
+              <a:schemeClr val="accent1"/>
+            </a:effectRef>
+            <a:fontRef idx="minor">
+              <a:schemeClr val="lt1"/>
+            </a:fontRef>
+          </p:style>
+          <p:txBody>
+            <a:bodyPr rtlCol="0" anchor="ctr"/>
+            <a:lstStyle/>
+            <a:p>
+              <a:pPr algn="ctr"/>
+              <a:r>
+                <a:rPr kumimoji="1" lang="en-US" altLang="ko-Kore-KR" sz="1000" b="1" dirty="0">
+                  <a:solidFill>
+                    <a:schemeClr val="tx1"/>
+                  </a:solidFill>
+                  <a:latin typeface="Nanum Pen Script" panose="03040600000000000000" pitchFamily="66" charset="-127"/>
+                  <a:ea typeface="Nanum Pen Script" panose="03040600000000000000" pitchFamily="66" charset="-127"/>
+                </a:rPr>
+                <a:t>#</a:t>
+              </a:r>
+              <a:r>
+                <a:rPr kumimoji="1" lang="ko-KR" altLang="en-US" sz="1000" b="1" dirty="0">
+                  <a:solidFill>
+                    <a:schemeClr val="tx1"/>
+                  </a:solidFill>
+                  <a:latin typeface="Nanum Pen Script" panose="03040600000000000000" pitchFamily="66" charset="-127"/>
+                  <a:ea typeface="Nanum Pen Script" panose="03040600000000000000" pitchFamily="66" charset="-127"/>
+                </a:rPr>
+                <a:t>파주</a:t>
+              </a:r>
+              <a:r>
+                <a:rPr kumimoji="1" lang="en-US" altLang="ko-Kore-KR" sz="1000" b="1" dirty="0">
+                  <a:solidFill>
+                    <a:schemeClr val="tx1"/>
+                  </a:solidFill>
+                  <a:latin typeface="Nanum Pen Script" panose="03040600000000000000" pitchFamily="66" charset="-127"/>
+                  <a:ea typeface="Nanum Pen Script" panose="03040600000000000000" pitchFamily="66" charset="-127"/>
+                </a:rPr>
+                <a:t> #</a:t>
+              </a:r>
+              <a:r>
+                <a:rPr kumimoji="1" lang="ko-KR" altLang="en-US" sz="1000" b="1" dirty="0">
+                  <a:solidFill>
+                    <a:schemeClr val="tx1"/>
+                  </a:solidFill>
+                  <a:latin typeface="Nanum Pen Script" panose="03040600000000000000" pitchFamily="66" charset="-127"/>
+                  <a:ea typeface="Nanum Pen Script" panose="03040600000000000000" pitchFamily="66" charset="-127"/>
+                </a:rPr>
+                <a:t>카페</a:t>
+              </a:r>
+              <a:endParaRPr kumimoji="1" lang="ko-Kore-KR" altLang="en-US" sz="1000" b="1" dirty="0">
+                <a:solidFill>
+                  <a:schemeClr val="tx1"/>
+                </a:solidFill>
+                <a:latin typeface="Nanum Pen Script" panose="03040600000000000000" pitchFamily="66" charset="-127"/>
+                <a:ea typeface="Nanum Pen Script" panose="03040600000000000000" pitchFamily="66" charset="-127"/>
+              </a:endParaRPr>
+            </a:p>
+          </p:txBody>
+        </p:sp>
+        <p:sp>
+          <p:nvSpPr>
+            <p:cNvPr id="16" name="직사각형 15">
+              <a:extLst>
+                <a:ext uri="{FF2B5EF4-FFF2-40B4-BE49-F238E27FC236}">
+                  <a16:creationId xmlns:a16="http://schemas.microsoft.com/office/drawing/2014/main" id="{C960ADCE-F94D-3A46-868F-DD60D1B20186}"/>
+                </a:ext>
+              </a:extLst>
+            </p:cNvPr>
+            <p:cNvSpPr/>
+            <p:nvPr/>
+          </p:nvSpPr>
+          <p:spPr>
+            <a:xfrm>
+              <a:off x="7655048" y="5659393"/>
+              <a:ext cx="788735" cy="205947"/>
+            </a:xfrm>
+            <a:prstGeom prst="rect">
+              <a:avLst/>
+            </a:prstGeom>
+            <a:solidFill>
+              <a:schemeClr val="bg1"/>
+            </a:solidFill>
+            <a:ln>
+              <a:noFill/>
+            </a:ln>
+          </p:spPr>
+          <p:style>
+            <a:lnRef idx="2">
+              <a:schemeClr val="accent1">
+                <a:shade val="50000"/>
+              </a:schemeClr>
+            </a:lnRef>
+            <a:fillRef idx="1">
+              <a:schemeClr val="accent1"/>
+            </a:fillRef>
+            <a:effectRef idx="0">
+              <a:schemeClr val="accent1"/>
+            </a:effectRef>
+            <a:fontRef idx="minor">
+              <a:schemeClr val="lt1"/>
+            </a:fontRef>
+          </p:style>
+          <p:txBody>
+            <a:bodyPr rtlCol="0" anchor="ctr"/>
+            <a:lstStyle/>
+            <a:p>
+              <a:pPr algn="ctr"/>
+              <a:r>
+                <a:rPr kumimoji="1" lang="en-US" altLang="ko-Kore-KR" sz="1000" b="1" dirty="0">
+                  <a:solidFill>
+                    <a:schemeClr val="tx1"/>
+                  </a:solidFill>
+                  <a:latin typeface="Nanum Pen Script" panose="03040600000000000000" pitchFamily="66" charset="-127"/>
+                  <a:ea typeface="Nanum Pen Script" panose="03040600000000000000" pitchFamily="66" charset="-127"/>
+                </a:rPr>
+                <a:t>Feb,06 / 2022</a:t>
+              </a:r>
+              <a:endParaRPr kumimoji="1" lang="ko-Kore-KR" altLang="en-US" sz="1000" b="1" dirty="0">
+                <a:solidFill>
+                  <a:schemeClr val="tx1"/>
+                </a:solidFill>
+                <a:latin typeface="Nanum Pen Script" panose="03040600000000000000" pitchFamily="66" charset="-127"/>
+                <a:ea typeface="Nanum Pen Script" panose="03040600000000000000" pitchFamily="66" charset="-127"/>
+              </a:endParaRPr>
+            </a:p>
+          </p:txBody>
+        </p:sp>
+      </p:grpSp>
+      <p:grpSp>
+        <p:nvGrpSpPr>
+          <p:cNvPr id="24" name="그룹 23">
+            <a:extLst>
+              <a:ext uri="{FF2B5EF4-FFF2-40B4-BE49-F238E27FC236}">
+                <a16:creationId xmlns:a16="http://schemas.microsoft.com/office/drawing/2014/main" id="{2B023DCD-BF06-6A44-861A-38EFD0357168}"/>
+              </a:ext>
+            </a:extLst>
+          </p:cNvPr>
+          <p:cNvGrpSpPr/>
+          <p:nvPr/>
+        </p:nvGrpSpPr>
+        <p:grpSpPr>
+          <a:xfrm>
+            <a:off x="9449551" y="1778000"/>
             <a:ext cx="2463800" cy="5080000"/>
+            <a:chOff x="9103286" y="1778000"/>
+            <a:chExt cx="2463800" cy="5080000"/>
           </a:xfrm>
-          <a:prstGeom prst="rect">
-            <a:avLst/>
-          </a:prstGeom>
-        </p:spPr>
-      </p:pic>
-      <p:pic>
-        <p:nvPicPr>
-          <p:cNvPr id="19" name="그림 18">
-            <a:extLst>
-              <a:ext uri="{FF2B5EF4-FFF2-40B4-BE49-F238E27FC236}">
-                <a16:creationId xmlns:a16="http://schemas.microsoft.com/office/drawing/2014/main" id="{B0BBDC80-434F-CA4E-BE88-DE4D7693E896}"/>
-              </a:ext>
-            </a:extLst>
-          </p:cNvPr>
-          <p:cNvPicPr>
-            <a:picLocks noChangeAspect="1"/>
-          </p:cNvPicPr>
+        </p:grpSpPr>
+        <p:pic>
+          <p:nvPicPr>
+            <p:cNvPr id="17" name="그림 16">
+              <a:extLst>
+                <a:ext uri="{FF2B5EF4-FFF2-40B4-BE49-F238E27FC236}">
+                  <a16:creationId xmlns:a16="http://schemas.microsoft.com/office/drawing/2014/main" id="{901D3E28-BD31-C049-B4B5-A4B621EAE03D}"/>
+                </a:ext>
+              </a:extLst>
+            </p:cNvPr>
+            <p:cNvPicPr>
+              <a:picLocks noChangeAspect="1"/>
+            </p:cNvPicPr>
+            <p:nvPr/>
+          </p:nvPicPr>
+          <p:blipFill>
+            <a:blip r:embed="rId4"/>
+            <a:stretch>
+              <a:fillRect/>
+            </a:stretch>
+          </p:blipFill>
+          <p:spPr>
+            <a:xfrm>
+              <a:off x="9103286" y="1778000"/>
+              <a:ext cx="2463800" cy="5080000"/>
+            </a:xfrm>
+            <a:prstGeom prst="rect">
+              <a:avLst/>
+            </a:prstGeom>
+          </p:spPr>
+        </p:pic>
+        <p:sp>
+          <p:nvSpPr>
+            <p:cNvPr id="18" name="직사각형 17">
+              <a:extLst>
+                <a:ext uri="{FF2B5EF4-FFF2-40B4-BE49-F238E27FC236}">
+                  <a16:creationId xmlns:a16="http://schemas.microsoft.com/office/drawing/2014/main" id="{16817F25-238F-6B4E-A9EB-44EF1D0B0BE4}"/>
+                </a:ext>
+              </a:extLst>
+            </p:cNvPr>
+            <p:cNvSpPr/>
+            <p:nvPr/>
+          </p:nvSpPr>
+          <p:spPr>
+            <a:xfrm>
+              <a:off x="9877986" y="2504302"/>
+              <a:ext cx="914400" cy="222422"/>
+            </a:xfrm>
+            <a:prstGeom prst="rect">
+              <a:avLst/>
+            </a:prstGeom>
+            <a:solidFill>
+              <a:schemeClr val="bg1"/>
+            </a:solidFill>
+            <a:ln>
+              <a:noFill/>
+            </a:ln>
+          </p:spPr>
+          <p:style>
+            <a:lnRef idx="2">
+              <a:schemeClr val="accent1">
+                <a:shade val="50000"/>
+              </a:schemeClr>
+            </a:lnRef>
+            <a:fillRef idx="1">
+              <a:schemeClr val="accent1"/>
+            </a:fillRef>
+            <a:effectRef idx="0">
+              <a:schemeClr val="accent1"/>
+            </a:effectRef>
+            <a:fontRef idx="minor">
+              <a:schemeClr val="lt1"/>
+            </a:fontRef>
+          </p:style>
+          <p:txBody>
+            <a:bodyPr rtlCol="0" anchor="ctr"/>
+            <a:lstStyle/>
+            <a:p>
+              <a:pPr algn="ctr"/>
+              <a:r>
+                <a:rPr kumimoji="1" lang="en-US" altLang="ko-Kore-KR" sz="800" dirty="0">
+                  <a:solidFill>
+                    <a:schemeClr val="tx1"/>
+                  </a:solidFill>
+                </a:rPr>
+                <a:t>Feb, 06 / 2022</a:t>
+              </a:r>
+              <a:endParaRPr kumimoji="1" lang="ko-Kore-KR" altLang="en-US" sz="800" dirty="0">
+                <a:solidFill>
+                  <a:schemeClr val="tx1"/>
+                </a:solidFill>
+              </a:endParaRPr>
+            </a:p>
+          </p:txBody>
+        </p:sp>
+        <p:sp>
+          <p:nvSpPr>
+            <p:cNvPr id="20" name="직사각형 19">
+              <a:extLst>
+                <a:ext uri="{FF2B5EF4-FFF2-40B4-BE49-F238E27FC236}">
+                  <a16:creationId xmlns:a16="http://schemas.microsoft.com/office/drawing/2014/main" id="{A38EA6AE-348C-4F4B-B8EE-695AC1ED2177}"/>
+                </a:ext>
+              </a:extLst>
+            </p:cNvPr>
+            <p:cNvSpPr/>
+            <p:nvPr/>
+          </p:nvSpPr>
+          <p:spPr>
+            <a:xfrm>
+              <a:off x="9279694" y="5659394"/>
+              <a:ext cx="729050" cy="205947"/>
+            </a:xfrm>
+            <a:prstGeom prst="rect">
+              <a:avLst/>
+            </a:prstGeom>
+            <a:solidFill>
+              <a:schemeClr val="bg1"/>
+            </a:solidFill>
+            <a:ln>
+              <a:noFill/>
+            </a:ln>
+          </p:spPr>
+          <p:style>
+            <a:lnRef idx="2">
+              <a:schemeClr val="accent1">
+                <a:shade val="50000"/>
+              </a:schemeClr>
+            </a:lnRef>
+            <a:fillRef idx="1">
+              <a:schemeClr val="accent1"/>
+            </a:fillRef>
+            <a:effectRef idx="0">
+              <a:schemeClr val="accent1"/>
+            </a:effectRef>
+            <a:fontRef idx="minor">
+              <a:schemeClr val="lt1"/>
+            </a:fontRef>
+          </p:style>
+          <p:txBody>
+            <a:bodyPr rtlCol="0" anchor="ctr"/>
+            <a:lstStyle/>
+            <a:p>
+              <a:pPr algn="ctr"/>
+              <a:r>
+                <a:rPr kumimoji="1" lang="en-US" altLang="ko-Kore-KR" sz="1000" b="1" dirty="0">
+                  <a:solidFill>
+                    <a:schemeClr val="tx1"/>
+                  </a:solidFill>
+                  <a:latin typeface="Nanum Pen Script" panose="03040600000000000000" pitchFamily="66" charset="-127"/>
+                  <a:ea typeface="Nanum Pen Script" panose="03040600000000000000" pitchFamily="66" charset="-127"/>
+                </a:rPr>
+                <a:t>#</a:t>
+              </a:r>
+              <a:r>
+                <a:rPr kumimoji="1" lang="ko-KR" altLang="en-US" sz="1000" b="1" dirty="0">
+                  <a:solidFill>
+                    <a:schemeClr val="tx1"/>
+                  </a:solidFill>
+                  <a:latin typeface="Nanum Pen Script" panose="03040600000000000000" pitchFamily="66" charset="-127"/>
+                  <a:ea typeface="Nanum Pen Script" panose="03040600000000000000" pitchFamily="66" charset="-127"/>
+                </a:rPr>
+                <a:t>파주</a:t>
+              </a:r>
+              <a:r>
+                <a:rPr kumimoji="1" lang="en-US" altLang="ko-Kore-KR" sz="1000" b="1" dirty="0">
+                  <a:solidFill>
+                    <a:schemeClr val="tx1"/>
+                  </a:solidFill>
+                  <a:latin typeface="Nanum Pen Script" panose="03040600000000000000" pitchFamily="66" charset="-127"/>
+                  <a:ea typeface="Nanum Pen Script" panose="03040600000000000000" pitchFamily="66" charset="-127"/>
+                </a:rPr>
+                <a:t> #</a:t>
+              </a:r>
+              <a:r>
+                <a:rPr kumimoji="1" lang="ko-KR" altLang="en-US" sz="1000" b="1" dirty="0">
+                  <a:solidFill>
+                    <a:schemeClr val="tx1"/>
+                  </a:solidFill>
+                  <a:latin typeface="Nanum Pen Script" panose="03040600000000000000" pitchFamily="66" charset="-127"/>
+                  <a:ea typeface="Nanum Pen Script" panose="03040600000000000000" pitchFamily="66" charset="-127"/>
+                </a:rPr>
+                <a:t>카페</a:t>
+              </a:r>
+              <a:endParaRPr kumimoji="1" lang="ko-Kore-KR" altLang="en-US" sz="1000" b="1" dirty="0">
+                <a:solidFill>
+                  <a:schemeClr val="tx1"/>
+                </a:solidFill>
+                <a:latin typeface="Nanum Pen Script" panose="03040600000000000000" pitchFamily="66" charset="-127"/>
+                <a:ea typeface="Nanum Pen Script" panose="03040600000000000000" pitchFamily="66" charset="-127"/>
+              </a:endParaRPr>
+            </a:p>
+          </p:txBody>
+        </p:sp>
+        <p:sp>
+          <p:nvSpPr>
+            <p:cNvPr id="21" name="직사각형 20">
+              <a:extLst>
+                <a:ext uri="{FF2B5EF4-FFF2-40B4-BE49-F238E27FC236}">
+                  <a16:creationId xmlns:a16="http://schemas.microsoft.com/office/drawing/2014/main" id="{4DC514B5-B275-1F4C-B555-FE43451EE418}"/>
+                </a:ext>
+              </a:extLst>
+            </p:cNvPr>
+            <p:cNvSpPr/>
+            <p:nvPr/>
+          </p:nvSpPr>
+          <p:spPr>
+            <a:xfrm>
+              <a:off x="10398018" y="5659393"/>
+              <a:ext cx="788735" cy="205947"/>
+            </a:xfrm>
+            <a:prstGeom prst="rect">
+              <a:avLst/>
+            </a:prstGeom>
+            <a:solidFill>
+              <a:schemeClr val="bg1"/>
+            </a:solidFill>
+            <a:ln>
+              <a:noFill/>
+            </a:ln>
+          </p:spPr>
+          <p:style>
+            <a:lnRef idx="2">
+              <a:schemeClr val="accent1">
+                <a:shade val="50000"/>
+              </a:schemeClr>
+            </a:lnRef>
+            <a:fillRef idx="1">
+              <a:schemeClr val="accent1"/>
+            </a:fillRef>
+            <a:effectRef idx="0">
+              <a:schemeClr val="accent1"/>
+            </a:effectRef>
+            <a:fontRef idx="minor">
+              <a:schemeClr val="lt1"/>
+            </a:fontRef>
+          </p:style>
+          <p:txBody>
+            <a:bodyPr rtlCol="0" anchor="ctr"/>
+            <a:lstStyle/>
+            <a:p>
+              <a:pPr algn="ctr"/>
+              <a:r>
+                <a:rPr kumimoji="1" lang="en-US" altLang="ko-Kore-KR" sz="1000" b="1" dirty="0">
+                  <a:solidFill>
+                    <a:schemeClr val="tx1"/>
+                  </a:solidFill>
+                  <a:latin typeface="Nanum Pen Script" panose="03040600000000000000" pitchFamily="66" charset="-127"/>
+                  <a:ea typeface="Nanum Pen Script" panose="03040600000000000000" pitchFamily="66" charset="-127"/>
+                </a:rPr>
+                <a:t>Feb,06 / 2022</a:t>
+              </a:r>
+              <a:endParaRPr kumimoji="1" lang="ko-Kore-KR" altLang="en-US" sz="1000" b="1" dirty="0">
+                <a:solidFill>
+                  <a:schemeClr val="tx1"/>
+                </a:solidFill>
+                <a:latin typeface="Nanum Pen Script" panose="03040600000000000000" pitchFamily="66" charset="-127"/>
+                <a:ea typeface="Nanum Pen Script" panose="03040600000000000000" pitchFamily="66" charset="-127"/>
+              </a:endParaRPr>
+            </a:p>
+          </p:txBody>
+        </p:sp>
+        <p:sp>
+          <p:nvSpPr>
+            <p:cNvPr id="13" name="직사각형 12">
+              <a:extLst>
+                <a:ext uri="{FF2B5EF4-FFF2-40B4-BE49-F238E27FC236}">
+                  <a16:creationId xmlns:a16="http://schemas.microsoft.com/office/drawing/2014/main" id="{A302FCA6-E0E8-7A44-B29A-05CE4C4787EB}"/>
+                </a:ext>
+              </a:extLst>
+            </p:cNvPr>
+            <p:cNvSpPr/>
+            <p:nvPr/>
+          </p:nvSpPr>
+          <p:spPr>
+            <a:xfrm>
+              <a:off x="9362302" y="3496275"/>
+              <a:ext cx="1890584" cy="914400"/>
+            </a:xfrm>
+            <a:prstGeom prst="rect">
+              <a:avLst/>
+            </a:prstGeom>
+            <a:solidFill>
+              <a:schemeClr val="bg1"/>
+            </a:solidFill>
+            <a:ln>
+              <a:noFill/>
+            </a:ln>
+          </p:spPr>
+          <p:style>
+            <a:lnRef idx="2">
+              <a:schemeClr val="accent1">
+                <a:shade val="50000"/>
+              </a:schemeClr>
+            </a:lnRef>
+            <a:fillRef idx="1">
+              <a:schemeClr val="accent1"/>
+            </a:fillRef>
+            <a:effectRef idx="0">
+              <a:schemeClr val="accent1"/>
+            </a:effectRef>
+            <a:fontRef idx="minor">
+              <a:schemeClr val="lt1"/>
+            </a:fontRef>
+          </p:style>
+          <p:txBody>
+            <a:bodyPr rtlCol="0" anchor="ctr"/>
+            <a:lstStyle/>
+            <a:p>
+              <a:r>
+                <a:rPr kumimoji="1" lang="ko-Kore-KR" altLang="en-US" sz="1000" dirty="0">
+                  <a:solidFill>
+                    <a:schemeClr val="tx1"/>
+                  </a:solidFill>
+                  <a:latin typeface="Nanum Pen Script" panose="03040600000000000000" pitchFamily="66" charset="-127"/>
+                  <a:ea typeface="Nanum Pen Script" panose="03040600000000000000" pitchFamily="66" charset="-127"/>
+                </a:rPr>
+                <a:t>집</a:t>
+              </a:r>
+              <a:r>
+                <a:rPr kumimoji="1" lang="ko-KR" altLang="en-US" sz="1000" dirty="0">
+                  <a:solidFill>
+                    <a:schemeClr val="tx1"/>
+                  </a:solidFill>
+                  <a:latin typeface="Nanum Pen Script" panose="03040600000000000000" pitchFamily="66" charset="-127"/>
+                  <a:ea typeface="Nanum Pen Script" panose="03040600000000000000" pitchFamily="66" charset="-127"/>
+                </a:rPr>
+                <a:t> 앞 카페를 다녀왔다</a:t>
+              </a:r>
+              <a:r>
+                <a:rPr kumimoji="1" lang="en-US" altLang="ko-KR" sz="1000" dirty="0">
+                  <a:solidFill>
+                    <a:schemeClr val="tx1"/>
+                  </a:solidFill>
+                  <a:latin typeface="Nanum Pen Script" panose="03040600000000000000" pitchFamily="66" charset="-127"/>
+                  <a:ea typeface="Nanum Pen Script" panose="03040600000000000000" pitchFamily="66" charset="-127"/>
+                </a:rPr>
+                <a:t>.</a:t>
+              </a:r>
+            </a:p>
+            <a:p>
+              <a:r>
+                <a:rPr kumimoji="1" lang="ko-KR" altLang="en-US" sz="1000" dirty="0" err="1">
+                  <a:solidFill>
+                    <a:schemeClr val="tx1"/>
+                  </a:solidFill>
+                  <a:latin typeface="Nanum Pen Script" panose="03040600000000000000" pitchFamily="66" charset="-127"/>
+                  <a:ea typeface="Nanum Pen Script" panose="03040600000000000000" pitchFamily="66" charset="-127"/>
+                </a:rPr>
+                <a:t>아인슈페너를</a:t>
+              </a:r>
+              <a:r>
+                <a:rPr kumimoji="1" lang="ko-KR" altLang="en-US" sz="1000" dirty="0">
+                  <a:solidFill>
+                    <a:schemeClr val="tx1"/>
+                  </a:solidFill>
+                  <a:latin typeface="Nanum Pen Script" panose="03040600000000000000" pitchFamily="66" charset="-127"/>
+                  <a:ea typeface="Nanum Pen Script" panose="03040600000000000000" pitchFamily="66" charset="-127"/>
+                </a:rPr>
+                <a:t> 처음 먹어보았는데 달고 맛있었다</a:t>
+              </a:r>
+              <a:r>
+                <a:rPr kumimoji="1" lang="en-US" altLang="ko-KR" sz="1000" dirty="0">
+                  <a:solidFill>
+                    <a:schemeClr val="tx1"/>
+                  </a:solidFill>
+                  <a:latin typeface="Nanum Pen Script" panose="03040600000000000000" pitchFamily="66" charset="-127"/>
+                  <a:ea typeface="Nanum Pen Script" panose="03040600000000000000" pitchFamily="66" charset="-127"/>
+                </a:rPr>
+                <a:t>.</a:t>
+              </a:r>
+            </a:p>
+            <a:p>
+              <a:r>
+                <a:rPr kumimoji="1" lang="ko-KR" altLang="en-US" sz="1000" dirty="0">
+                  <a:solidFill>
+                    <a:schemeClr val="tx1"/>
+                  </a:solidFill>
+                  <a:latin typeface="Nanum Pen Script" panose="03040600000000000000" pitchFamily="66" charset="-127"/>
+                  <a:ea typeface="Nanum Pen Script" panose="03040600000000000000" pitchFamily="66" charset="-127"/>
+                </a:rPr>
+                <a:t>케이크 자르는 칼이 도끼 모양으로 신기하게 생겨서 인상깊은 카페로 </a:t>
+              </a:r>
+              <a:r>
+                <a:rPr kumimoji="1" lang="ko-KR" altLang="en-US" sz="1000" dirty="0" err="1">
+                  <a:solidFill>
+                    <a:schemeClr val="tx1"/>
+                  </a:solidFill>
+                  <a:latin typeface="Nanum Pen Script" panose="03040600000000000000" pitchFamily="66" charset="-127"/>
+                  <a:ea typeface="Nanum Pen Script" panose="03040600000000000000" pitchFamily="66" charset="-127"/>
+                </a:rPr>
+                <a:t>기억될것</a:t>
+              </a:r>
+              <a:r>
+                <a:rPr kumimoji="1" lang="ko-KR" altLang="en-US" sz="1000" dirty="0">
+                  <a:solidFill>
+                    <a:schemeClr val="tx1"/>
+                  </a:solidFill>
+                  <a:latin typeface="Nanum Pen Script" panose="03040600000000000000" pitchFamily="66" charset="-127"/>
+                  <a:ea typeface="Nanum Pen Script" panose="03040600000000000000" pitchFamily="66" charset="-127"/>
+                </a:rPr>
+                <a:t> 같다</a:t>
+              </a:r>
+              <a:r>
+                <a:rPr kumimoji="1" lang="en-US" altLang="ko-KR" sz="1000" dirty="0">
+                  <a:solidFill>
+                    <a:schemeClr val="tx1"/>
+                  </a:solidFill>
+                  <a:latin typeface="Nanum Pen Script" panose="03040600000000000000" pitchFamily="66" charset="-127"/>
+                  <a:ea typeface="Nanum Pen Script" panose="03040600000000000000" pitchFamily="66" charset="-127"/>
+                </a:rPr>
+                <a:t>.</a:t>
+              </a:r>
+              <a:endParaRPr kumimoji="1" lang="ko-Kore-KR" altLang="en-US" sz="1000" dirty="0">
+                <a:solidFill>
+                  <a:schemeClr val="tx1"/>
+                </a:solidFill>
+                <a:latin typeface="Nanum Pen Script" panose="03040600000000000000" pitchFamily="66" charset="-127"/>
+                <a:ea typeface="Nanum Pen Script" panose="03040600000000000000" pitchFamily="66" charset="-127"/>
+              </a:endParaRPr>
+            </a:p>
+          </p:txBody>
+        </p:sp>
+      </p:grpSp>
+      <p:grpSp>
+        <p:nvGrpSpPr>
+          <p:cNvPr id="14" name="그룹 13">
+            <a:extLst>
+              <a:ext uri="{FF2B5EF4-FFF2-40B4-BE49-F238E27FC236}">
+                <a16:creationId xmlns:a16="http://schemas.microsoft.com/office/drawing/2014/main" id="{63367572-2CF8-0149-9A16-F80294788058}"/>
+              </a:ext>
+            </a:extLst>
+          </p:cNvPr>
+          <p:cNvGrpSpPr/>
           <p:nvPr/>
-        </p:nvPicPr>
-        <p:blipFill>
-          <a:blip r:embed="rId4"/>
-          <a:stretch>
-            <a:fillRect/>
-          </a:stretch>
-        </p:blipFill>
-        <p:spPr>
+        </p:nvGrpSpPr>
+        <p:grpSpPr>
           <a:xfrm>
-            <a:off x="9006050" y="1778000"/>
+            <a:off x="3632200" y="1778000"/>
             <a:ext cx="2463800" cy="5080000"/>
+            <a:chOff x="3515862" y="1778000"/>
+            <a:chExt cx="2463800" cy="5080000"/>
           </a:xfrm>
-          <a:prstGeom prst="rect">
-            <a:avLst/>
-          </a:prstGeom>
-        </p:spPr>
-      </p:pic>
-      <p:pic>
-        <p:nvPicPr>
-          <p:cNvPr id="4" name="그림 3">
-            <a:extLst>
-              <a:ext uri="{FF2B5EF4-FFF2-40B4-BE49-F238E27FC236}">
-                <a16:creationId xmlns:a16="http://schemas.microsoft.com/office/drawing/2014/main" id="{589D47D8-527C-424D-B547-07724CE255E8}"/>
-              </a:ext>
-            </a:extLst>
-          </p:cNvPr>
-          <p:cNvPicPr>
-            <a:picLocks noChangeAspect="1"/>
-          </p:cNvPicPr>
-          <p:nvPr/>
-        </p:nvPicPr>
-        <p:blipFill>
-          <a:blip r:embed="rId5"/>
-          <a:stretch>
-            <a:fillRect/>
-          </a:stretch>
-        </p:blipFill>
-        <p:spPr>
-          <a:xfrm>
-            <a:off x="6212338" y="1778000"/>
-            <a:ext cx="2463800" cy="5080000"/>
-          </a:xfrm>
-          <a:prstGeom prst="rect">
-            <a:avLst/>
-          </a:prstGeom>
-        </p:spPr>
-      </p:pic>
+        </p:grpSpPr>
+        <p:pic>
+          <p:nvPicPr>
+            <p:cNvPr id="15" name="그림 14">
+              <a:extLst>
+                <a:ext uri="{FF2B5EF4-FFF2-40B4-BE49-F238E27FC236}">
+                  <a16:creationId xmlns:a16="http://schemas.microsoft.com/office/drawing/2014/main" id="{C76622DF-D14C-C747-9874-2E78BB3DD9B6}"/>
+                </a:ext>
+              </a:extLst>
+            </p:cNvPr>
+            <p:cNvPicPr>
+              <a:picLocks noChangeAspect="1"/>
+            </p:cNvPicPr>
+            <p:nvPr/>
+          </p:nvPicPr>
+          <p:blipFill>
+            <a:blip r:embed="rId4"/>
+            <a:stretch>
+              <a:fillRect/>
+            </a:stretch>
+          </p:blipFill>
+          <p:spPr>
+            <a:xfrm>
+              <a:off x="3515862" y="1778000"/>
+              <a:ext cx="2463800" cy="5080000"/>
+            </a:xfrm>
+            <a:prstGeom prst="rect">
+              <a:avLst/>
+            </a:prstGeom>
+          </p:spPr>
+        </p:pic>
+        <p:sp>
+          <p:nvSpPr>
+            <p:cNvPr id="22" name="직사각형 21">
+              <a:extLst>
+                <a:ext uri="{FF2B5EF4-FFF2-40B4-BE49-F238E27FC236}">
+                  <a16:creationId xmlns:a16="http://schemas.microsoft.com/office/drawing/2014/main" id="{BB218F99-0754-4B48-AC80-43808103D508}"/>
+                </a:ext>
+              </a:extLst>
+            </p:cNvPr>
+            <p:cNvSpPr/>
+            <p:nvPr/>
+          </p:nvSpPr>
+          <p:spPr>
+            <a:xfrm>
+              <a:off x="5378101" y="2504302"/>
+              <a:ext cx="197963" cy="216817"/>
+            </a:xfrm>
+            <a:prstGeom prst="rect">
+              <a:avLst/>
+            </a:prstGeom>
+            <a:solidFill>
+              <a:srgbClr val="C0C5C5">
+                <a:alpha val="50196"/>
+              </a:srgbClr>
+            </a:solidFill>
+            <a:ln>
+              <a:noFill/>
+            </a:ln>
+          </p:spPr>
+          <p:style>
+            <a:lnRef idx="2">
+              <a:schemeClr val="accent1">
+                <a:shade val="50000"/>
+              </a:schemeClr>
+            </a:lnRef>
+            <a:fillRef idx="1">
+              <a:schemeClr val="accent1"/>
+            </a:fillRef>
+            <a:effectRef idx="0">
+              <a:schemeClr val="accent1"/>
+            </a:effectRef>
+            <a:fontRef idx="minor">
+              <a:schemeClr val="lt1"/>
+            </a:fontRef>
+          </p:style>
+          <p:txBody>
+            <a:bodyPr rtlCol="0" anchor="ctr"/>
+            <a:lstStyle/>
+            <a:p>
+              <a:pPr algn="ctr"/>
+              <a:endParaRPr kumimoji="1" lang="ko-Kore-KR" altLang="en-US"/>
+            </a:p>
+          </p:txBody>
+        </p:sp>
+      </p:grpSp>
     </p:spTree>
     <p:extLst>
       <p:ext uri="{BB962C8B-B14F-4D97-AF65-F5344CB8AC3E}">
@@ -3765,10 +4535,10 @@
       </p:grpSpPr>
       <p:sp>
         <p:nvSpPr>
-          <p:cNvPr id="6" name="모서리가 둥근 직사각형 5">
-            <a:extLst>
-              <a:ext uri="{FF2B5EF4-FFF2-40B4-BE49-F238E27FC236}">
-                <a16:creationId xmlns:a16="http://schemas.microsoft.com/office/drawing/2014/main" id="{24BCA98C-E55E-2F41-8DBC-C4145CB55070}"/>
+          <p:cNvPr id="2" name="모서리가 둥근 직사각형 1">
+            <a:extLst>
+              <a:ext uri="{FF2B5EF4-FFF2-40B4-BE49-F238E27FC236}">
+                <a16:creationId xmlns:a16="http://schemas.microsoft.com/office/drawing/2014/main" id="{B55F5A4C-97BC-EF42-92CB-4D72F89BD46D}"/>
               </a:ext>
             </a:extLst>
           </p:cNvPr>
@@ -3820,10 +4590,10 @@
       </p:sp>
       <p:sp>
         <p:nvSpPr>
-          <p:cNvPr id="15" name="모서리가 둥근 직사각형 14">
-            <a:extLst>
-              <a:ext uri="{FF2B5EF4-FFF2-40B4-BE49-F238E27FC236}">
-                <a16:creationId xmlns:a16="http://schemas.microsoft.com/office/drawing/2014/main" id="{5E9F189D-90AF-C442-B498-82679F0C21EE}"/>
+          <p:cNvPr id="3" name="모서리가 둥근 직사각형 2">
+            <a:extLst>
+              <a:ext uri="{FF2B5EF4-FFF2-40B4-BE49-F238E27FC236}">
+                <a16:creationId xmlns:a16="http://schemas.microsoft.com/office/drawing/2014/main" id="{3E644243-F3B8-DB42-8BE4-23C8EF56064E}"/>
               </a:ext>
             </a:extLst>
           </p:cNvPr>
@@ -3867,20 +4637,8 @@
           <a:p>
             <a:pPr algn="ctr"/>
             <a:r>
-              <a:rPr kumimoji="1" lang="en-US" altLang="ko-Kore-KR" dirty="0"/>
-              <a:t>Add</a:t>
-            </a:r>
-            <a:r>
-              <a:rPr kumimoji="1" lang="en-US" altLang="ko-KR" dirty="0"/>
-              <a:t>/</a:t>
-            </a:r>
-            <a:r>
-              <a:rPr kumimoji="1" lang="en-US" altLang="ko-KR" dirty="0" err="1"/>
-              <a:t>Edit</a:t>
-            </a:r>
-            <a:r>
               <a:rPr kumimoji="1" lang="en-US" altLang="ko-Kore-KR" dirty="0" err="1"/>
-              <a:t>ViewController</a:t>
+              <a:t>DiaryBarButtonItem</a:t>
             </a:r>
             <a:endParaRPr kumimoji="1" lang="ko-Kore-KR" altLang="en-US" dirty="0"/>
           </a:p>
@@ -3888,10 +4646,10 @@
       </p:sp>
       <p:pic>
         <p:nvPicPr>
-          <p:cNvPr id="3" name="그림 2">
-            <a:extLst>
-              <a:ext uri="{FF2B5EF4-FFF2-40B4-BE49-F238E27FC236}">
-                <a16:creationId xmlns:a16="http://schemas.microsoft.com/office/drawing/2014/main" id="{4050EDAC-FCE8-A347-B3FC-C90E7EB1044F}"/>
+          <p:cNvPr id="19" name="그림 18">
+            <a:extLst>
+              <a:ext uri="{FF2B5EF4-FFF2-40B4-BE49-F238E27FC236}">
+                <a16:creationId xmlns:a16="http://schemas.microsoft.com/office/drawing/2014/main" id="{B0BBDC80-434F-CA4E-BE88-DE4D7693E896}"/>
               </a:ext>
             </a:extLst>
           </p:cNvPr>
@@ -3908,7 +4666,7 @@
         </p:blipFill>
         <p:spPr>
           <a:xfrm>
-            <a:off x="722150" y="1778000"/>
+            <a:off x="6542250" y="1778000"/>
             <a:ext cx="2463800" cy="5080000"/>
           </a:xfrm>
           <a:prstGeom prst="rect">
@@ -3916,40 +4674,1232 @@
           </a:prstGeom>
         </p:spPr>
       </p:pic>
-      <p:pic>
-        <p:nvPicPr>
-          <p:cNvPr id="7" name="그림 6">
-            <a:extLst>
-              <a:ext uri="{FF2B5EF4-FFF2-40B4-BE49-F238E27FC236}">
-                <a16:creationId xmlns:a16="http://schemas.microsoft.com/office/drawing/2014/main" id="{3C1CD9BE-E56A-8541-910B-55DEC9FF7E80}"/>
-              </a:ext>
-            </a:extLst>
-          </p:cNvPr>
-          <p:cNvPicPr>
-            <a:picLocks noChangeAspect="1"/>
-          </p:cNvPicPr>
+      <p:grpSp>
+        <p:nvGrpSpPr>
+          <p:cNvPr id="42" name="그룹 41">
+            <a:extLst>
+              <a:ext uri="{FF2B5EF4-FFF2-40B4-BE49-F238E27FC236}">
+                <a16:creationId xmlns:a16="http://schemas.microsoft.com/office/drawing/2014/main" id="{34B6D977-6AC7-FB4C-A1CD-418FF6A96BE0}"/>
+              </a:ext>
+            </a:extLst>
+          </p:cNvPr>
+          <p:cNvGrpSpPr/>
           <p:nvPr/>
-        </p:nvPicPr>
-        <p:blipFill>
-          <a:blip r:embed="rId3"/>
-          <a:stretch>
-            <a:fillRect/>
-          </a:stretch>
-        </p:blipFill>
-        <p:spPr>
+        </p:nvGrpSpPr>
+        <p:grpSpPr>
           <a:xfrm>
-            <a:off x="4864100" y="1778000"/>
+            <a:off x="722150" y="1778000"/>
             <a:ext cx="2463800" cy="5080000"/>
+            <a:chOff x="722150" y="1778000"/>
+            <a:chExt cx="2463800" cy="5080000"/>
           </a:xfrm>
-          <a:prstGeom prst="rect">
-            <a:avLst/>
-          </a:prstGeom>
-        </p:spPr>
-      </p:pic>
+        </p:grpSpPr>
+        <p:pic>
+          <p:nvPicPr>
+            <p:cNvPr id="4" name="그림 3">
+              <a:extLst>
+                <a:ext uri="{FF2B5EF4-FFF2-40B4-BE49-F238E27FC236}">
+                  <a16:creationId xmlns:a16="http://schemas.microsoft.com/office/drawing/2014/main" id="{589D47D8-527C-424D-B547-07724CE255E8}"/>
+                </a:ext>
+              </a:extLst>
+            </p:cNvPr>
+            <p:cNvPicPr>
+              <a:picLocks noChangeAspect="1"/>
+            </p:cNvPicPr>
+            <p:nvPr/>
+          </p:nvPicPr>
+          <p:blipFill>
+            <a:blip r:embed="rId3"/>
+            <a:stretch>
+              <a:fillRect/>
+            </a:stretch>
+          </p:blipFill>
+          <p:spPr>
+            <a:xfrm>
+              <a:off x="722150" y="1778000"/>
+              <a:ext cx="2463800" cy="5080000"/>
+            </a:xfrm>
+            <a:prstGeom prst="rect">
+              <a:avLst/>
+            </a:prstGeom>
+          </p:spPr>
+        </p:pic>
+        <p:sp>
+          <p:nvSpPr>
+            <p:cNvPr id="5" name="직사각형 4">
+              <a:extLst>
+                <a:ext uri="{FF2B5EF4-FFF2-40B4-BE49-F238E27FC236}">
+                  <a16:creationId xmlns:a16="http://schemas.microsoft.com/office/drawing/2014/main" id="{282E93D6-D0DC-9040-B5FD-0F60118C3A6A}"/>
+                </a:ext>
+              </a:extLst>
+            </p:cNvPr>
+            <p:cNvSpPr/>
+            <p:nvPr/>
+          </p:nvSpPr>
+          <p:spPr>
+            <a:xfrm>
+              <a:off x="875947" y="2187017"/>
+              <a:ext cx="197963" cy="216817"/>
+            </a:xfrm>
+            <a:prstGeom prst="rect">
+              <a:avLst/>
+            </a:prstGeom>
+            <a:solidFill>
+              <a:srgbClr val="C0C5C5">
+                <a:alpha val="50196"/>
+              </a:srgbClr>
+            </a:solidFill>
+            <a:ln>
+              <a:noFill/>
+            </a:ln>
+          </p:spPr>
+          <p:style>
+            <a:lnRef idx="2">
+              <a:schemeClr val="accent1">
+                <a:shade val="50000"/>
+              </a:schemeClr>
+            </a:lnRef>
+            <a:fillRef idx="1">
+              <a:schemeClr val="accent1"/>
+            </a:fillRef>
+            <a:effectRef idx="0">
+              <a:schemeClr val="accent1"/>
+            </a:effectRef>
+            <a:fontRef idx="minor">
+              <a:schemeClr val="lt1"/>
+            </a:fontRef>
+          </p:style>
+          <p:txBody>
+            <a:bodyPr rtlCol="0" anchor="ctr"/>
+            <a:lstStyle/>
+            <a:p>
+              <a:pPr algn="ctr"/>
+              <a:endParaRPr kumimoji="1" lang="ko-Kore-KR" altLang="en-US"/>
+            </a:p>
+          </p:txBody>
+        </p:sp>
+      </p:grpSp>
+      <p:grpSp>
+        <p:nvGrpSpPr>
+          <p:cNvPr id="43" name="그룹 42">
+            <a:extLst>
+              <a:ext uri="{FF2B5EF4-FFF2-40B4-BE49-F238E27FC236}">
+                <a16:creationId xmlns:a16="http://schemas.microsoft.com/office/drawing/2014/main" id="{A13C7644-281D-A048-B061-AC80B03DBE00}"/>
+              </a:ext>
+            </a:extLst>
+          </p:cNvPr>
+          <p:cNvGrpSpPr/>
+          <p:nvPr/>
+        </p:nvGrpSpPr>
+        <p:grpSpPr>
+          <a:xfrm>
+            <a:off x="3628813" y="1778000"/>
+            <a:ext cx="2463800" cy="5080000"/>
+            <a:chOff x="3632200" y="1778000"/>
+            <a:chExt cx="2463800" cy="5080000"/>
+          </a:xfrm>
+        </p:grpSpPr>
+        <p:grpSp>
+          <p:nvGrpSpPr>
+            <p:cNvPr id="11" name="그룹 10">
+              <a:extLst>
+                <a:ext uri="{FF2B5EF4-FFF2-40B4-BE49-F238E27FC236}">
+                  <a16:creationId xmlns:a16="http://schemas.microsoft.com/office/drawing/2014/main" id="{EB5E7E7B-A4AC-504C-BDFD-56A26EDF1371}"/>
+                </a:ext>
+              </a:extLst>
+            </p:cNvPr>
+            <p:cNvGrpSpPr/>
+            <p:nvPr/>
+          </p:nvGrpSpPr>
+          <p:grpSpPr>
+            <a:xfrm>
+              <a:off x="3632200" y="1778000"/>
+              <a:ext cx="2463800" cy="5080000"/>
+              <a:chOff x="6212338" y="1778000"/>
+              <a:chExt cx="2463800" cy="5080000"/>
+            </a:xfrm>
+          </p:grpSpPr>
+          <p:pic>
+            <p:nvPicPr>
+              <p:cNvPr id="12" name="그림 11">
+                <a:extLst>
+                  <a:ext uri="{FF2B5EF4-FFF2-40B4-BE49-F238E27FC236}">
+                    <a16:creationId xmlns:a16="http://schemas.microsoft.com/office/drawing/2014/main" id="{BA0883D3-5916-B143-BB1A-1993034D1209}"/>
+                  </a:ext>
+                </a:extLst>
+              </p:cNvPr>
+              <p:cNvPicPr>
+                <a:picLocks noChangeAspect="1"/>
+              </p:cNvPicPr>
+              <p:nvPr/>
+            </p:nvPicPr>
+            <p:blipFill>
+              <a:blip r:embed="rId3"/>
+              <a:stretch>
+                <a:fillRect/>
+              </a:stretch>
+            </p:blipFill>
+            <p:spPr>
+              <a:xfrm>
+                <a:off x="6212338" y="1778000"/>
+                <a:ext cx="2463800" cy="5080000"/>
+              </a:xfrm>
+              <a:prstGeom prst="rect">
+                <a:avLst/>
+              </a:prstGeom>
+            </p:spPr>
+          </p:pic>
+          <p:sp>
+            <p:nvSpPr>
+              <p:cNvPr id="13" name="직사각형 12">
+                <a:extLst>
+                  <a:ext uri="{FF2B5EF4-FFF2-40B4-BE49-F238E27FC236}">
+                    <a16:creationId xmlns:a16="http://schemas.microsoft.com/office/drawing/2014/main" id="{A0D2E1B9-7E94-204D-BC87-F5EAE742B669}"/>
+                  </a:ext>
+                </a:extLst>
+              </p:cNvPr>
+              <p:cNvSpPr/>
+              <p:nvPr/>
+            </p:nvSpPr>
+            <p:spPr>
+              <a:xfrm>
+                <a:off x="6366135" y="2187017"/>
+                <a:ext cx="197963" cy="216817"/>
+              </a:xfrm>
+              <a:prstGeom prst="rect">
+                <a:avLst/>
+              </a:prstGeom>
+              <a:solidFill>
+                <a:srgbClr val="C0C5C5">
+                  <a:alpha val="50196"/>
+                </a:srgbClr>
+              </a:solidFill>
+              <a:ln>
+                <a:noFill/>
+              </a:ln>
+            </p:spPr>
+            <p:style>
+              <a:lnRef idx="2">
+                <a:schemeClr val="accent1">
+                  <a:shade val="50000"/>
+                </a:schemeClr>
+              </a:lnRef>
+              <a:fillRef idx="1">
+                <a:schemeClr val="accent1"/>
+              </a:fillRef>
+              <a:effectRef idx="0">
+                <a:schemeClr val="accent1"/>
+              </a:effectRef>
+              <a:fontRef idx="minor">
+                <a:schemeClr val="lt1"/>
+              </a:fontRef>
+            </p:style>
+            <p:txBody>
+              <a:bodyPr rtlCol="0" anchor="ctr"/>
+              <a:lstStyle/>
+              <a:p>
+                <a:pPr algn="ctr"/>
+                <a:endParaRPr kumimoji="1" lang="ko-Kore-KR" altLang="en-US"/>
+              </a:p>
+            </p:txBody>
+          </p:sp>
+        </p:grpSp>
+        <p:sp>
+          <p:nvSpPr>
+            <p:cNvPr id="8" name="TextBox 7">
+              <a:extLst>
+                <a:ext uri="{FF2B5EF4-FFF2-40B4-BE49-F238E27FC236}">
+                  <a16:creationId xmlns:a16="http://schemas.microsoft.com/office/drawing/2014/main" id="{45EAA0CC-7694-4D40-A88E-65101B7A3606}"/>
+                </a:ext>
+              </a:extLst>
+            </p:cNvPr>
+            <p:cNvSpPr txBox="1"/>
+            <p:nvPr/>
+          </p:nvSpPr>
+          <p:spPr>
+            <a:xfrm>
+              <a:off x="4255804" y="2420926"/>
+              <a:ext cx="914400" cy="246221"/>
+            </a:xfrm>
+            <a:prstGeom prst="rect">
+              <a:avLst/>
+            </a:prstGeom>
+            <a:noFill/>
+          </p:spPr>
+          <p:txBody>
+            <a:bodyPr wrap="square" rtlCol="0">
+              <a:spAutoFit/>
+            </a:bodyPr>
+            <a:lstStyle/>
+            <a:p>
+              <a:r>
+                <a:rPr kumimoji="1" lang="ko-Kore-KR" altLang="en-US" sz="1000" dirty="0"/>
+                <a:t>카페</a:t>
+              </a:r>
+            </a:p>
+          </p:txBody>
+        </p:sp>
+        <p:sp>
+          <p:nvSpPr>
+            <p:cNvPr id="10" name="직사각형 9">
+              <a:extLst>
+                <a:ext uri="{FF2B5EF4-FFF2-40B4-BE49-F238E27FC236}">
+                  <a16:creationId xmlns:a16="http://schemas.microsoft.com/office/drawing/2014/main" id="{8948207B-9981-184D-ACBF-790F05CC5569}"/>
+                </a:ext>
+              </a:extLst>
+            </p:cNvPr>
+            <p:cNvSpPr/>
+            <p:nvPr/>
+          </p:nvSpPr>
+          <p:spPr>
+            <a:xfrm>
+              <a:off x="4007769" y="2462426"/>
+              <a:ext cx="914400" cy="155131"/>
+            </a:xfrm>
+            <a:prstGeom prst="rect">
+              <a:avLst/>
+            </a:prstGeom>
+            <a:solidFill>
+              <a:srgbClr val="EFEFF1"/>
+            </a:solidFill>
+            <a:ln>
+              <a:noFill/>
+            </a:ln>
+          </p:spPr>
+          <p:style>
+            <a:lnRef idx="2">
+              <a:schemeClr val="accent1">
+                <a:shade val="50000"/>
+              </a:schemeClr>
+            </a:lnRef>
+            <a:fillRef idx="1">
+              <a:schemeClr val="accent1"/>
+            </a:fillRef>
+            <a:effectRef idx="0">
+              <a:schemeClr val="accent1"/>
+            </a:effectRef>
+            <a:fontRef idx="minor">
+              <a:schemeClr val="lt1"/>
+            </a:fontRef>
+          </p:style>
+          <p:txBody>
+            <a:bodyPr rtlCol="0" anchor="ctr"/>
+            <a:lstStyle/>
+            <a:p>
+              <a:pPr algn="ctr"/>
+              <a:endParaRPr kumimoji="1" lang="ko-Kore-KR" altLang="en-US"/>
+            </a:p>
+          </p:txBody>
+        </p:sp>
+        <p:sp>
+          <p:nvSpPr>
+            <p:cNvPr id="16" name="TextBox 15">
+              <a:extLst>
+                <a:ext uri="{FF2B5EF4-FFF2-40B4-BE49-F238E27FC236}">
+                  <a16:creationId xmlns:a16="http://schemas.microsoft.com/office/drawing/2014/main" id="{94D82C24-32C4-0D45-B16C-9A1B965A2227}"/>
+                </a:ext>
+              </a:extLst>
+            </p:cNvPr>
+            <p:cNvSpPr txBox="1"/>
+            <p:nvPr/>
+          </p:nvSpPr>
+          <p:spPr>
+            <a:xfrm>
+              <a:off x="3983960" y="2439249"/>
+              <a:ext cx="914400" cy="215444"/>
+            </a:xfrm>
+            <a:prstGeom prst="rect">
+              <a:avLst/>
+            </a:prstGeom>
+            <a:noFill/>
+          </p:spPr>
+          <p:txBody>
+            <a:bodyPr wrap="square" rtlCol="0">
+              <a:spAutoFit/>
+            </a:bodyPr>
+            <a:lstStyle/>
+            <a:p>
+              <a:r>
+                <a:rPr kumimoji="1" lang="ko-Kore-KR" altLang="en-US" sz="800" dirty="0"/>
+                <a:t>카페</a:t>
+              </a:r>
+            </a:p>
+          </p:txBody>
+        </p:sp>
+        <p:sp>
+          <p:nvSpPr>
+            <p:cNvPr id="17" name="직사각형 16">
+              <a:extLst>
+                <a:ext uri="{FF2B5EF4-FFF2-40B4-BE49-F238E27FC236}">
+                  <a16:creationId xmlns:a16="http://schemas.microsoft.com/office/drawing/2014/main" id="{DC1529F5-F482-FF42-B52F-B2DFFF2D554A}"/>
+                </a:ext>
+              </a:extLst>
+            </p:cNvPr>
+            <p:cNvSpPr/>
+            <p:nvPr/>
+          </p:nvSpPr>
+          <p:spPr>
+            <a:xfrm>
+              <a:off x="3779016" y="2677869"/>
+              <a:ext cx="2140153" cy="3380903"/>
+            </a:xfrm>
+            <a:prstGeom prst="rect">
+              <a:avLst/>
+            </a:prstGeom>
+            <a:solidFill>
+              <a:srgbClr val="E7E6E6">
+                <a:alpha val="80000"/>
+              </a:srgbClr>
+            </a:solidFill>
+            <a:ln>
+              <a:noFill/>
+            </a:ln>
+          </p:spPr>
+          <p:style>
+            <a:lnRef idx="2">
+              <a:schemeClr val="accent1">
+                <a:shade val="50000"/>
+              </a:schemeClr>
+            </a:lnRef>
+            <a:fillRef idx="1">
+              <a:schemeClr val="accent1"/>
+            </a:fillRef>
+            <a:effectRef idx="0">
+              <a:schemeClr val="accent1"/>
+            </a:effectRef>
+            <a:fontRef idx="minor">
+              <a:schemeClr val="lt1"/>
+            </a:fontRef>
+          </p:style>
+          <p:txBody>
+            <a:bodyPr rtlCol="0" anchor="ctr"/>
+            <a:lstStyle/>
+            <a:p>
+              <a:pPr algn="ctr"/>
+              <a:endParaRPr kumimoji="1" lang="ko-Kore-KR" altLang="en-US"/>
+            </a:p>
+          </p:txBody>
+        </p:sp>
+        <p:sp>
+          <p:nvSpPr>
+            <p:cNvPr id="20" name="모서리가 둥근 직사각형 19">
+              <a:extLst>
+                <a:ext uri="{FF2B5EF4-FFF2-40B4-BE49-F238E27FC236}">
+                  <a16:creationId xmlns:a16="http://schemas.microsoft.com/office/drawing/2014/main" id="{BBDC0E9B-8AD9-CC40-A140-442163F89D3A}"/>
+                </a:ext>
+              </a:extLst>
+            </p:cNvPr>
+            <p:cNvSpPr/>
+            <p:nvPr/>
+          </p:nvSpPr>
+          <p:spPr>
+            <a:xfrm>
+              <a:off x="3779014" y="2709656"/>
+              <a:ext cx="2120565" cy="914400"/>
+            </a:xfrm>
+            <a:prstGeom prst="roundRect">
+              <a:avLst/>
+            </a:prstGeom>
+            <a:solidFill>
+              <a:srgbClr val="D9D9D9"/>
+            </a:solidFill>
+            <a:ln>
+              <a:solidFill>
+                <a:schemeClr val="tx1"/>
+              </a:solidFill>
+            </a:ln>
+          </p:spPr>
+          <p:style>
+            <a:lnRef idx="2">
+              <a:schemeClr val="accent1">
+                <a:shade val="50000"/>
+              </a:schemeClr>
+            </a:lnRef>
+            <a:fillRef idx="1">
+              <a:schemeClr val="accent1"/>
+            </a:fillRef>
+            <a:effectRef idx="0">
+              <a:schemeClr val="accent1"/>
+            </a:effectRef>
+            <a:fontRef idx="minor">
+              <a:schemeClr val="lt1"/>
+            </a:fontRef>
+          </p:style>
+          <p:txBody>
+            <a:bodyPr rtlCol="0" anchor="ctr"/>
+            <a:lstStyle/>
+            <a:p>
+              <a:pPr algn="ctr"/>
+              <a:endParaRPr kumimoji="1" lang="ko-Kore-KR" altLang="en-US"/>
+            </a:p>
+          </p:txBody>
+        </p:sp>
+        <p:sp>
+          <p:nvSpPr>
+            <p:cNvPr id="21" name="모서리가 둥근 직사각형 20">
+              <a:extLst>
+                <a:ext uri="{FF2B5EF4-FFF2-40B4-BE49-F238E27FC236}">
+                  <a16:creationId xmlns:a16="http://schemas.microsoft.com/office/drawing/2014/main" id="{DB559057-C3E5-5F4B-A9A6-DA859119D6F3}"/>
+                </a:ext>
+              </a:extLst>
+            </p:cNvPr>
+            <p:cNvSpPr/>
+            <p:nvPr/>
+          </p:nvSpPr>
+          <p:spPr>
+            <a:xfrm>
+              <a:off x="3779016" y="3655843"/>
+              <a:ext cx="2120565" cy="914400"/>
+            </a:xfrm>
+            <a:prstGeom prst="roundRect">
+              <a:avLst/>
+            </a:prstGeom>
+            <a:solidFill>
+              <a:srgbClr val="D9D9D9"/>
+            </a:solidFill>
+            <a:ln>
+              <a:solidFill>
+                <a:schemeClr val="tx1"/>
+              </a:solidFill>
+            </a:ln>
+          </p:spPr>
+          <p:style>
+            <a:lnRef idx="2">
+              <a:schemeClr val="accent1">
+                <a:shade val="50000"/>
+              </a:schemeClr>
+            </a:lnRef>
+            <a:fillRef idx="1">
+              <a:schemeClr val="accent1"/>
+            </a:fillRef>
+            <a:effectRef idx="0">
+              <a:schemeClr val="accent1"/>
+            </a:effectRef>
+            <a:fontRef idx="minor">
+              <a:schemeClr val="lt1"/>
+            </a:fontRef>
+          </p:style>
+          <p:txBody>
+            <a:bodyPr rtlCol="0" anchor="ctr"/>
+            <a:lstStyle/>
+            <a:p>
+              <a:pPr algn="ctr"/>
+              <a:endParaRPr kumimoji="1" lang="ko-Kore-KR" altLang="en-US"/>
+            </a:p>
+          </p:txBody>
+        </p:sp>
+        <p:sp>
+          <p:nvSpPr>
+            <p:cNvPr id="22" name="모서리가 둥근 직사각형 21">
+              <a:extLst>
+                <a:ext uri="{FF2B5EF4-FFF2-40B4-BE49-F238E27FC236}">
+                  <a16:creationId xmlns:a16="http://schemas.microsoft.com/office/drawing/2014/main" id="{D65AB6D2-0C06-CE4D-BDF0-177A751751DA}"/>
+                </a:ext>
+              </a:extLst>
+            </p:cNvPr>
+            <p:cNvSpPr/>
+            <p:nvPr/>
+          </p:nvSpPr>
+          <p:spPr>
+            <a:xfrm>
+              <a:off x="3779015" y="4618720"/>
+              <a:ext cx="2120565" cy="914400"/>
+            </a:xfrm>
+            <a:prstGeom prst="roundRect">
+              <a:avLst/>
+            </a:prstGeom>
+            <a:solidFill>
+              <a:srgbClr val="D9D9D9"/>
+            </a:solidFill>
+            <a:ln>
+              <a:solidFill>
+                <a:schemeClr val="tx1"/>
+              </a:solidFill>
+            </a:ln>
+          </p:spPr>
+          <p:style>
+            <a:lnRef idx="2">
+              <a:schemeClr val="accent1">
+                <a:shade val="50000"/>
+              </a:schemeClr>
+            </a:lnRef>
+            <a:fillRef idx="1">
+              <a:schemeClr val="accent1"/>
+            </a:fillRef>
+            <a:effectRef idx="0">
+              <a:schemeClr val="accent1"/>
+            </a:effectRef>
+            <a:fontRef idx="minor">
+              <a:schemeClr val="lt1"/>
+            </a:fontRef>
+          </p:style>
+          <p:txBody>
+            <a:bodyPr rtlCol="0" anchor="ctr"/>
+            <a:lstStyle/>
+            <a:p>
+              <a:pPr algn="ctr"/>
+              <a:endParaRPr kumimoji="1" lang="ko-Kore-KR" altLang="en-US"/>
+            </a:p>
+          </p:txBody>
+        </p:sp>
+        <p:pic>
+          <p:nvPicPr>
+            <p:cNvPr id="25" name="그림 24">
+              <a:extLst>
+                <a:ext uri="{FF2B5EF4-FFF2-40B4-BE49-F238E27FC236}">
+                  <a16:creationId xmlns:a16="http://schemas.microsoft.com/office/drawing/2014/main" id="{FCE2C54F-8B84-424D-9805-9551CB6E3457}"/>
+                </a:ext>
+              </a:extLst>
+            </p:cNvPr>
+            <p:cNvPicPr>
+              <a:picLocks/>
+            </p:cNvPicPr>
+            <p:nvPr/>
+          </p:nvPicPr>
+          <p:blipFill>
+            <a:blip r:embed="rId4"/>
+            <a:stretch>
+              <a:fillRect/>
+            </a:stretch>
+          </p:blipFill>
+          <p:spPr>
+            <a:xfrm>
+              <a:off x="5081527" y="2798511"/>
+              <a:ext cx="720000" cy="720000"/>
+            </a:xfrm>
+            <a:prstGeom prst="rect">
+              <a:avLst/>
+            </a:prstGeom>
+          </p:spPr>
+        </p:pic>
+        <p:pic>
+          <p:nvPicPr>
+            <p:cNvPr id="27" name="그림 26" descr="목재의이(가) 표시된 사진&#10;&#10;자동 생성된 설명">
+              <a:extLst>
+                <a:ext uri="{FF2B5EF4-FFF2-40B4-BE49-F238E27FC236}">
+                  <a16:creationId xmlns:a16="http://schemas.microsoft.com/office/drawing/2014/main" id="{C3284CF6-2878-7D41-B598-73CEFA18A775}"/>
+                </a:ext>
+              </a:extLst>
+            </p:cNvPr>
+            <p:cNvPicPr>
+              <a:picLocks noChangeAspect="1"/>
+            </p:cNvPicPr>
+            <p:nvPr/>
+          </p:nvPicPr>
+          <p:blipFill>
+            <a:blip r:embed="rId5"/>
+            <a:stretch>
+              <a:fillRect/>
+            </a:stretch>
+          </p:blipFill>
+          <p:spPr>
+            <a:xfrm>
+              <a:off x="5081527" y="3761703"/>
+              <a:ext cx="720000" cy="720000"/>
+            </a:xfrm>
+            <a:prstGeom prst="rect">
+              <a:avLst/>
+            </a:prstGeom>
+          </p:spPr>
+        </p:pic>
+        <p:pic>
+          <p:nvPicPr>
+            <p:cNvPr id="29" name="그림 28" descr="벽, 테이블, 실내, 커피이(가) 표시된 사진&#10;&#10;자동 생성된 설명">
+              <a:extLst>
+                <a:ext uri="{FF2B5EF4-FFF2-40B4-BE49-F238E27FC236}">
+                  <a16:creationId xmlns:a16="http://schemas.microsoft.com/office/drawing/2014/main" id="{9517485C-5580-144C-B9B9-069F4E03E0B4}"/>
+                </a:ext>
+              </a:extLst>
+            </p:cNvPr>
+            <p:cNvPicPr>
+              <a:picLocks noChangeAspect="1"/>
+            </p:cNvPicPr>
+            <p:nvPr/>
+          </p:nvPicPr>
+          <p:blipFill>
+            <a:blip r:embed="rId6"/>
+            <a:stretch>
+              <a:fillRect/>
+            </a:stretch>
+          </p:blipFill>
+          <p:spPr>
+            <a:xfrm>
+              <a:off x="5081527" y="4712386"/>
+              <a:ext cx="720000" cy="720000"/>
+            </a:xfrm>
+            <a:prstGeom prst="rect">
+              <a:avLst/>
+            </a:prstGeom>
+          </p:spPr>
+        </p:pic>
+        <p:sp>
+          <p:nvSpPr>
+            <p:cNvPr id="30" name="TextBox 29">
+              <a:extLst>
+                <a:ext uri="{FF2B5EF4-FFF2-40B4-BE49-F238E27FC236}">
+                  <a16:creationId xmlns:a16="http://schemas.microsoft.com/office/drawing/2014/main" id="{8647BFFF-A925-D540-B1EC-5EA450F0B696}"/>
+                </a:ext>
+              </a:extLst>
+            </p:cNvPr>
+            <p:cNvSpPr txBox="1"/>
+            <p:nvPr/>
+          </p:nvSpPr>
+          <p:spPr>
+            <a:xfrm>
+              <a:off x="3884416" y="2794408"/>
+              <a:ext cx="914400" cy="230832"/>
+            </a:xfrm>
+            <a:prstGeom prst="rect">
+              <a:avLst/>
+            </a:prstGeom>
+            <a:noFill/>
+          </p:spPr>
+          <p:txBody>
+            <a:bodyPr wrap="square" rtlCol="0">
+              <a:spAutoFit/>
+            </a:bodyPr>
+            <a:lstStyle/>
+            <a:p>
+              <a:r>
+                <a:rPr kumimoji="1" lang="en-US" altLang="ko-Kore-KR" sz="900" dirty="0"/>
+                <a:t>#</a:t>
+              </a:r>
+              <a:r>
+                <a:rPr kumimoji="1" lang="ko-KR" altLang="en-US" sz="900" dirty="0"/>
+                <a:t>파주  </a:t>
+              </a:r>
+              <a:r>
+                <a:rPr kumimoji="1" lang="en-US" altLang="ko-KR" sz="900" dirty="0"/>
+                <a:t>#</a:t>
+              </a:r>
+              <a:r>
+                <a:rPr kumimoji="1" lang="ko-KR" altLang="en-US" sz="900" dirty="0"/>
+                <a:t> 카페</a:t>
+              </a:r>
+              <a:endParaRPr kumimoji="1" lang="ko-Kore-KR" altLang="en-US" sz="900" dirty="0"/>
+            </a:p>
+          </p:txBody>
+        </p:sp>
+        <p:sp>
+          <p:nvSpPr>
+            <p:cNvPr id="31" name="TextBox 30">
+              <a:extLst>
+                <a:ext uri="{FF2B5EF4-FFF2-40B4-BE49-F238E27FC236}">
+                  <a16:creationId xmlns:a16="http://schemas.microsoft.com/office/drawing/2014/main" id="{CC621C5E-B445-CB4B-BA31-6D8B39D886B8}"/>
+                </a:ext>
+              </a:extLst>
+            </p:cNvPr>
+            <p:cNvSpPr txBox="1"/>
+            <p:nvPr/>
+          </p:nvSpPr>
+          <p:spPr>
+            <a:xfrm>
+              <a:off x="3884415" y="3761394"/>
+              <a:ext cx="1037753" cy="230832"/>
+            </a:xfrm>
+            <a:prstGeom prst="rect">
+              <a:avLst/>
+            </a:prstGeom>
+            <a:noFill/>
+          </p:spPr>
+          <p:txBody>
+            <a:bodyPr wrap="square" rtlCol="0">
+              <a:spAutoFit/>
+            </a:bodyPr>
+            <a:lstStyle/>
+            <a:p>
+              <a:r>
+                <a:rPr kumimoji="1" lang="en-US" altLang="ko-Kore-KR" sz="900" dirty="0"/>
+                <a:t>#</a:t>
+              </a:r>
+              <a:r>
+                <a:rPr kumimoji="1" lang="ko-KR" altLang="en-US" sz="900" dirty="0"/>
+                <a:t>강화도  </a:t>
+              </a:r>
+              <a:r>
+                <a:rPr kumimoji="1" lang="en-US" altLang="ko-KR" sz="900" dirty="0"/>
+                <a:t>#</a:t>
+              </a:r>
+              <a:r>
+                <a:rPr kumimoji="1" lang="ko-KR" altLang="en-US" sz="900" dirty="0"/>
+                <a:t> 카페</a:t>
+              </a:r>
+              <a:endParaRPr kumimoji="1" lang="ko-Kore-KR" altLang="en-US" sz="900" dirty="0"/>
+            </a:p>
+          </p:txBody>
+        </p:sp>
+        <p:sp>
+          <p:nvSpPr>
+            <p:cNvPr id="32" name="TextBox 31">
+              <a:extLst>
+                <a:ext uri="{FF2B5EF4-FFF2-40B4-BE49-F238E27FC236}">
+                  <a16:creationId xmlns:a16="http://schemas.microsoft.com/office/drawing/2014/main" id="{D45068FD-7092-2B42-9B71-E2B1B669CFDB}"/>
+                </a:ext>
+              </a:extLst>
+            </p:cNvPr>
+            <p:cNvSpPr txBox="1"/>
+            <p:nvPr/>
+          </p:nvSpPr>
+          <p:spPr>
+            <a:xfrm>
+              <a:off x="3884416" y="4718303"/>
+              <a:ext cx="914400" cy="230832"/>
+            </a:xfrm>
+            <a:prstGeom prst="rect">
+              <a:avLst/>
+            </a:prstGeom>
+            <a:noFill/>
+          </p:spPr>
+          <p:txBody>
+            <a:bodyPr wrap="square" rtlCol="0">
+              <a:spAutoFit/>
+            </a:bodyPr>
+            <a:lstStyle/>
+            <a:p>
+              <a:r>
+                <a:rPr kumimoji="1" lang="en-US" altLang="ko-Kore-KR" sz="900" dirty="0"/>
+                <a:t>#</a:t>
+              </a:r>
+              <a:r>
+                <a:rPr kumimoji="1" lang="ko-KR" altLang="en-US" sz="900" dirty="0"/>
+                <a:t>건대  </a:t>
+              </a:r>
+              <a:r>
+                <a:rPr kumimoji="1" lang="en-US" altLang="ko-KR" sz="900" dirty="0"/>
+                <a:t>#</a:t>
+              </a:r>
+              <a:r>
+                <a:rPr kumimoji="1" lang="ko-KR" altLang="en-US" sz="900" dirty="0"/>
+                <a:t> 카페</a:t>
+              </a:r>
+              <a:endParaRPr kumimoji="1" lang="ko-Kore-KR" altLang="en-US" sz="900" dirty="0"/>
+            </a:p>
+          </p:txBody>
+        </p:sp>
+        <p:sp>
+          <p:nvSpPr>
+            <p:cNvPr id="33" name="TextBox 32">
+              <a:extLst>
+                <a:ext uri="{FF2B5EF4-FFF2-40B4-BE49-F238E27FC236}">
+                  <a16:creationId xmlns:a16="http://schemas.microsoft.com/office/drawing/2014/main" id="{1CB494FE-D9B6-9146-9EE4-0A26DAA0AA9F}"/>
+                </a:ext>
+              </a:extLst>
+            </p:cNvPr>
+            <p:cNvSpPr txBox="1"/>
+            <p:nvPr/>
+          </p:nvSpPr>
+          <p:spPr>
+            <a:xfrm>
+              <a:off x="3884415" y="5199091"/>
+              <a:ext cx="914400" cy="230832"/>
+            </a:xfrm>
+            <a:prstGeom prst="rect">
+              <a:avLst/>
+            </a:prstGeom>
+            <a:noFill/>
+          </p:spPr>
+          <p:txBody>
+            <a:bodyPr wrap="square" rtlCol="0">
+              <a:spAutoFit/>
+            </a:bodyPr>
+            <a:lstStyle/>
+            <a:p>
+              <a:r>
+                <a:rPr kumimoji="1" lang="en-US" altLang="ko-Kore-KR" sz="900" dirty="0"/>
+                <a:t>Jan,15 / 2022</a:t>
+              </a:r>
+              <a:endParaRPr kumimoji="1" lang="ko-Kore-KR" altLang="en-US" sz="900" dirty="0"/>
+            </a:p>
+          </p:txBody>
+        </p:sp>
+        <p:sp>
+          <p:nvSpPr>
+            <p:cNvPr id="34" name="TextBox 33">
+              <a:extLst>
+                <a:ext uri="{FF2B5EF4-FFF2-40B4-BE49-F238E27FC236}">
+                  <a16:creationId xmlns:a16="http://schemas.microsoft.com/office/drawing/2014/main" id="{3F677E74-CA3E-1746-9B6F-A2E07AC6993A}"/>
+                </a:ext>
+              </a:extLst>
+            </p:cNvPr>
+            <p:cNvSpPr txBox="1"/>
+            <p:nvPr/>
+          </p:nvSpPr>
+          <p:spPr>
+            <a:xfrm>
+              <a:off x="3882301" y="4247077"/>
+              <a:ext cx="914400" cy="230832"/>
+            </a:xfrm>
+            <a:prstGeom prst="rect">
+              <a:avLst/>
+            </a:prstGeom>
+            <a:noFill/>
+          </p:spPr>
+          <p:txBody>
+            <a:bodyPr wrap="square" rtlCol="0">
+              <a:spAutoFit/>
+            </a:bodyPr>
+            <a:lstStyle/>
+            <a:p>
+              <a:r>
+                <a:rPr kumimoji="1" lang="en-US" altLang="ko-Kore-KR" sz="900" dirty="0"/>
+                <a:t>Jan,30 / 2022</a:t>
+              </a:r>
+              <a:endParaRPr kumimoji="1" lang="ko-Kore-KR" altLang="en-US" sz="900" dirty="0"/>
+            </a:p>
+          </p:txBody>
+        </p:sp>
+        <p:sp>
+          <p:nvSpPr>
+            <p:cNvPr id="35" name="TextBox 34">
+              <a:extLst>
+                <a:ext uri="{FF2B5EF4-FFF2-40B4-BE49-F238E27FC236}">
+                  <a16:creationId xmlns:a16="http://schemas.microsoft.com/office/drawing/2014/main" id="{D229D25F-4C95-D448-8582-3CB2FC0C89C5}"/>
+                </a:ext>
+              </a:extLst>
+            </p:cNvPr>
+            <p:cNvSpPr txBox="1"/>
+            <p:nvPr/>
+          </p:nvSpPr>
+          <p:spPr>
+            <a:xfrm>
+              <a:off x="3882301" y="3285357"/>
+              <a:ext cx="914400" cy="230832"/>
+            </a:xfrm>
+            <a:prstGeom prst="rect">
+              <a:avLst/>
+            </a:prstGeom>
+            <a:noFill/>
+          </p:spPr>
+          <p:txBody>
+            <a:bodyPr wrap="square" rtlCol="0">
+              <a:spAutoFit/>
+            </a:bodyPr>
+            <a:lstStyle/>
+            <a:p>
+              <a:r>
+                <a:rPr kumimoji="1" lang="en-US" altLang="ko-Kore-KR" sz="900" dirty="0"/>
+                <a:t>Feb,06 / 2022</a:t>
+              </a:r>
+              <a:endParaRPr kumimoji="1" lang="ko-Kore-KR" altLang="en-US" sz="900" dirty="0"/>
+            </a:p>
+          </p:txBody>
+        </p:sp>
+      </p:grpSp>
+      <p:grpSp>
+        <p:nvGrpSpPr>
+          <p:cNvPr id="44" name="그룹 43">
+            <a:extLst>
+              <a:ext uri="{FF2B5EF4-FFF2-40B4-BE49-F238E27FC236}">
+                <a16:creationId xmlns:a16="http://schemas.microsoft.com/office/drawing/2014/main" id="{7320DD0D-5FD8-3841-BED0-106B6BD875A3}"/>
+              </a:ext>
+            </a:extLst>
+          </p:cNvPr>
+          <p:cNvGrpSpPr/>
+          <p:nvPr/>
+        </p:nvGrpSpPr>
+        <p:grpSpPr>
+          <a:xfrm>
+            <a:off x="9452300" y="1778000"/>
+            <a:ext cx="2463800" cy="5080000"/>
+            <a:chOff x="9452300" y="1778000"/>
+            <a:chExt cx="2463800" cy="5080000"/>
+          </a:xfrm>
+        </p:grpSpPr>
+        <p:pic>
+          <p:nvPicPr>
+            <p:cNvPr id="14" name="그림 13">
+              <a:extLst>
+                <a:ext uri="{FF2B5EF4-FFF2-40B4-BE49-F238E27FC236}">
+                  <a16:creationId xmlns:a16="http://schemas.microsoft.com/office/drawing/2014/main" id="{8128447A-D567-FA4D-B13B-B80A3F3507B3}"/>
+                </a:ext>
+              </a:extLst>
+            </p:cNvPr>
+            <p:cNvPicPr>
+              <a:picLocks noChangeAspect="1"/>
+            </p:cNvPicPr>
+            <p:nvPr/>
+          </p:nvPicPr>
+          <p:blipFill>
+            <a:blip r:embed="rId2"/>
+            <a:stretch>
+              <a:fillRect/>
+            </a:stretch>
+          </p:blipFill>
+          <p:spPr>
+            <a:xfrm>
+              <a:off x="9452300" y="1778000"/>
+              <a:ext cx="2463800" cy="5080000"/>
+            </a:xfrm>
+            <a:prstGeom prst="rect">
+              <a:avLst/>
+            </a:prstGeom>
+          </p:spPr>
+        </p:pic>
+        <p:sp>
+          <p:nvSpPr>
+            <p:cNvPr id="37" name="타원 36">
+              <a:extLst>
+                <a:ext uri="{FF2B5EF4-FFF2-40B4-BE49-F238E27FC236}">
+                  <a16:creationId xmlns:a16="http://schemas.microsoft.com/office/drawing/2014/main" id="{E149FF74-34BA-CF46-B943-9081D3F5FCFC}"/>
+                </a:ext>
+              </a:extLst>
+            </p:cNvPr>
+            <p:cNvSpPr/>
+            <p:nvPr/>
+          </p:nvSpPr>
+          <p:spPr>
+            <a:xfrm flipV="1">
+              <a:off x="10538676" y="3098054"/>
+              <a:ext cx="72000" cy="72000"/>
+            </a:xfrm>
+            <a:prstGeom prst="ellipse">
+              <a:avLst/>
+            </a:prstGeom>
+            <a:solidFill>
+              <a:srgbClr val="FD997D"/>
+            </a:solidFill>
+            <a:ln>
+              <a:noFill/>
+            </a:ln>
+          </p:spPr>
+          <p:style>
+            <a:lnRef idx="2">
+              <a:schemeClr val="accent1">
+                <a:shade val="50000"/>
+              </a:schemeClr>
+            </a:lnRef>
+            <a:fillRef idx="1">
+              <a:schemeClr val="accent1"/>
+            </a:fillRef>
+            <a:effectRef idx="0">
+              <a:schemeClr val="accent1"/>
+            </a:effectRef>
+            <a:fontRef idx="minor">
+              <a:schemeClr val="lt1"/>
+            </a:fontRef>
+          </p:style>
+          <p:txBody>
+            <a:bodyPr rtlCol="0" anchor="ctr"/>
+            <a:lstStyle/>
+            <a:p>
+              <a:pPr algn="ctr"/>
+              <a:endParaRPr kumimoji="1" lang="ko-Kore-KR" altLang="en-US"/>
+            </a:p>
+          </p:txBody>
+        </p:sp>
+        <p:sp>
+          <p:nvSpPr>
+            <p:cNvPr id="38" name="타원 37">
+              <a:extLst>
+                <a:ext uri="{FF2B5EF4-FFF2-40B4-BE49-F238E27FC236}">
+                  <a16:creationId xmlns:a16="http://schemas.microsoft.com/office/drawing/2014/main" id="{E7CB4C5C-E2E8-F14D-9C52-A9B6B4646914}"/>
+                </a:ext>
+              </a:extLst>
+            </p:cNvPr>
+            <p:cNvSpPr/>
+            <p:nvPr/>
+          </p:nvSpPr>
+          <p:spPr>
+            <a:xfrm flipV="1">
+              <a:off x="11053539" y="3093933"/>
+              <a:ext cx="72000" cy="72000"/>
+            </a:xfrm>
+            <a:prstGeom prst="ellipse">
+              <a:avLst/>
+            </a:prstGeom>
+            <a:solidFill>
+              <a:srgbClr val="FD997D"/>
+            </a:solidFill>
+            <a:ln>
+              <a:noFill/>
+            </a:ln>
+          </p:spPr>
+          <p:style>
+            <a:lnRef idx="2">
+              <a:schemeClr val="accent1">
+                <a:shade val="50000"/>
+              </a:schemeClr>
+            </a:lnRef>
+            <a:fillRef idx="1">
+              <a:schemeClr val="accent1"/>
+            </a:fillRef>
+            <a:effectRef idx="0">
+              <a:schemeClr val="accent1"/>
+            </a:effectRef>
+            <a:fontRef idx="minor">
+              <a:schemeClr val="lt1"/>
+            </a:fontRef>
+          </p:style>
+          <p:txBody>
+            <a:bodyPr rtlCol="0" anchor="ctr"/>
+            <a:lstStyle/>
+            <a:p>
+              <a:pPr algn="ctr"/>
+              <a:endParaRPr kumimoji="1" lang="ko-Kore-KR" altLang="en-US"/>
+            </a:p>
+          </p:txBody>
+        </p:sp>
+        <p:sp>
+          <p:nvSpPr>
+            <p:cNvPr id="39" name="타원 38">
+              <a:extLst>
+                <a:ext uri="{FF2B5EF4-FFF2-40B4-BE49-F238E27FC236}">
+                  <a16:creationId xmlns:a16="http://schemas.microsoft.com/office/drawing/2014/main" id="{FA44A36A-40B2-D740-AD0C-3531E71F4449}"/>
+                </a:ext>
+              </a:extLst>
+            </p:cNvPr>
+            <p:cNvSpPr/>
+            <p:nvPr/>
+          </p:nvSpPr>
+          <p:spPr>
+            <a:xfrm flipV="1">
+              <a:off x="11317153" y="3374023"/>
+              <a:ext cx="72000" cy="72000"/>
+            </a:xfrm>
+            <a:prstGeom prst="ellipse">
+              <a:avLst/>
+            </a:prstGeom>
+            <a:solidFill>
+              <a:srgbClr val="FD997D"/>
+            </a:solidFill>
+            <a:ln>
+              <a:noFill/>
+            </a:ln>
+          </p:spPr>
+          <p:style>
+            <a:lnRef idx="2">
+              <a:schemeClr val="accent1">
+                <a:shade val="50000"/>
+              </a:schemeClr>
+            </a:lnRef>
+            <a:fillRef idx="1">
+              <a:schemeClr val="accent1"/>
+            </a:fillRef>
+            <a:effectRef idx="0">
+              <a:schemeClr val="accent1"/>
+            </a:effectRef>
+            <a:fontRef idx="minor">
+              <a:schemeClr val="lt1"/>
+            </a:fontRef>
+          </p:style>
+          <p:txBody>
+            <a:bodyPr rtlCol="0" anchor="ctr"/>
+            <a:lstStyle/>
+            <a:p>
+              <a:pPr algn="ctr"/>
+              <a:endParaRPr kumimoji="1" lang="ko-Kore-KR" altLang="en-US"/>
+            </a:p>
+          </p:txBody>
+        </p:sp>
+        <p:sp>
+          <p:nvSpPr>
+            <p:cNvPr id="40" name="타원 39">
+              <a:extLst>
+                <a:ext uri="{FF2B5EF4-FFF2-40B4-BE49-F238E27FC236}">
+                  <a16:creationId xmlns:a16="http://schemas.microsoft.com/office/drawing/2014/main" id="{75743D9E-2F45-8847-878F-177193011627}"/>
+                </a:ext>
+              </a:extLst>
+            </p:cNvPr>
+            <p:cNvSpPr/>
+            <p:nvPr/>
+          </p:nvSpPr>
+          <p:spPr>
+            <a:xfrm flipV="1">
+              <a:off x="10032047" y="3374023"/>
+              <a:ext cx="72000" cy="72000"/>
+            </a:xfrm>
+            <a:prstGeom prst="ellipse">
+              <a:avLst/>
+            </a:prstGeom>
+            <a:solidFill>
+              <a:srgbClr val="FD997D"/>
+            </a:solidFill>
+            <a:ln>
+              <a:noFill/>
+            </a:ln>
+          </p:spPr>
+          <p:style>
+            <a:lnRef idx="2">
+              <a:schemeClr val="accent1">
+                <a:shade val="50000"/>
+              </a:schemeClr>
+            </a:lnRef>
+            <a:fillRef idx="1">
+              <a:schemeClr val="accent1"/>
+            </a:fillRef>
+            <a:effectRef idx="0">
+              <a:schemeClr val="accent1"/>
+            </a:effectRef>
+            <a:fontRef idx="minor">
+              <a:schemeClr val="lt1"/>
+            </a:fontRef>
+          </p:style>
+          <p:txBody>
+            <a:bodyPr rtlCol="0" anchor="ctr"/>
+            <a:lstStyle/>
+            <a:p>
+              <a:pPr algn="ctr"/>
+              <a:endParaRPr kumimoji="1" lang="ko-Kore-KR" altLang="en-US"/>
+            </a:p>
+          </p:txBody>
+        </p:sp>
+        <p:sp>
+          <p:nvSpPr>
+            <p:cNvPr id="41" name="타원 40">
+              <a:extLst>
+                <a:ext uri="{FF2B5EF4-FFF2-40B4-BE49-F238E27FC236}">
+                  <a16:creationId xmlns:a16="http://schemas.microsoft.com/office/drawing/2014/main" id="{37F7EC56-5CB5-1546-9739-2E64421F9E68}"/>
+                </a:ext>
+              </a:extLst>
+            </p:cNvPr>
+            <p:cNvSpPr/>
+            <p:nvPr/>
+          </p:nvSpPr>
+          <p:spPr>
+            <a:xfrm flipV="1">
+              <a:off x="10270945" y="3645874"/>
+              <a:ext cx="72000" cy="72000"/>
+            </a:xfrm>
+            <a:prstGeom prst="ellipse">
+              <a:avLst/>
+            </a:prstGeom>
+            <a:solidFill>
+              <a:srgbClr val="FD997D"/>
+            </a:solidFill>
+            <a:ln>
+              <a:noFill/>
+            </a:ln>
+          </p:spPr>
+          <p:style>
+            <a:lnRef idx="2">
+              <a:schemeClr val="accent1">
+                <a:shade val="50000"/>
+              </a:schemeClr>
+            </a:lnRef>
+            <a:fillRef idx="1">
+              <a:schemeClr val="accent1"/>
+            </a:fillRef>
+            <a:effectRef idx="0">
+              <a:schemeClr val="accent1"/>
+            </a:effectRef>
+            <a:fontRef idx="minor">
+              <a:schemeClr val="lt1"/>
+            </a:fontRef>
+          </p:style>
+          <p:txBody>
+            <a:bodyPr rtlCol="0" anchor="ctr"/>
+            <a:lstStyle/>
+            <a:p>
+              <a:pPr algn="ctr"/>
+              <a:endParaRPr kumimoji="1" lang="ko-Kore-KR" altLang="en-US"/>
+            </a:p>
+          </p:txBody>
+        </p:sp>
+      </p:grpSp>
     </p:spTree>
     <p:extLst>
       <p:ext uri="{BB962C8B-B14F-4D97-AF65-F5344CB8AC3E}">
-        <p14:creationId xmlns:p14="http://schemas.microsoft.com/office/powerpoint/2010/main" val="2660253606"/>
+        <p14:creationId xmlns:p14="http://schemas.microsoft.com/office/powerpoint/2010/main" val="2627261326"/>
       </p:ext>
     </p:extLst>
   </p:cSld>
@@ -3978,10 +5928,10 @@
       </p:grpSpPr>
       <p:sp>
         <p:nvSpPr>
-          <p:cNvPr id="18" name="모서리가 둥근 직사각형 17">
-            <a:extLst>
-              <a:ext uri="{FF2B5EF4-FFF2-40B4-BE49-F238E27FC236}">
-                <a16:creationId xmlns:a16="http://schemas.microsoft.com/office/drawing/2014/main" id="{4594A7BC-C032-D84F-A272-BDB9034B2C4B}"/>
+          <p:cNvPr id="6" name="모서리가 둥근 직사각형 5">
+            <a:extLst>
+              <a:ext uri="{FF2B5EF4-FFF2-40B4-BE49-F238E27FC236}">
+                <a16:creationId xmlns:a16="http://schemas.microsoft.com/office/drawing/2014/main" id="{24BCA98C-E55E-2F41-8DBC-C4145CB55070}"/>
               </a:ext>
             </a:extLst>
           </p:cNvPr>
@@ -4025,49 +5975,18 @@
           <a:p>
             <a:pPr algn="ctr"/>
             <a:r>
-              <a:rPr kumimoji="1" lang="en-US" altLang="ko-Kore-KR" dirty="0"/>
-              <a:t>To-Do</a:t>
+              <a:rPr kumimoji="1" lang="ko-Kore-KR" altLang="en-US" dirty="0"/>
+              <a:t>다이어리</a:t>
             </a:r>
-            <a:endParaRPr kumimoji="1" lang="ko-Kore-KR" altLang="en-US" dirty="0"/>
           </a:p>
         </p:txBody>
       </p:sp>
-      <p:pic>
-        <p:nvPicPr>
-          <p:cNvPr id="2" name="그림 1">
-            <a:extLst>
-              <a:ext uri="{FF2B5EF4-FFF2-40B4-BE49-F238E27FC236}">
-                <a16:creationId xmlns:a16="http://schemas.microsoft.com/office/drawing/2014/main" id="{A82FDE9B-3633-BC40-A669-57DE22E257CA}"/>
-              </a:ext>
-            </a:extLst>
-          </p:cNvPr>
-          <p:cNvPicPr>
-            <a:picLocks noChangeAspect="1"/>
-          </p:cNvPicPr>
-          <p:nvPr/>
-        </p:nvPicPr>
-        <p:blipFill>
-          <a:blip r:embed="rId2"/>
-          <a:stretch>
-            <a:fillRect/>
-          </a:stretch>
-        </p:blipFill>
-        <p:spPr>
-          <a:xfrm>
-            <a:off x="722150" y="1778000"/>
-            <a:ext cx="2463800" cy="5080000"/>
-          </a:xfrm>
-          <a:prstGeom prst="rect">
-            <a:avLst/>
-          </a:prstGeom>
-        </p:spPr>
-      </p:pic>
       <p:sp>
         <p:nvSpPr>
-          <p:cNvPr id="37" name="모서리가 둥근 직사각형 36">
-            <a:extLst>
-              <a:ext uri="{FF2B5EF4-FFF2-40B4-BE49-F238E27FC236}">
-                <a16:creationId xmlns:a16="http://schemas.microsoft.com/office/drawing/2014/main" id="{661CE2AC-1E2E-AA42-B07E-6651B13B63CA}"/>
+          <p:cNvPr id="15" name="모서리가 둥근 직사각형 14">
+            <a:extLst>
+              <a:ext uri="{FF2B5EF4-FFF2-40B4-BE49-F238E27FC236}">
+                <a16:creationId xmlns:a16="http://schemas.microsoft.com/office/drawing/2014/main" id="{5E9F189D-90AF-C442-B498-82679F0C21EE}"/>
               </a:ext>
             </a:extLst>
           </p:cNvPr>
@@ -4111,8 +6030,20 @@
           <a:p>
             <a:pPr algn="ctr"/>
             <a:r>
+              <a:rPr kumimoji="1" lang="en-US" altLang="ko-Kore-KR" dirty="0"/>
+              <a:t>Add</a:t>
+            </a:r>
+            <a:r>
+              <a:rPr kumimoji="1" lang="en-US" altLang="ko-KR" dirty="0"/>
+              <a:t>/</a:t>
+            </a:r>
+            <a:r>
+              <a:rPr kumimoji="1" lang="en-US" altLang="ko-KR" dirty="0" err="1"/>
+              <a:t>Edit</a:t>
+            </a:r>
+            <a:r>
               <a:rPr kumimoji="1" lang="en-US" altLang="ko-Kore-KR" dirty="0" err="1"/>
-              <a:t>ToDoViewController</a:t>
+              <a:t>ViewController</a:t>
             </a:r>
             <a:endParaRPr kumimoji="1" lang="ko-Kore-KR" altLang="en-US" dirty="0"/>
           </a:p>
@@ -4120,10 +6051,40 @@
       </p:sp>
       <p:pic>
         <p:nvPicPr>
-          <p:cNvPr id="16" name="그림 15">
-            <a:extLst>
-              <a:ext uri="{FF2B5EF4-FFF2-40B4-BE49-F238E27FC236}">
-                <a16:creationId xmlns:a16="http://schemas.microsoft.com/office/drawing/2014/main" id="{5571B0BA-DF33-3B48-A331-0649F3A8CEBD}"/>
+          <p:cNvPr id="3" name="그림 2">
+            <a:extLst>
+              <a:ext uri="{FF2B5EF4-FFF2-40B4-BE49-F238E27FC236}">
+                <a16:creationId xmlns:a16="http://schemas.microsoft.com/office/drawing/2014/main" id="{4050EDAC-FCE8-A347-B3FC-C90E7EB1044F}"/>
+              </a:ext>
+            </a:extLst>
+          </p:cNvPr>
+          <p:cNvPicPr>
+            <a:picLocks noChangeAspect="1"/>
+          </p:cNvPicPr>
+          <p:nvPr/>
+        </p:nvPicPr>
+        <p:blipFill>
+          <a:blip r:embed="rId2"/>
+          <a:stretch>
+            <a:fillRect/>
+          </a:stretch>
+        </p:blipFill>
+        <p:spPr>
+          <a:xfrm>
+            <a:off x="722150" y="1778000"/>
+            <a:ext cx="2463800" cy="5080000"/>
+          </a:xfrm>
+          <a:prstGeom prst="rect">
+            <a:avLst/>
+          </a:prstGeom>
+        </p:spPr>
+      </p:pic>
+      <p:pic>
+        <p:nvPicPr>
+          <p:cNvPr id="7" name="그림 6">
+            <a:extLst>
+              <a:ext uri="{FF2B5EF4-FFF2-40B4-BE49-F238E27FC236}">
+                <a16:creationId xmlns:a16="http://schemas.microsoft.com/office/drawing/2014/main" id="{3C1CD9BE-E56A-8541-910B-55DEC9FF7E80}"/>
               </a:ext>
             </a:extLst>
           </p:cNvPr>
@@ -4140,7 +6101,7 @@
         </p:blipFill>
         <p:spPr>
           <a:xfrm>
-            <a:off x="4864100" y="1778000"/>
+            <a:off x="3632200" y="1778000"/>
             <a:ext cx="2463800" cy="5080000"/>
           </a:xfrm>
           <a:prstGeom prst="rect">
@@ -4148,10 +6109,804 @@
           </a:prstGeom>
         </p:spPr>
       </p:pic>
+      <p:grpSp>
+        <p:nvGrpSpPr>
+          <p:cNvPr id="23" name="그룹 22">
+            <a:extLst>
+              <a:ext uri="{FF2B5EF4-FFF2-40B4-BE49-F238E27FC236}">
+                <a16:creationId xmlns:a16="http://schemas.microsoft.com/office/drawing/2014/main" id="{80F8F134-7AF5-5742-8C5E-BBC8BA48ED3C}"/>
+              </a:ext>
+            </a:extLst>
+          </p:cNvPr>
+          <p:cNvGrpSpPr/>
+          <p:nvPr/>
+        </p:nvGrpSpPr>
+        <p:grpSpPr>
+          <a:xfrm>
+            <a:off x="6542250" y="1778000"/>
+            <a:ext cx="2463800" cy="5080000"/>
+            <a:chOff x="6542250" y="1778000"/>
+            <a:chExt cx="2463800" cy="5080000"/>
+          </a:xfrm>
+        </p:grpSpPr>
+        <p:pic>
+          <p:nvPicPr>
+            <p:cNvPr id="12" name="그림 11">
+              <a:extLst>
+                <a:ext uri="{FF2B5EF4-FFF2-40B4-BE49-F238E27FC236}">
+                  <a16:creationId xmlns:a16="http://schemas.microsoft.com/office/drawing/2014/main" id="{204B160E-05AC-9F41-902B-246FB19BE127}"/>
+                </a:ext>
+              </a:extLst>
+            </p:cNvPr>
+            <p:cNvPicPr>
+              <a:picLocks noChangeAspect="1"/>
+            </p:cNvPicPr>
+            <p:nvPr/>
+          </p:nvPicPr>
+          <p:blipFill>
+            <a:blip r:embed="rId2"/>
+            <a:stretch>
+              <a:fillRect/>
+            </a:stretch>
+          </p:blipFill>
+          <p:spPr>
+            <a:xfrm>
+              <a:off x="6542250" y="1778000"/>
+              <a:ext cx="2463800" cy="5080000"/>
+            </a:xfrm>
+            <a:prstGeom prst="rect">
+              <a:avLst/>
+            </a:prstGeom>
+          </p:spPr>
+        </p:pic>
+        <p:sp>
+          <p:nvSpPr>
+            <p:cNvPr id="17" name="모서리가 둥근 직사각형 16">
+              <a:extLst>
+                <a:ext uri="{FF2B5EF4-FFF2-40B4-BE49-F238E27FC236}">
+                  <a16:creationId xmlns:a16="http://schemas.microsoft.com/office/drawing/2014/main" id="{513A2B7B-7DE3-E040-9481-14A1AFBC963C}"/>
+                </a:ext>
+              </a:extLst>
+            </p:cNvPr>
+            <p:cNvSpPr/>
+            <p:nvPr/>
+          </p:nvSpPr>
+          <p:spPr>
+            <a:xfrm>
+              <a:off x="6749147" y="5198076"/>
+              <a:ext cx="2047103" cy="543697"/>
+            </a:xfrm>
+            <a:prstGeom prst="roundRect">
+              <a:avLst/>
+            </a:prstGeom>
+            <a:solidFill>
+              <a:schemeClr val="bg1"/>
+            </a:solidFill>
+            <a:ln>
+              <a:noFill/>
+            </a:ln>
+          </p:spPr>
+          <p:style>
+            <a:lnRef idx="2">
+              <a:schemeClr val="accent1">
+                <a:shade val="50000"/>
+              </a:schemeClr>
+            </a:lnRef>
+            <a:fillRef idx="1">
+              <a:schemeClr val="accent1"/>
+            </a:fillRef>
+            <a:effectRef idx="0">
+              <a:schemeClr val="accent1"/>
+            </a:effectRef>
+            <a:fontRef idx="minor">
+              <a:schemeClr val="lt1"/>
+            </a:fontRef>
+          </p:style>
+          <p:txBody>
+            <a:bodyPr rtlCol="0" anchor="ctr"/>
+            <a:lstStyle/>
+            <a:p>
+              <a:r>
+                <a:rPr kumimoji="1" lang="ko-KR" altLang="en-US" sz="900" dirty="0">
+                  <a:solidFill>
+                    <a:schemeClr val="tx1"/>
+                  </a:solidFill>
+                  <a:ea typeface="Nanum Pen Script" panose="03040600000000000000" pitchFamily="66" charset="-127"/>
+                </a:rPr>
+                <a:t>노래방에서 아주 귀여운 고양이를 보았다</a:t>
+              </a:r>
+              <a:r>
+                <a:rPr kumimoji="1" lang="en-US" altLang="ko-KR" sz="900" dirty="0">
+                  <a:solidFill>
+                    <a:schemeClr val="tx1"/>
+                  </a:solidFill>
+                  <a:ea typeface="Nanum Pen Script" panose="03040600000000000000" pitchFamily="66" charset="-127"/>
+                </a:rPr>
+                <a:t>.</a:t>
+              </a:r>
+            </a:p>
+            <a:p>
+              <a:r>
+                <a:rPr kumimoji="1" lang="ko-KR" altLang="en-US" sz="900" dirty="0">
+                  <a:solidFill>
+                    <a:schemeClr val="tx1"/>
+                  </a:solidFill>
+                  <a:ea typeface="Nanum Pen Script" panose="03040600000000000000" pitchFamily="66" charset="-127"/>
+                </a:rPr>
+                <a:t>노래방 의자에서 서로 머리를 맞대고 자고 있는데</a:t>
+              </a:r>
+              <a:endParaRPr kumimoji="1" lang="en-US" altLang="ko-KR" sz="900" dirty="0">
+                <a:solidFill>
+                  <a:schemeClr val="tx1"/>
+                </a:solidFill>
+                <a:ea typeface="Nanum Pen Script" panose="03040600000000000000" pitchFamily="66" charset="-127"/>
+              </a:endParaRPr>
+            </a:p>
+            <a:p>
+              <a:r>
+                <a:rPr kumimoji="1" lang="ko-KR" altLang="en-US" sz="900" dirty="0">
+                  <a:solidFill>
+                    <a:schemeClr val="tx1"/>
+                  </a:solidFill>
+                  <a:ea typeface="Nanum Pen Script" panose="03040600000000000000" pitchFamily="66" charset="-127"/>
+                </a:rPr>
+                <a:t>너무 귀여워서 노래 </a:t>
+              </a:r>
+              <a:r>
+                <a:rPr kumimoji="1" lang="ko-KR" altLang="en-US" sz="900" dirty="0" err="1">
+                  <a:solidFill>
+                    <a:schemeClr val="tx1"/>
+                  </a:solidFill>
+                  <a:ea typeface="Nanum Pen Script" panose="03040600000000000000" pitchFamily="66" charset="-127"/>
+                </a:rPr>
+                <a:t>부른것보다</a:t>
+              </a:r>
+              <a:r>
+                <a:rPr kumimoji="1" lang="ko-KR" altLang="en-US" sz="900" dirty="0">
+                  <a:solidFill>
+                    <a:schemeClr val="tx1"/>
+                  </a:solidFill>
+                  <a:ea typeface="Nanum Pen Script" panose="03040600000000000000" pitchFamily="66" charset="-127"/>
+                </a:rPr>
+                <a:t> 고양이 구경을 오래했다</a:t>
+              </a:r>
+              <a:r>
+                <a:rPr kumimoji="1" lang="en-US" altLang="ko-KR" sz="900" dirty="0">
+                  <a:solidFill>
+                    <a:schemeClr val="tx1"/>
+                  </a:solidFill>
+                  <a:ea typeface="Nanum Pen Script" panose="03040600000000000000" pitchFamily="66" charset="-127"/>
+                </a:rPr>
+                <a:t>.</a:t>
+              </a:r>
+              <a:endParaRPr kumimoji="1" lang="ko-Kore-KR" altLang="en-US" sz="900" dirty="0">
+                <a:solidFill>
+                  <a:schemeClr val="tx1"/>
+                </a:solidFill>
+                <a:ea typeface="Nanum Pen Script" panose="03040600000000000000" pitchFamily="66" charset="-127"/>
+              </a:endParaRPr>
+            </a:p>
+          </p:txBody>
+        </p:sp>
+        <p:sp>
+          <p:nvSpPr>
+            <p:cNvPr id="18" name="모서리가 둥근 직사각형 17">
+              <a:extLst>
+                <a:ext uri="{FF2B5EF4-FFF2-40B4-BE49-F238E27FC236}">
+                  <a16:creationId xmlns:a16="http://schemas.microsoft.com/office/drawing/2014/main" id="{B8A92FBE-63DF-C94F-BC7C-7F776018117A}"/>
+                </a:ext>
+              </a:extLst>
+            </p:cNvPr>
+            <p:cNvSpPr/>
+            <p:nvPr/>
+          </p:nvSpPr>
+          <p:spPr>
+            <a:xfrm>
+              <a:off x="6749147" y="5960075"/>
+              <a:ext cx="2047103" cy="210065"/>
+            </a:xfrm>
+            <a:prstGeom prst="roundRect">
+              <a:avLst/>
+            </a:prstGeom>
+            <a:solidFill>
+              <a:schemeClr val="bg1"/>
+            </a:solidFill>
+            <a:ln>
+              <a:noFill/>
+            </a:ln>
+          </p:spPr>
+          <p:style>
+            <a:lnRef idx="2">
+              <a:schemeClr val="accent1">
+                <a:shade val="50000"/>
+              </a:schemeClr>
+            </a:lnRef>
+            <a:fillRef idx="1">
+              <a:schemeClr val="accent1"/>
+            </a:fillRef>
+            <a:effectRef idx="0">
+              <a:schemeClr val="accent1"/>
+            </a:effectRef>
+            <a:fontRef idx="minor">
+              <a:schemeClr val="lt1"/>
+            </a:fontRef>
+          </p:style>
+          <p:txBody>
+            <a:bodyPr rtlCol="0" anchor="ctr"/>
+            <a:lstStyle/>
+            <a:p>
+              <a:r>
+                <a:rPr kumimoji="1" lang="en-US" altLang="ko-Kore-KR" sz="900" b="1" dirty="0">
+                  <a:solidFill>
+                    <a:schemeClr val="tx1"/>
+                  </a:solidFill>
+                  <a:latin typeface="Nanum Pen Script" panose="03040600000000000000" pitchFamily="66" charset="-127"/>
+                  <a:ea typeface="Nanum Pen Script" panose="03040600000000000000" pitchFamily="66" charset="-127"/>
+                </a:rPr>
+                <a:t>#</a:t>
+              </a:r>
+              <a:r>
+                <a:rPr kumimoji="1" lang="ko-KR" altLang="en-US" sz="900" b="1" dirty="0">
+                  <a:solidFill>
+                    <a:schemeClr val="tx1"/>
+                  </a:solidFill>
+                  <a:latin typeface="Nanum Pen Script" panose="03040600000000000000" pitchFamily="66" charset="-127"/>
+                  <a:ea typeface="Nanum Pen Script" panose="03040600000000000000" pitchFamily="66" charset="-127"/>
+                </a:rPr>
+                <a:t>상봉</a:t>
+              </a:r>
+              <a:r>
+                <a:rPr kumimoji="1" lang="en-US" altLang="ko-Kore-KR" sz="900" b="1" dirty="0">
+                  <a:solidFill>
+                    <a:schemeClr val="tx1"/>
+                  </a:solidFill>
+                  <a:latin typeface="Nanum Pen Script" panose="03040600000000000000" pitchFamily="66" charset="-127"/>
+                  <a:ea typeface="Nanum Pen Script" panose="03040600000000000000" pitchFamily="66" charset="-127"/>
+                </a:rPr>
+                <a:t> #</a:t>
+              </a:r>
+              <a:r>
+                <a:rPr kumimoji="1" lang="ko-KR" altLang="en-US" sz="900" b="1" dirty="0">
+                  <a:solidFill>
+                    <a:schemeClr val="tx1"/>
+                  </a:solidFill>
+                  <a:latin typeface="Nanum Pen Script" panose="03040600000000000000" pitchFamily="66" charset="-127"/>
+                  <a:ea typeface="Nanum Pen Script" panose="03040600000000000000" pitchFamily="66" charset="-127"/>
+                </a:rPr>
+                <a:t>노래방</a:t>
+              </a:r>
+              <a:endParaRPr kumimoji="1" lang="ko-Kore-KR" altLang="en-US" sz="900" b="1" dirty="0">
+                <a:solidFill>
+                  <a:schemeClr val="tx1"/>
+                </a:solidFill>
+                <a:latin typeface="Nanum Pen Script" panose="03040600000000000000" pitchFamily="66" charset="-127"/>
+                <a:ea typeface="Nanum Pen Script" panose="03040600000000000000" pitchFamily="66" charset="-127"/>
+              </a:endParaRPr>
+            </a:p>
+          </p:txBody>
+        </p:sp>
+        <p:pic>
+          <p:nvPicPr>
+            <p:cNvPr id="20" name="그림 19" descr="고양이, 놓은, 실내, 포유류이(가) 표시된 사진&#10;&#10;자동 생성된 설명">
+              <a:extLst>
+                <a:ext uri="{FF2B5EF4-FFF2-40B4-BE49-F238E27FC236}">
+                  <a16:creationId xmlns:a16="http://schemas.microsoft.com/office/drawing/2014/main" id="{699CD26D-0E9B-7D4F-84B1-4EF858D81FCF}"/>
+                </a:ext>
+              </a:extLst>
+            </p:cNvPr>
+            <p:cNvPicPr>
+              <a:picLocks noChangeAspect="1"/>
+            </p:cNvPicPr>
+            <p:nvPr/>
+          </p:nvPicPr>
+          <p:blipFill>
+            <a:blip r:embed="rId4"/>
+            <a:stretch>
+              <a:fillRect/>
+            </a:stretch>
+          </p:blipFill>
+          <p:spPr>
+            <a:xfrm>
+              <a:off x="7043775" y="2633611"/>
+              <a:ext cx="1440000" cy="1440000"/>
+            </a:xfrm>
+            <a:prstGeom prst="rect">
+              <a:avLst/>
+            </a:prstGeom>
+          </p:spPr>
+        </p:pic>
+      </p:grpSp>
+      <p:grpSp>
+        <p:nvGrpSpPr>
+          <p:cNvPr id="22" name="그룹 21">
+            <a:extLst>
+              <a:ext uri="{FF2B5EF4-FFF2-40B4-BE49-F238E27FC236}">
+                <a16:creationId xmlns:a16="http://schemas.microsoft.com/office/drawing/2014/main" id="{ED80AF0D-4B9C-CF4B-BBAD-94B5F8CE7971}"/>
+              </a:ext>
+            </a:extLst>
+          </p:cNvPr>
+          <p:cNvGrpSpPr/>
+          <p:nvPr/>
+        </p:nvGrpSpPr>
+        <p:grpSpPr>
+          <a:xfrm>
+            <a:off x="9452300" y="1778000"/>
+            <a:ext cx="2463800" cy="5080000"/>
+            <a:chOff x="9452300" y="1778000"/>
+            <a:chExt cx="2463800" cy="5080000"/>
+          </a:xfrm>
+        </p:grpSpPr>
+        <p:grpSp>
+          <p:nvGrpSpPr>
+            <p:cNvPr id="11" name="그룹 10">
+              <a:extLst>
+                <a:ext uri="{FF2B5EF4-FFF2-40B4-BE49-F238E27FC236}">
+                  <a16:creationId xmlns:a16="http://schemas.microsoft.com/office/drawing/2014/main" id="{A0D450BA-3D23-4C41-8473-1B89A5BCB65D}"/>
+                </a:ext>
+              </a:extLst>
+            </p:cNvPr>
+            <p:cNvGrpSpPr/>
+            <p:nvPr/>
+          </p:nvGrpSpPr>
+          <p:grpSpPr>
+            <a:xfrm>
+              <a:off x="9452300" y="1778000"/>
+              <a:ext cx="2463800" cy="5080000"/>
+              <a:chOff x="9351353" y="726794"/>
+              <a:chExt cx="2463800" cy="5080000"/>
+            </a:xfrm>
+          </p:grpSpPr>
+          <p:pic>
+            <p:nvPicPr>
+              <p:cNvPr id="8" name="그림 7">
+                <a:extLst>
+                  <a:ext uri="{FF2B5EF4-FFF2-40B4-BE49-F238E27FC236}">
+                    <a16:creationId xmlns:a16="http://schemas.microsoft.com/office/drawing/2014/main" id="{F9626E16-3C36-2B42-95BC-B29F9D959882}"/>
+                  </a:ext>
+                </a:extLst>
+              </p:cNvPr>
+              <p:cNvPicPr>
+                <a:picLocks noChangeAspect="1"/>
+              </p:cNvPicPr>
+              <p:nvPr/>
+            </p:nvPicPr>
+            <p:blipFill>
+              <a:blip r:embed="rId2"/>
+              <a:stretch>
+                <a:fillRect/>
+              </a:stretch>
+            </p:blipFill>
+            <p:spPr>
+              <a:xfrm>
+                <a:off x="9351353" y="726794"/>
+                <a:ext cx="2463800" cy="5080000"/>
+              </a:xfrm>
+              <a:prstGeom prst="rect">
+                <a:avLst/>
+              </a:prstGeom>
+            </p:spPr>
+          </p:pic>
+          <p:sp>
+            <p:nvSpPr>
+              <p:cNvPr id="2" name="모서리가 둥근 직사각형 1">
+                <a:extLst>
+                  <a:ext uri="{FF2B5EF4-FFF2-40B4-BE49-F238E27FC236}">
+                    <a16:creationId xmlns:a16="http://schemas.microsoft.com/office/drawing/2014/main" id="{A383AE51-B21D-F847-8ABD-42C5B91C6F7B}"/>
+                  </a:ext>
+                </a:extLst>
+              </p:cNvPr>
+              <p:cNvSpPr/>
+              <p:nvPr/>
+            </p:nvSpPr>
+            <p:spPr>
+              <a:xfrm>
+                <a:off x="9551772" y="4146870"/>
+                <a:ext cx="2047103" cy="543697"/>
+              </a:xfrm>
+              <a:prstGeom prst="roundRect">
+                <a:avLst/>
+              </a:prstGeom>
+              <a:solidFill>
+                <a:schemeClr val="bg1"/>
+              </a:solidFill>
+              <a:ln>
+                <a:noFill/>
+              </a:ln>
+            </p:spPr>
+            <p:style>
+              <a:lnRef idx="2">
+                <a:schemeClr val="accent1">
+                  <a:shade val="50000"/>
+                </a:schemeClr>
+              </a:lnRef>
+              <a:fillRef idx="1">
+                <a:schemeClr val="accent1"/>
+              </a:fillRef>
+              <a:effectRef idx="0">
+                <a:schemeClr val="accent1"/>
+              </a:effectRef>
+              <a:fontRef idx="minor">
+                <a:schemeClr val="lt1"/>
+              </a:fontRef>
+            </p:style>
+            <p:txBody>
+              <a:bodyPr rtlCol="0" anchor="ctr"/>
+              <a:lstStyle/>
+              <a:p>
+                <a:r>
+                  <a:rPr kumimoji="1" lang="ko-Kore-KR" altLang="en-US" sz="900" dirty="0">
+                    <a:solidFill>
+                      <a:schemeClr val="tx1"/>
+                    </a:solidFill>
+                    <a:ea typeface="Nanum Pen Script" panose="03040600000000000000" pitchFamily="66" charset="-127"/>
+                  </a:rPr>
+                  <a:t>집</a:t>
+                </a:r>
+                <a:r>
+                  <a:rPr kumimoji="1" lang="ko-KR" altLang="en-US" sz="900" dirty="0">
+                    <a:solidFill>
+                      <a:schemeClr val="tx1"/>
+                    </a:solidFill>
+                    <a:ea typeface="Nanum Pen Script" panose="03040600000000000000" pitchFamily="66" charset="-127"/>
+                  </a:rPr>
+                  <a:t> 앞 카페를 다녀왔다</a:t>
+                </a:r>
+                <a:r>
+                  <a:rPr kumimoji="1" lang="en-US" altLang="ko-KR" sz="900" dirty="0">
+                    <a:solidFill>
+                      <a:schemeClr val="tx1"/>
+                    </a:solidFill>
+                    <a:ea typeface="Nanum Pen Script" panose="03040600000000000000" pitchFamily="66" charset="-127"/>
+                  </a:rPr>
+                  <a:t>.</a:t>
+                </a:r>
+              </a:p>
+              <a:p>
+                <a:r>
+                  <a:rPr kumimoji="1" lang="ko-KR" altLang="en-US" sz="900" dirty="0" err="1">
+                    <a:solidFill>
+                      <a:schemeClr val="tx1"/>
+                    </a:solidFill>
+                    <a:ea typeface="Nanum Pen Script" panose="03040600000000000000" pitchFamily="66" charset="-127"/>
+                  </a:rPr>
+                  <a:t>아인슈페너를</a:t>
+                </a:r>
+                <a:r>
+                  <a:rPr kumimoji="1" lang="ko-KR" altLang="en-US" sz="900" dirty="0">
+                    <a:solidFill>
+                      <a:schemeClr val="tx1"/>
+                    </a:solidFill>
+                    <a:ea typeface="Nanum Pen Script" panose="03040600000000000000" pitchFamily="66" charset="-127"/>
+                  </a:rPr>
+                  <a:t> 처음 먹어보았는데 달고 맛있었다</a:t>
+                </a:r>
+                <a:r>
+                  <a:rPr kumimoji="1" lang="en-US" altLang="ko-KR" sz="900" dirty="0">
+                    <a:solidFill>
+                      <a:schemeClr val="tx1"/>
+                    </a:solidFill>
+                    <a:ea typeface="Nanum Pen Script" panose="03040600000000000000" pitchFamily="66" charset="-127"/>
+                  </a:rPr>
+                  <a:t>.</a:t>
+                </a:r>
+              </a:p>
+              <a:p>
+                <a:r>
+                  <a:rPr kumimoji="1" lang="ko-KR" altLang="en-US" sz="900" dirty="0">
+                    <a:solidFill>
+                      <a:schemeClr val="tx1"/>
+                    </a:solidFill>
+                    <a:ea typeface="Nanum Pen Script" panose="03040600000000000000" pitchFamily="66" charset="-127"/>
+                  </a:rPr>
+                  <a:t>케이크 자르는 칼이 도끼 모양으로 신기하게 생겨서 인상깊은 카페로 </a:t>
+                </a:r>
+                <a:r>
+                  <a:rPr kumimoji="1" lang="ko-KR" altLang="en-US" sz="900" dirty="0" err="1">
+                    <a:solidFill>
+                      <a:schemeClr val="tx1"/>
+                    </a:solidFill>
+                    <a:ea typeface="Nanum Pen Script" panose="03040600000000000000" pitchFamily="66" charset="-127"/>
+                  </a:rPr>
+                  <a:t>기억될것</a:t>
+                </a:r>
+                <a:r>
+                  <a:rPr kumimoji="1" lang="ko-KR" altLang="en-US" sz="900" dirty="0">
+                    <a:solidFill>
+                      <a:schemeClr val="tx1"/>
+                    </a:solidFill>
+                    <a:ea typeface="Nanum Pen Script" panose="03040600000000000000" pitchFamily="66" charset="-127"/>
+                  </a:rPr>
+                  <a:t> 같다</a:t>
+                </a:r>
+                <a:r>
+                  <a:rPr kumimoji="1" lang="en-US" altLang="ko-KR" sz="900" dirty="0">
+                    <a:solidFill>
+                      <a:schemeClr val="tx1"/>
+                    </a:solidFill>
+                    <a:ea typeface="Nanum Pen Script" panose="03040600000000000000" pitchFamily="66" charset="-127"/>
+                  </a:rPr>
+                  <a:t>.</a:t>
+                </a:r>
+                <a:endParaRPr kumimoji="1" lang="ko-Kore-KR" altLang="en-US" sz="900" dirty="0">
+                  <a:solidFill>
+                    <a:schemeClr val="tx1"/>
+                  </a:solidFill>
+                  <a:ea typeface="Nanum Pen Script" panose="03040600000000000000" pitchFamily="66" charset="-127"/>
+                </a:endParaRPr>
+              </a:p>
+            </p:txBody>
+          </p:sp>
+          <p:pic>
+            <p:nvPicPr>
+              <p:cNvPr id="5" name="그림 4" descr="실내이(가) 표시된 사진&#10;&#10;자동 생성된 설명">
+                <a:extLst>
+                  <a:ext uri="{FF2B5EF4-FFF2-40B4-BE49-F238E27FC236}">
+                    <a16:creationId xmlns:a16="http://schemas.microsoft.com/office/drawing/2014/main" id="{673AEE5B-53EE-4547-BC4A-F4BD712E8D4C}"/>
+                  </a:ext>
+                </a:extLst>
+              </p:cNvPr>
+              <p:cNvPicPr>
+                <a:picLocks/>
+              </p:cNvPicPr>
+              <p:nvPr/>
+            </p:nvPicPr>
+            <p:blipFill>
+              <a:blip r:embed="rId5"/>
+              <a:stretch>
+                <a:fillRect/>
+              </a:stretch>
+            </p:blipFill>
+            <p:spPr>
+              <a:xfrm>
+                <a:off x="9855323" y="1590643"/>
+                <a:ext cx="1440000" cy="1440000"/>
+              </a:xfrm>
+              <a:prstGeom prst="rect">
+                <a:avLst/>
+              </a:prstGeom>
+            </p:spPr>
+          </p:pic>
+          <p:sp>
+            <p:nvSpPr>
+              <p:cNvPr id="9" name="모서리가 둥근 직사각형 8">
+                <a:extLst>
+                  <a:ext uri="{FF2B5EF4-FFF2-40B4-BE49-F238E27FC236}">
+                    <a16:creationId xmlns:a16="http://schemas.microsoft.com/office/drawing/2014/main" id="{E26FE9B7-1EDE-4340-A546-141998E9B209}"/>
+                  </a:ext>
+                </a:extLst>
+              </p:cNvPr>
+              <p:cNvSpPr/>
+              <p:nvPr/>
+            </p:nvSpPr>
+            <p:spPr>
+              <a:xfrm>
+                <a:off x="9551771" y="4917107"/>
+                <a:ext cx="2047103" cy="210065"/>
+              </a:xfrm>
+              <a:prstGeom prst="roundRect">
+                <a:avLst/>
+              </a:prstGeom>
+              <a:solidFill>
+                <a:schemeClr val="bg1"/>
+              </a:solidFill>
+              <a:ln>
+                <a:noFill/>
+              </a:ln>
+            </p:spPr>
+            <p:style>
+              <a:lnRef idx="2">
+                <a:schemeClr val="accent1">
+                  <a:shade val="50000"/>
+                </a:schemeClr>
+              </a:lnRef>
+              <a:fillRef idx="1">
+                <a:schemeClr val="accent1"/>
+              </a:fillRef>
+              <a:effectRef idx="0">
+                <a:schemeClr val="accent1"/>
+              </a:effectRef>
+              <a:fontRef idx="minor">
+                <a:schemeClr val="lt1"/>
+              </a:fontRef>
+            </p:style>
+            <p:txBody>
+              <a:bodyPr rtlCol="0" anchor="ctr"/>
+              <a:lstStyle/>
+              <a:p>
+                <a:r>
+                  <a:rPr kumimoji="1" lang="en-US" altLang="ko-Kore-KR" sz="900" b="1" dirty="0">
+                    <a:solidFill>
+                      <a:schemeClr val="tx1"/>
+                    </a:solidFill>
+                    <a:latin typeface="Nanum Pen Script" panose="03040600000000000000" pitchFamily="66" charset="-127"/>
+                    <a:ea typeface="Nanum Pen Script" panose="03040600000000000000" pitchFamily="66" charset="-127"/>
+                  </a:rPr>
+                  <a:t>#</a:t>
+                </a:r>
+                <a:r>
+                  <a:rPr kumimoji="1" lang="ko-KR" altLang="en-US" sz="900" b="1" dirty="0">
+                    <a:solidFill>
+                      <a:schemeClr val="tx1"/>
+                    </a:solidFill>
+                    <a:latin typeface="Nanum Pen Script" panose="03040600000000000000" pitchFamily="66" charset="-127"/>
+                    <a:ea typeface="Nanum Pen Script" panose="03040600000000000000" pitchFamily="66" charset="-127"/>
+                  </a:rPr>
+                  <a:t>파주</a:t>
+                </a:r>
+                <a:r>
+                  <a:rPr kumimoji="1" lang="en-US" altLang="ko-Kore-KR" sz="900" b="1" dirty="0">
+                    <a:solidFill>
+                      <a:schemeClr val="tx1"/>
+                    </a:solidFill>
+                    <a:latin typeface="Nanum Pen Script" panose="03040600000000000000" pitchFamily="66" charset="-127"/>
+                    <a:ea typeface="Nanum Pen Script" panose="03040600000000000000" pitchFamily="66" charset="-127"/>
+                  </a:rPr>
+                  <a:t> #</a:t>
+                </a:r>
+                <a:r>
+                  <a:rPr kumimoji="1" lang="ko-KR" altLang="en-US" sz="900" b="1" dirty="0">
+                    <a:solidFill>
+                      <a:schemeClr val="tx1"/>
+                    </a:solidFill>
+                    <a:latin typeface="Nanum Pen Script" panose="03040600000000000000" pitchFamily="66" charset="-127"/>
+                    <a:ea typeface="Nanum Pen Script" panose="03040600000000000000" pitchFamily="66" charset="-127"/>
+                  </a:rPr>
+                  <a:t>카페</a:t>
+                </a:r>
+                <a:endParaRPr kumimoji="1" lang="ko-Kore-KR" altLang="en-US" sz="900" b="1" dirty="0">
+                  <a:solidFill>
+                    <a:schemeClr val="tx1"/>
+                  </a:solidFill>
+                  <a:latin typeface="Nanum Pen Script" panose="03040600000000000000" pitchFamily="66" charset="-127"/>
+                  <a:ea typeface="Nanum Pen Script" panose="03040600000000000000" pitchFamily="66" charset="-127"/>
+                </a:endParaRPr>
+              </a:p>
+            </p:txBody>
+          </p:sp>
+          <p:sp>
+            <p:nvSpPr>
+              <p:cNvPr id="10" name="모서리가 둥근 직사각형 9">
+                <a:extLst>
+                  <a:ext uri="{FF2B5EF4-FFF2-40B4-BE49-F238E27FC236}">
+                    <a16:creationId xmlns:a16="http://schemas.microsoft.com/office/drawing/2014/main" id="{A09C5B42-C6E1-5149-9E75-E604D6C0BD63}"/>
+                  </a:ext>
+                </a:extLst>
+              </p:cNvPr>
+              <p:cNvSpPr/>
+              <p:nvPr/>
+            </p:nvSpPr>
+            <p:spPr>
+              <a:xfrm>
+                <a:off x="10118122" y="1108730"/>
+                <a:ext cx="914400" cy="255373"/>
+              </a:xfrm>
+              <a:prstGeom prst="roundRect">
+                <a:avLst/>
+              </a:prstGeom>
+              <a:solidFill>
+                <a:schemeClr val="bg1"/>
+              </a:solidFill>
+              <a:ln>
+                <a:noFill/>
+              </a:ln>
+            </p:spPr>
+            <p:style>
+              <a:lnRef idx="2">
+                <a:schemeClr val="accent1">
+                  <a:shade val="50000"/>
+                </a:schemeClr>
+              </a:lnRef>
+              <a:fillRef idx="1">
+                <a:schemeClr val="accent1"/>
+              </a:fillRef>
+              <a:effectRef idx="0">
+                <a:schemeClr val="accent1"/>
+              </a:effectRef>
+              <a:fontRef idx="minor">
+                <a:schemeClr val="lt1"/>
+              </a:fontRef>
+            </p:style>
+            <p:txBody>
+              <a:bodyPr rtlCol="0" anchor="ctr"/>
+              <a:lstStyle/>
+              <a:p>
+                <a:pPr algn="ctr"/>
+                <a:r>
+                  <a:rPr kumimoji="1" lang="en-US" altLang="ko-Kore-KR" sz="800" dirty="0">
+                    <a:ln>
+                      <a:solidFill>
+                        <a:sysClr val="windowText" lastClr="000000"/>
+                      </a:solidFill>
+                    </a:ln>
+                    <a:solidFill>
+                      <a:sysClr val="windowText" lastClr="000000"/>
+                    </a:solidFill>
+                  </a:rPr>
+                  <a:t>Diary Edit</a:t>
+                </a:r>
+                <a:endParaRPr kumimoji="1" lang="ko-Kore-KR" altLang="en-US" sz="800" dirty="0">
+                  <a:ln>
+                    <a:solidFill>
+                      <a:sysClr val="windowText" lastClr="000000"/>
+                    </a:solidFill>
+                  </a:ln>
+                  <a:solidFill>
+                    <a:sysClr val="windowText" lastClr="000000"/>
+                  </a:solidFill>
+                </a:endParaRPr>
+              </a:p>
+            </p:txBody>
+          </p:sp>
+        </p:grpSp>
+        <p:sp>
+          <p:nvSpPr>
+            <p:cNvPr id="21" name="직사각형 20">
+              <a:extLst>
+                <a:ext uri="{FF2B5EF4-FFF2-40B4-BE49-F238E27FC236}">
+                  <a16:creationId xmlns:a16="http://schemas.microsoft.com/office/drawing/2014/main" id="{DA6A7ADA-4718-3D41-AAB4-E47460CFE1DD}"/>
+                </a:ext>
+              </a:extLst>
+            </p:cNvPr>
+            <p:cNvSpPr/>
+            <p:nvPr/>
+          </p:nvSpPr>
+          <p:spPr>
+            <a:xfrm>
+              <a:off x="11321459" y="2092612"/>
+              <a:ext cx="406650" cy="390019"/>
+            </a:xfrm>
+            <a:prstGeom prst="rect">
+              <a:avLst/>
+            </a:prstGeom>
+            <a:solidFill>
+              <a:schemeClr val="bg1"/>
+            </a:solidFill>
+            <a:ln>
+              <a:noFill/>
+            </a:ln>
+          </p:spPr>
+          <p:style>
+            <a:lnRef idx="2">
+              <a:schemeClr val="accent1">
+                <a:shade val="50000"/>
+              </a:schemeClr>
+            </a:lnRef>
+            <a:fillRef idx="1">
+              <a:schemeClr val="accent1"/>
+            </a:fillRef>
+            <a:effectRef idx="0">
+              <a:schemeClr val="accent1"/>
+            </a:effectRef>
+            <a:fontRef idx="minor">
+              <a:schemeClr val="lt1"/>
+            </a:fontRef>
+          </p:style>
+          <p:txBody>
+            <a:bodyPr rtlCol="0" anchor="ctr"/>
+            <a:lstStyle/>
+            <a:p>
+              <a:pPr algn="ctr"/>
+              <a:r>
+                <a:rPr kumimoji="1" lang="en-US" altLang="ko-Kore-KR" sz="1000" dirty="0">
+                  <a:solidFill>
+                    <a:schemeClr val="accent1"/>
+                  </a:solidFill>
+                </a:rPr>
+                <a:t>Edit</a:t>
+              </a:r>
+              <a:endParaRPr kumimoji="1" lang="ko-Kore-KR" altLang="en-US" sz="1000" dirty="0">
+                <a:solidFill>
+                  <a:schemeClr val="accent1"/>
+                </a:solidFill>
+              </a:endParaRPr>
+            </a:p>
+          </p:txBody>
+        </p:sp>
+      </p:grpSp>
     </p:spTree>
     <p:extLst>
       <p:ext uri="{BB962C8B-B14F-4D97-AF65-F5344CB8AC3E}">
-        <p14:creationId xmlns:p14="http://schemas.microsoft.com/office/powerpoint/2010/main" val="2108330486"/>
+        <p14:creationId xmlns:p14="http://schemas.microsoft.com/office/powerpoint/2010/main" val="2660253606"/>
       </p:ext>
     </p:extLst>
   </p:cSld>
@@ -4180,10 +6935,10 @@
       </p:grpSpPr>
       <p:sp>
         <p:nvSpPr>
-          <p:cNvPr id="6" name="모서리가 둥근 직사각형 5">
-            <a:extLst>
-              <a:ext uri="{FF2B5EF4-FFF2-40B4-BE49-F238E27FC236}">
-                <a16:creationId xmlns:a16="http://schemas.microsoft.com/office/drawing/2014/main" id="{EFC247F2-4454-0841-A6C3-FB2BC9CCA0BF}"/>
+          <p:cNvPr id="18" name="모서리가 둥근 직사각형 17">
+            <a:extLst>
+              <a:ext uri="{FF2B5EF4-FFF2-40B4-BE49-F238E27FC236}">
+                <a16:creationId xmlns:a16="http://schemas.microsoft.com/office/drawing/2014/main" id="{4594A7BC-C032-D84F-A272-BDB9034B2C4B}"/>
               </a:ext>
             </a:extLst>
           </p:cNvPr>
@@ -4236,10 +6991,10 @@
       </p:sp>
       <p:sp>
         <p:nvSpPr>
-          <p:cNvPr id="12" name="모서리가 둥근 직사각형 11">
-            <a:extLst>
-              <a:ext uri="{FF2B5EF4-FFF2-40B4-BE49-F238E27FC236}">
-                <a16:creationId xmlns:a16="http://schemas.microsoft.com/office/drawing/2014/main" id="{8182C5E9-38FF-3C4A-B027-2E57F6D076AB}"/>
+          <p:cNvPr id="37" name="모서리가 둥근 직사각형 36">
+            <a:extLst>
+              <a:ext uri="{FF2B5EF4-FFF2-40B4-BE49-F238E27FC236}">
+                <a16:creationId xmlns:a16="http://schemas.microsoft.com/office/drawing/2014/main" id="{661CE2AC-1E2E-AA42-B07E-6651B13B63CA}"/>
               </a:ext>
             </a:extLst>
           </p:cNvPr>
@@ -4283,111 +7038,740 @@
           <a:p>
             <a:pPr algn="ctr"/>
             <a:r>
-              <a:rPr kumimoji="1" lang="en-US" altLang="ko-Kore-KR" dirty="0"/>
-              <a:t>Add/</a:t>
-            </a:r>
-            <a:r>
               <a:rPr kumimoji="1" lang="en-US" altLang="ko-Kore-KR" dirty="0" err="1"/>
-              <a:t>EditViewController</a:t>
+              <a:t>ToDoViewController</a:t>
             </a:r>
             <a:endParaRPr kumimoji="1" lang="ko-Kore-KR" altLang="en-US" dirty="0"/>
           </a:p>
         </p:txBody>
       </p:sp>
-      <p:pic>
-        <p:nvPicPr>
-          <p:cNvPr id="8" name="그림 7">
-            <a:extLst>
-              <a:ext uri="{FF2B5EF4-FFF2-40B4-BE49-F238E27FC236}">
-                <a16:creationId xmlns:a16="http://schemas.microsoft.com/office/drawing/2014/main" id="{73B2D970-F378-8F4E-A4E7-421450DCFAF4}"/>
-              </a:ext>
-            </a:extLst>
-          </p:cNvPr>
-          <p:cNvPicPr>
-            <a:picLocks noChangeAspect="1"/>
-          </p:cNvPicPr>
+      <p:grpSp>
+        <p:nvGrpSpPr>
+          <p:cNvPr id="4" name="그룹 3">
+            <a:extLst>
+              <a:ext uri="{FF2B5EF4-FFF2-40B4-BE49-F238E27FC236}">
+                <a16:creationId xmlns:a16="http://schemas.microsoft.com/office/drawing/2014/main" id="{DB007460-769A-9747-9A17-313E3818FCC1}"/>
+              </a:ext>
+            </a:extLst>
+          </p:cNvPr>
+          <p:cNvGrpSpPr/>
           <p:nvPr/>
-        </p:nvPicPr>
-        <p:blipFill>
-          <a:blip r:embed="rId2"/>
-          <a:stretch>
-            <a:fillRect/>
-          </a:stretch>
-        </p:blipFill>
-        <p:spPr>
+        </p:nvGrpSpPr>
+        <p:grpSpPr>
+          <a:xfrm>
+            <a:off x="3632200" y="1778000"/>
+            <a:ext cx="2463800" cy="5080000"/>
+            <a:chOff x="722150" y="1778000"/>
+            <a:chExt cx="2463800" cy="5080000"/>
+          </a:xfrm>
+        </p:grpSpPr>
+        <p:pic>
+          <p:nvPicPr>
+            <p:cNvPr id="2" name="그림 1">
+              <a:extLst>
+                <a:ext uri="{FF2B5EF4-FFF2-40B4-BE49-F238E27FC236}">
+                  <a16:creationId xmlns:a16="http://schemas.microsoft.com/office/drawing/2014/main" id="{A82FDE9B-3633-BC40-A669-57DE22E257CA}"/>
+                </a:ext>
+              </a:extLst>
+            </p:cNvPr>
+            <p:cNvPicPr>
+              <a:picLocks noChangeAspect="1"/>
+            </p:cNvPicPr>
+            <p:nvPr/>
+          </p:nvPicPr>
+          <p:blipFill>
+            <a:blip r:embed="rId2"/>
+            <a:stretch>
+              <a:fillRect/>
+            </a:stretch>
+          </p:blipFill>
+          <p:spPr>
+            <a:xfrm>
+              <a:off x="722150" y="1778000"/>
+              <a:ext cx="2463800" cy="5080000"/>
+            </a:xfrm>
+            <a:prstGeom prst="rect">
+              <a:avLst/>
+            </a:prstGeom>
+          </p:spPr>
+        </p:pic>
+        <p:sp>
+          <p:nvSpPr>
+            <p:cNvPr id="3" name="직사각형 2">
+              <a:extLst>
+                <a:ext uri="{FF2B5EF4-FFF2-40B4-BE49-F238E27FC236}">
+                  <a16:creationId xmlns:a16="http://schemas.microsoft.com/office/drawing/2014/main" id="{585F7CA4-D598-EA46-BF40-239874DDDA7C}"/>
+                </a:ext>
+              </a:extLst>
+            </p:cNvPr>
+            <p:cNvSpPr/>
+            <p:nvPr/>
+          </p:nvSpPr>
+          <p:spPr>
+            <a:xfrm>
+              <a:off x="904973" y="2139885"/>
+              <a:ext cx="245097" cy="254523"/>
+            </a:xfrm>
+            <a:prstGeom prst="rect">
+              <a:avLst/>
+            </a:prstGeom>
+            <a:solidFill>
+              <a:schemeClr val="bg1"/>
+            </a:solidFill>
+            <a:ln>
+              <a:noFill/>
+            </a:ln>
+          </p:spPr>
+          <p:style>
+            <a:lnRef idx="2">
+              <a:schemeClr val="accent1">
+                <a:shade val="50000"/>
+              </a:schemeClr>
+            </a:lnRef>
+            <a:fillRef idx="1">
+              <a:schemeClr val="accent1"/>
+            </a:fillRef>
+            <a:effectRef idx="0">
+              <a:schemeClr val="accent1"/>
+            </a:effectRef>
+            <a:fontRef idx="minor">
+              <a:schemeClr val="lt1"/>
+            </a:fontRef>
+          </p:style>
+          <p:txBody>
+            <a:bodyPr rtlCol="0" anchor="ctr"/>
+            <a:lstStyle/>
+            <a:p>
+              <a:pPr algn="ctr"/>
+              <a:endParaRPr kumimoji="1" lang="ko-Kore-KR" altLang="en-US"/>
+            </a:p>
+          </p:txBody>
+        </p:sp>
+      </p:grpSp>
+      <p:grpSp>
+        <p:nvGrpSpPr>
+          <p:cNvPr id="13" name="그룹 12">
+            <a:extLst>
+              <a:ext uri="{FF2B5EF4-FFF2-40B4-BE49-F238E27FC236}">
+                <a16:creationId xmlns:a16="http://schemas.microsoft.com/office/drawing/2014/main" id="{E3EB8A6D-96B8-684F-BDBE-CEC3B223D01D}"/>
+              </a:ext>
+            </a:extLst>
+          </p:cNvPr>
+          <p:cNvGrpSpPr/>
+          <p:nvPr/>
+        </p:nvGrpSpPr>
+        <p:grpSpPr>
           <a:xfrm>
             <a:off x="722150" y="1778000"/>
             <a:ext cx="2463800" cy="5080000"/>
+            <a:chOff x="722150" y="1778000"/>
+            <a:chExt cx="2463800" cy="5080000"/>
           </a:xfrm>
-          <a:prstGeom prst="rect">
-            <a:avLst/>
-          </a:prstGeom>
-        </p:spPr>
-      </p:pic>
-      <p:pic>
-        <p:nvPicPr>
-          <p:cNvPr id="10" name="그림 9">
-            <a:extLst>
-              <a:ext uri="{FF2B5EF4-FFF2-40B4-BE49-F238E27FC236}">
-                <a16:creationId xmlns:a16="http://schemas.microsoft.com/office/drawing/2014/main" id="{5F4B0CF0-2947-5A46-8823-2F357A4776D8}"/>
-              </a:ext>
-            </a:extLst>
-          </p:cNvPr>
-          <p:cNvPicPr>
-            <a:picLocks noChangeAspect="1"/>
-          </p:cNvPicPr>
+        </p:grpSpPr>
+        <p:pic>
+          <p:nvPicPr>
+            <p:cNvPr id="6" name="그림 5">
+              <a:extLst>
+                <a:ext uri="{FF2B5EF4-FFF2-40B4-BE49-F238E27FC236}">
+                  <a16:creationId xmlns:a16="http://schemas.microsoft.com/office/drawing/2014/main" id="{EF34216A-FA65-F242-853D-E1E1C62A7752}"/>
+                </a:ext>
+              </a:extLst>
+            </p:cNvPr>
+            <p:cNvPicPr>
+              <a:picLocks noChangeAspect="1"/>
+            </p:cNvPicPr>
+            <p:nvPr/>
+          </p:nvPicPr>
+          <p:blipFill>
+            <a:blip r:embed="rId3"/>
+            <a:stretch>
+              <a:fillRect/>
+            </a:stretch>
+          </p:blipFill>
+          <p:spPr>
+            <a:xfrm>
+              <a:off x="722150" y="1778000"/>
+              <a:ext cx="2463800" cy="5080000"/>
+            </a:xfrm>
+            <a:prstGeom prst="rect">
+              <a:avLst/>
+            </a:prstGeom>
+          </p:spPr>
+        </p:pic>
+        <p:pic>
+          <p:nvPicPr>
+            <p:cNvPr id="9" name="그림 8">
+              <a:extLst>
+                <a:ext uri="{FF2B5EF4-FFF2-40B4-BE49-F238E27FC236}">
+                  <a16:creationId xmlns:a16="http://schemas.microsoft.com/office/drawing/2014/main" id="{94DFE455-814C-2A4D-8674-16807BC9B789}"/>
+                </a:ext>
+              </a:extLst>
+            </p:cNvPr>
+            <p:cNvPicPr>
+              <a:picLocks noChangeAspect="1"/>
+            </p:cNvPicPr>
+            <p:nvPr/>
+          </p:nvPicPr>
+          <p:blipFill>
+            <a:blip r:embed="rId4"/>
+            <a:stretch>
+              <a:fillRect/>
+            </a:stretch>
+          </p:blipFill>
+          <p:spPr>
+            <a:xfrm>
+              <a:off x="902985" y="4967926"/>
+              <a:ext cx="2102129" cy="1205517"/>
+            </a:xfrm>
+            <a:prstGeom prst="rect">
+              <a:avLst/>
+            </a:prstGeom>
+          </p:spPr>
+        </p:pic>
+      </p:grpSp>
+      <p:grpSp>
+        <p:nvGrpSpPr>
+          <p:cNvPr id="14" name="그룹 13">
+            <a:extLst>
+              <a:ext uri="{FF2B5EF4-FFF2-40B4-BE49-F238E27FC236}">
+                <a16:creationId xmlns:a16="http://schemas.microsoft.com/office/drawing/2014/main" id="{5B67E90E-FAB8-4543-9ABE-844A0C8A8EC8}"/>
+              </a:ext>
+            </a:extLst>
+          </p:cNvPr>
+          <p:cNvGrpSpPr/>
           <p:nvPr/>
-        </p:nvPicPr>
-        <p:blipFill>
-          <a:blip r:embed="rId3"/>
-          <a:stretch>
-            <a:fillRect/>
-          </a:stretch>
-        </p:blipFill>
-        <p:spPr>
+        </p:nvGrpSpPr>
+        <p:grpSpPr>
           <a:xfrm>
-            <a:off x="4864100" y="1778000"/>
+            <a:off x="6542250" y="1778000"/>
             <a:ext cx="2463800" cy="5080000"/>
+            <a:chOff x="4864100" y="1778000"/>
+            <a:chExt cx="2463800" cy="5080000"/>
           </a:xfrm>
-          <a:prstGeom prst="rect">
-            <a:avLst/>
-          </a:prstGeom>
-        </p:spPr>
-      </p:pic>
-      <p:pic>
-        <p:nvPicPr>
-          <p:cNvPr id="16" name="그림 15">
-            <a:extLst>
-              <a:ext uri="{FF2B5EF4-FFF2-40B4-BE49-F238E27FC236}">
-                <a16:creationId xmlns:a16="http://schemas.microsoft.com/office/drawing/2014/main" id="{F8FB5612-FA09-ED4C-BE57-109725991628}"/>
-              </a:ext>
-            </a:extLst>
-          </p:cNvPr>
-          <p:cNvPicPr>
-            <a:picLocks noChangeAspect="1"/>
-          </p:cNvPicPr>
+        </p:grpSpPr>
+        <p:pic>
+          <p:nvPicPr>
+            <p:cNvPr id="15" name="그림 14">
+              <a:extLst>
+                <a:ext uri="{FF2B5EF4-FFF2-40B4-BE49-F238E27FC236}">
+                  <a16:creationId xmlns:a16="http://schemas.microsoft.com/office/drawing/2014/main" id="{D427DAA6-F2B3-1943-9AB2-EF71F5C2CA61}"/>
+                </a:ext>
+              </a:extLst>
+            </p:cNvPr>
+            <p:cNvPicPr>
+              <a:picLocks noChangeAspect="1"/>
+            </p:cNvPicPr>
+            <p:nvPr/>
+          </p:nvPicPr>
+          <p:blipFill>
+            <a:blip r:embed="rId5"/>
+            <a:stretch>
+              <a:fillRect/>
+            </a:stretch>
+          </p:blipFill>
+          <p:spPr>
+            <a:xfrm>
+              <a:off x="4864100" y="1778000"/>
+              <a:ext cx="2463800" cy="5080000"/>
+            </a:xfrm>
+            <a:prstGeom prst="rect">
+              <a:avLst/>
+            </a:prstGeom>
+          </p:spPr>
+        </p:pic>
+        <p:sp>
+          <p:nvSpPr>
+            <p:cNvPr id="17" name="직사각형 16">
+              <a:extLst>
+                <a:ext uri="{FF2B5EF4-FFF2-40B4-BE49-F238E27FC236}">
+                  <a16:creationId xmlns:a16="http://schemas.microsoft.com/office/drawing/2014/main" id="{AF6E03FD-5FDC-504F-AD96-60F8EF7FAEE4}"/>
+                </a:ext>
+              </a:extLst>
+            </p:cNvPr>
+            <p:cNvSpPr/>
+            <p:nvPr/>
+          </p:nvSpPr>
+          <p:spPr>
+            <a:xfrm>
+              <a:off x="5026058" y="2139885"/>
+              <a:ext cx="245097" cy="254523"/>
+            </a:xfrm>
+            <a:prstGeom prst="rect">
+              <a:avLst/>
+            </a:prstGeom>
+            <a:solidFill>
+              <a:schemeClr val="bg1"/>
+            </a:solidFill>
+            <a:ln>
+              <a:noFill/>
+            </a:ln>
+          </p:spPr>
+          <p:style>
+            <a:lnRef idx="2">
+              <a:schemeClr val="accent1">
+                <a:shade val="50000"/>
+              </a:schemeClr>
+            </a:lnRef>
+            <a:fillRef idx="1">
+              <a:schemeClr val="accent1"/>
+            </a:fillRef>
+            <a:effectRef idx="0">
+              <a:schemeClr val="accent1"/>
+            </a:effectRef>
+            <a:fontRef idx="minor">
+              <a:schemeClr val="lt1"/>
+            </a:fontRef>
+          </p:style>
+          <p:txBody>
+            <a:bodyPr rtlCol="0" anchor="ctr"/>
+            <a:lstStyle/>
+            <a:p>
+              <a:pPr algn="ctr"/>
+              <a:endParaRPr kumimoji="1" lang="ko-Kore-KR" altLang="en-US"/>
+            </a:p>
+          </p:txBody>
+        </p:sp>
+      </p:grpSp>
+      <p:grpSp>
+        <p:nvGrpSpPr>
+          <p:cNvPr id="12" name="그룹 11">
+            <a:extLst>
+              <a:ext uri="{FF2B5EF4-FFF2-40B4-BE49-F238E27FC236}">
+                <a16:creationId xmlns:a16="http://schemas.microsoft.com/office/drawing/2014/main" id="{2963303F-5ABE-FE4A-BB29-178148B148D9}"/>
+              </a:ext>
+            </a:extLst>
+          </p:cNvPr>
+          <p:cNvGrpSpPr/>
           <p:nvPr/>
-        </p:nvPicPr>
-        <p:blipFill>
-          <a:blip r:embed="rId4"/>
-          <a:stretch>
-            <a:fillRect/>
-          </a:stretch>
-        </p:blipFill>
-        <p:spPr>
+        </p:nvGrpSpPr>
+        <p:grpSpPr>
           <a:xfrm>
-            <a:off x="9006050" y="1778000"/>
+            <a:off x="9452300" y="1778000"/>
             <a:ext cx="2463800" cy="5080000"/>
+            <a:chOff x="9452300" y="1778000"/>
+            <a:chExt cx="2463800" cy="5080000"/>
           </a:xfrm>
-          <a:prstGeom prst="rect">
-            <a:avLst/>
-          </a:prstGeom>
-        </p:spPr>
-      </p:pic>
+        </p:grpSpPr>
+        <p:grpSp>
+          <p:nvGrpSpPr>
+            <p:cNvPr id="19" name="그룹 18">
+              <a:extLst>
+                <a:ext uri="{FF2B5EF4-FFF2-40B4-BE49-F238E27FC236}">
+                  <a16:creationId xmlns:a16="http://schemas.microsoft.com/office/drawing/2014/main" id="{EFF539E1-D7E4-BB41-8D7F-DC64AE684AB9}"/>
+                </a:ext>
+              </a:extLst>
+            </p:cNvPr>
+            <p:cNvGrpSpPr/>
+            <p:nvPr/>
+          </p:nvGrpSpPr>
+          <p:grpSpPr>
+            <a:xfrm>
+              <a:off x="9452300" y="1778000"/>
+              <a:ext cx="2463800" cy="5080000"/>
+              <a:chOff x="4864100" y="1778000"/>
+              <a:chExt cx="2463800" cy="5080000"/>
+            </a:xfrm>
+          </p:grpSpPr>
+          <p:pic>
+            <p:nvPicPr>
+              <p:cNvPr id="20" name="그림 19">
+                <a:extLst>
+                  <a:ext uri="{FF2B5EF4-FFF2-40B4-BE49-F238E27FC236}">
+                    <a16:creationId xmlns:a16="http://schemas.microsoft.com/office/drawing/2014/main" id="{C6216B12-C86F-A14B-95EE-9D60CF0CED13}"/>
+                  </a:ext>
+                </a:extLst>
+              </p:cNvPr>
+              <p:cNvPicPr>
+                <a:picLocks noChangeAspect="1"/>
+              </p:cNvPicPr>
+              <p:nvPr/>
+            </p:nvPicPr>
+            <p:blipFill>
+              <a:blip r:embed="rId5"/>
+              <a:stretch>
+                <a:fillRect/>
+              </a:stretch>
+            </p:blipFill>
+            <p:spPr>
+              <a:xfrm>
+                <a:off x="4864100" y="1778000"/>
+                <a:ext cx="2463800" cy="5080000"/>
+              </a:xfrm>
+              <a:prstGeom prst="rect">
+                <a:avLst/>
+              </a:prstGeom>
+            </p:spPr>
+          </p:pic>
+          <p:sp>
+            <p:nvSpPr>
+              <p:cNvPr id="21" name="직사각형 20">
+                <a:extLst>
+                  <a:ext uri="{FF2B5EF4-FFF2-40B4-BE49-F238E27FC236}">
+                    <a16:creationId xmlns:a16="http://schemas.microsoft.com/office/drawing/2014/main" id="{A257EFE9-7F26-0141-976E-24561055FB02}"/>
+                  </a:ext>
+                </a:extLst>
+              </p:cNvPr>
+              <p:cNvSpPr/>
+              <p:nvPr/>
+            </p:nvSpPr>
+            <p:spPr>
+              <a:xfrm>
+                <a:off x="5026058" y="2139885"/>
+                <a:ext cx="245097" cy="254523"/>
+              </a:xfrm>
+              <a:prstGeom prst="rect">
+                <a:avLst/>
+              </a:prstGeom>
+              <a:solidFill>
+                <a:schemeClr val="bg1"/>
+              </a:solidFill>
+              <a:ln>
+                <a:noFill/>
+              </a:ln>
+            </p:spPr>
+            <p:style>
+              <a:lnRef idx="2">
+                <a:schemeClr val="accent1">
+                  <a:shade val="50000"/>
+                </a:schemeClr>
+              </a:lnRef>
+              <a:fillRef idx="1">
+                <a:schemeClr val="accent1"/>
+              </a:fillRef>
+              <a:effectRef idx="0">
+                <a:schemeClr val="accent1"/>
+              </a:effectRef>
+              <a:fontRef idx="minor">
+                <a:schemeClr val="lt1"/>
+              </a:fontRef>
+            </p:style>
+            <p:txBody>
+              <a:bodyPr rtlCol="0" anchor="ctr"/>
+              <a:lstStyle/>
+              <a:p>
+                <a:pPr algn="ctr"/>
+                <a:endParaRPr kumimoji="1" lang="ko-Kore-KR" altLang="en-US"/>
+              </a:p>
+            </p:txBody>
+          </p:sp>
+        </p:grpSp>
+        <p:sp>
+          <p:nvSpPr>
+            <p:cNvPr id="10" name="타원 9">
+              <a:extLst>
+                <a:ext uri="{FF2B5EF4-FFF2-40B4-BE49-F238E27FC236}">
+                  <a16:creationId xmlns:a16="http://schemas.microsoft.com/office/drawing/2014/main" id="{89F3E3AB-B9F0-304A-8520-59420113F645}"/>
+                </a:ext>
+              </a:extLst>
+            </p:cNvPr>
+            <p:cNvSpPr/>
+            <p:nvPr/>
+          </p:nvSpPr>
+          <p:spPr>
+            <a:xfrm>
+              <a:off x="11094266" y="3621457"/>
+              <a:ext cx="72000" cy="72000"/>
+            </a:xfrm>
+            <a:prstGeom prst="ellipse">
+              <a:avLst/>
+            </a:prstGeom>
+            <a:solidFill>
+              <a:srgbClr val="FD997D"/>
+            </a:solidFill>
+            <a:ln>
+              <a:noFill/>
+            </a:ln>
+          </p:spPr>
+          <p:style>
+            <a:lnRef idx="2">
+              <a:schemeClr val="accent1">
+                <a:shade val="50000"/>
+              </a:schemeClr>
+            </a:lnRef>
+            <a:fillRef idx="1">
+              <a:schemeClr val="accent1"/>
+            </a:fillRef>
+            <a:effectRef idx="0">
+              <a:schemeClr val="accent1"/>
+            </a:effectRef>
+            <a:fontRef idx="minor">
+              <a:schemeClr val="lt1"/>
+            </a:fontRef>
+          </p:style>
+          <p:txBody>
+            <a:bodyPr rtlCol="0" anchor="ctr"/>
+            <a:lstStyle/>
+            <a:p>
+              <a:pPr algn="ctr"/>
+              <a:endParaRPr kumimoji="1" lang="ko-Kore-KR" altLang="en-US"/>
+            </a:p>
+          </p:txBody>
+        </p:sp>
+        <p:sp>
+          <p:nvSpPr>
+            <p:cNvPr id="22" name="타원 21">
+              <a:extLst>
+                <a:ext uri="{FF2B5EF4-FFF2-40B4-BE49-F238E27FC236}">
+                  <a16:creationId xmlns:a16="http://schemas.microsoft.com/office/drawing/2014/main" id="{100A1647-49E7-814B-B6F9-0BC1E94F696F}"/>
+                </a:ext>
+              </a:extLst>
+            </p:cNvPr>
+            <p:cNvSpPr/>
+            <p:nvPr/>
+          </p:nvSpPr>
+          <p:spPr>
+            <a:xfrm>
+              <a:off x="11349497" y="3621457"/>
+              <a:ext cx="72000" cy="72000"/>
+            </a:xfrm>
+            <a:prstGeom prst="ellipse">
+              <a:avLst/>
+            </a:prstGeom>
+            <a:solidFill>
+              <a:srgbClr val="FD997D"/>
+            </a:solidFill>
+            <a:ln>
+              <a:noFill/>
+            </a:ln>
+          </p:spPr>
+          <p:style>
+            <a:lnRef idx="2">
+              <a:schemeClr val="accent1">
+                <a:shade val="50000"/>
+              </a:schemeClr>
+            </a:lnRef>
+            <a:fillRef idx="1">
+              <a:schemeClr val="accent1"/>
+            </a:fillRef>
+            <a:effectRef idx="0">
+              <a:schemeClr val="accent1"/>
+            </a:effectRef>
+            <a:fontRef idx="minor">
+              <a:schemeClr val="lt1"/>
+            </a:fontRef>
+          </p:style>
+          <p:txBody>
+            <a:bodyPr rtlCol="0" anchor="ctr"/>
+            <a:lstStyle/>
+            <a:p>
+              <a:pPr algn="ctr"/>
+              <a:endParaRPr kumimoji="1" lang="ko-Kore-KR" altLang="en-US"/>
+            </a:p>
+          </p:txBody>
+        </p:sp>
+        <p:sp>
+          <p:nvSpPr>
+            <p:cNvPr id="23" name="타원 22">
+              <a:extLst>
+                <a:ext uri="{FF2B5EF4-FFF2-40B4-BE49-F238E27FC236}">
+                  <a16:creationId xmlns:a16="http://schemas.microsoft.com/office/drawing/2014/main" id="{1A10BF62-3BAD-7946-8D2B-517388D3E39D}"/>
+                </a:ext>
+              </a:extLst>
+            </p:cNvPr>
+            <p:cNvSpPr/>
+            <p:nvPr/>
+          </p:nvSpPr>
+          <p:spPr>
+            <a:xfrm>
+              <a:off x="11604728" y="3632312"/>
+              <a:ext cx="72000" cy="72000"/>
+            </a:xfrm>
+            <a:prstGeom prst="ellipse">
+              <a:avLst/>
+            </a:prstGeom>
+            <a:solidFill>
+              <a:srgbClr val="FD997D"/>
+            </a:solidFill>
+            <a:ln>
+              <a:noFill/>
+            </a:ln>
+          </p:spPr>
+          <p:style>
+            <a:lnRef idx="2">
+              <a:schemeClr val="accent1">
+                <a:shade val="50000"/>
+              </a:schemeClr>
+            </a:lnRef>
+            <a:fillRef idx="1">
+              <a:schemeClr val="accent1"/>
+            </a:fillRef>
+            <a:effectRef idx="0">
+              <a:schemeClr val="accent1"/>
+            </a:effectRef>
+            <a:fontRef idx="minor">
+              <a:schemeClr val="lt1"/>
+            </a:fontRef>
+          </p:style>
+          <p:txBody>
+            <a:bodyPr rtlCol="0" anchor="ctr"/>
+            <a:lstStyle/>
+            <a:p>
+              <a:pPr algn="ctr"/>
+              <a:endParaRPr kumimoji="1" lang="ko-Kore-KR" altLang="en-US"/>
+            </a:p>
+          </p:txBody>
+        </p:sp>
+        <p:sp>
+          <p:nvSpPr>
+            <p:cNvPr id="24" name="타원 23">
+              <a:extLst>
+                <a:ext uri="{FF2B5EF4-FFF2-40B4-BE49-F238E27FC236}">
+                  <a16:creationId xmlns:a16="http://schemas.microsoft.com/office/drawing/2014/main" id="{775AA538-DBBB-F749-90D0-FBAD65D61431}"/>
+                </a:ext>
+              </a:extLst>
+            </p:cNvPr>
+            <p:cNvSpPr/>
+            <p:nvPr/>
+          </p:nvSpPr>
+          <p:spPr>
+            <a:xfrm>
+              <a:off x="10096596" y="3905832"/>
+              <a:ext cx="72000" cy="72000"/>
+            </a:xfrm>
+            <a:prstGeom prst="ellipse">
+              <a:avLst/>
+            </a:prstGeom>
+            <a:solidFill>
+              <a:srgbClr val="FD997D"/>
+            </a:solidFill>
+            <a:ln>
+              <a:noFill/>
+            </a:ln>
+          </p:spPr>
+          <p:style>
+            <a:lnRef idx="2">
+              <a:schemeClr val="accent1">
+                <a:shade val="50000"/>
+              </a:schemeClr>
+            </a:lnRef>
+            <a:fillRef idx="1">
+              <a:schemeClr val="accent1"/>
+            </a:fillRef>
+            <a:effectRef idx="0">
+              <a:schemeClr val="accent1"/>
+            </a:effectRef>
+            <a:fontRef idx="minor">
+              <a:schemeClr val="lt1"/>
+            </a:fontRef>
+          </p:style>
+          <p:txBody>
+            <a:bodyPr rtlCol="0" anchor="ctr"/>
+            <a:lstStyle/>
+            <a:p>
+              <a:pPr algn="ctr"/>
+              <a:endParaRPr kumimoji="1" lang="ko-Kore-KR" altLang="en-US"/>
+            </a:p>
+          </p:txBody>
+        </p:sp>
+        <p:sp>
+          <p:nvSpPr>
+            <p:cNvPr id="25" name="타원 24">
+              <a:extLst>
+                <a:ext uri="{FF2B5EF4-FFF2-40B4-BE49-F238E27FC236}">
+                  <a16:creationId xmlns:a16="http://schemas.microsoft.com/office/drawing/2014/main" id="{BC7064E5-F0C9-2045-B108-F81BC9700DBC}"/>
+                </a:ext>
+              </a:extLst>
+            </p:cNvPr>
+            <p:cNvSpPr/>
+            <p:nvPr/>
+          </p:nvSpPr>
+          <p:spPr>
+            <a:xfrm>
+              <a:off x="10360546" y="3905832"/>
+              <a:ext cx="72000" cy="72000"/>
+            </a:xfrm>
+            <a:prstGeom prst="ellipse">
+              <a:avLst/>
+            </a:prstGeom>
+            <a:solidFill>
+              <a:srgbClr val="FD997D"/>
+            </a:solidFill>
+            <a:ln>
+              <a:noFill/>
+            </a:ln>
+          </p:spPr>
+          <p:style>
+            <a:lnRef idx="2">
+              <a:schemeClr val="accent1">
+                <a:shade val="50000"/>
+              </a:schemeClr>
+            </a:lnRef>
+            <a:fillRef idx="1">
+              <a:schemeClr val="accent1"/>
+            </a:fillRef>
+            <a:effectRef idx="0">
+              <a:schemeClr val="accent1"/>
+            </a:effectRef>
+            <a:fontRef idx="minor">
+              <a:schemeClr val="lt1"/>
+            </a:fontRef>
+          </p:style>
+          <p:txBody>
+            <a:bodyPr rtlCol="0" anchor="ctr"/>
+            <a:lstStyle/>
+            <a:p>
+              <a:pPr algn="ctr"/>
+              <a:endParaRPr kumimoji="1" lang="ko-Kore-KR" altLang="en-US"/>
+            </a:p>
+          </p:txBody>
+        </p:sp>
+        <p:sp>
+          <p:nvSpPr>
+            <p:cNvPr id="26" name="타원 25">
+              <a:extLst>
+                <a:ext uri="{FF2B5EF4-FFF2-40B4-BE49-F238E27FC236}">
+                  <a16:creationId xmlns:a16="http://schemas.microsoft.com/office/drawing/2014/main" id="{34D4290B-BC94-7D48-A278-92C00811BC63}"/>
+                </a:ext>
+              </a:extLst>
+            </p:cNvPr>
+            <p:cNvSpPr/>
+            <p:nvPr/>
+          </p:nvSpPr>
+          <p:spPr>
+            <a:xfrm>
+              <a:off x="10588496" y="3916687"/>
+              <a:ext cx="72000" cy="72000"/>
+            </a:xfrm>
+            <a:prstGeom prst="ellipse">
+              <a:avLst/>
+            </a:prstGeom>
+            <a:solidFill>
+              <a:srgbClr val="FD997D"/>
+            </a:solidFill>
+            <a:ln>
+              <a:noFill/>
+            </a:ln>
+          </p:spPr>
+          <p:style>
+            <a:lnRef idx="2">
+              <a:schemeClr val="accent1">
+                <a:shade val="50000"/>
+              </a:schemeClr>
+            </a:lnRef>
+            <a:fillRef idx="1">
+              <a:schemeClr val="accent1"/>
+            </a:fillRef>
+            <a:effectRef idx="0">
+              <a:schemeClr val="accent1"/>
+            </a:effectRef>
+            <a:fontRef idx="minor">
+              <a:schemeClr val="lt1"/>
+            </a:fontRef>
+          </p:style>
+          <p:txBody>
+            <a:bodyPr rtlCol="0" anchor="ctr"/>
+            <a:lstStyle/>
+            <a:p>
+              <a:pPr algn="ctr"/>
+              <a:endParaRPr kumimoji="1" lang="ko-Kore-KR" altLang="en-US"/>
+            </a:p>
+          </p:txBody>
+        </p:sp>
+      </p:grpSp>
     </p:spTree>
     <p:extLst>
       <p:ext uri="{BB962C8B-B14F-4D97-AF65-F5344CB8AC3E}">
-        <p14:creationId xmlns:p14="http://schemas.microsoft.com/office/powerpoint/2010/main" val="3013990923"/>
+        <p14:creationId xmlns:p14="http://schemas.microsoft.com/office/powerpoint/2010/main" val="2108330486"/>
       </p:ext>
     </p:extLst>
   </p:cSld>
@@ -4416,10 +7800,10 @@
       </p:grpSpPr>
       <p:sp>
         <p:nvSpPr>
-          <p:cNvPr id="5" name="모서리가 둥근 직사각형 4">
-            <a:extLst>
-              <a:ext uri="{FF2B5EF4-FFF2-40B4-BE49-F238E27FC236}">
-                <a16:creationId xmlns:a16="http://schemas.microsoft.com/office/drawing/2014/main" id="{52281441-5C7D-DA46-B8BC-454C59DA0B01}"/>
+          <p:cNvPr id="6" name="모서리가 둥근 직사각형 5">
+            <a:extLst>
+              <a:ext uri="{FF2B5EF4-FFF2-40B4-BE49-F238E27FC236}">
+                <a16:creationId xmlns:a16="http://schemas.microsoft.com/office/drawing/2014/main" id="{EFC247F2-4454-0841-A6C3-FB2BC9CCA0BF}"/>
               </a:ext>
             </a:extLst>
           </p:cNvPr>
@@ -4464,17 +7848,18 @@
             <a:pPr algn="ctr"/>
             <a:r>
               <a:rPr kumimoji="1" lang="en-US" altLang="ko-Kore-KR" dirty="0"/>
-              <a:t>Setting</a:t>
+              <a:t>To-Do</a:t>
             </a:r>
+            <a:endParaRPr kumimoji="1" lang="ko-Kore-KR" altLang="en-US" dirty="0"/>
           </a:p>
         </p:txBody>
       </p:sp>
       <p:sp>
         <p:nvSpPr>
-          <p:cNvPr id="10" name="모서리가 둥근 직사각형 9">
-            <a:extLst>
-              <a:ext uri="{FF2B5EF4-FFF2-40B4-BE49-F238E27FC236}">
-                <a16:creationId xmlns:a16="http://schemas.microsoft.com/office/drawing/2014/main" id="{BA8EF961-5419-FD44-82E3-8C5AD6CCC6C8}"/>
+          <p:cNvPr id="12" name="모서리가 둥근 직사각형 11">
+            <a:extLst>
+              <a:ext uri="{FF2B5EF4-FFF2-40B4-BE49-F238E27FC236}">
+                <a16:creationId xmlns:a16="http://schemas.microsoft.com/office/drawing/2014/main" id="{8182C5E9-38FF-3C4A-B027-2E57F6D076AB}"/>
               </a:ext>
             </a:extLst>
           </p:cNvPr>
@@ -4518,6 +7903,949 @@
           <a:p>
             <a:pPr algn="ctr"/>
             <a:r>
+              <a:rPr kumimoji="1" lang="en-US" altLang="ko-Kore-KR" dirty="0"/>
+              <a:t>Add/</a:t>
+            </a:r>
+            <a:r>
+              <a:rPr kumimoji="1" lang="en-US" altLang="ko-Kore-KR" dirty="0" err="1"/>
+              <a:t>EditViewController</a:t>
+            </a:r>
+            <a:endParaRPr kumimoji="1" lang="ko-Kore-KR" altLang="en-US" dirty="0"/>
+          </a:p>
+        </p:txBody>
+      </p:sp>
+      <p:grpSp>
+        <p:nvGrpSpPr>
+          <p:cNvPr id="19" name="그룹 18">
+            <a:extLst>
+              <a:ext uri="{FF2B5EF4-FFF2-40B4-BE49-F238E27FC236}">
+                <a16:creationId xmlns:a16="http://schemas.microsoft.com/office/drawing/2014/main" id="{69C14BC2-428A-CC46-8BA6-6C7B902037BA}"/>
+              </a:ext>
+            </a:extLst>
+          </p:cNvPr>
+          <p:cNvGrpSpPr/>
+          <p:nvPr/>
+        </p:nvGrpSpPr>
+        <p:grpSpPr>
+          <a:xfrm>
+            <a:off x="6542250" y="1778000"/>
+            <a:ext cx="2463800" cy="5080000"/>
+            <a:chOff x="6542250" y="1778000"/>
+            <a:chExt cx="2463800" cy="5080000"/>
+          </a:xfrm>
+        </p:grpSpPr>
+        <p:pic>
+          <p:nvPicPr>
+            <p:cNvPr id="16" name="그림 15">
+              <a:extLst>
+                <a:ext uri="{FF2B5EF4-FFF2-40B4-BE49-F238E27FC236}">
+                  <a16:creationId xmlns:a16="http://schemas.microsoft.com/office/drawing/2014/main" id="{F8FB5612-FA09-ED4C-BE57-109725991628}"/>
+                </a:ext>
+              </a:extLst>
+            </p:cNvPr>
+            <p:cNvPicPr>
+              <a:picLocks noChangeAspect="1"/>
+            </p:cNvPicPr>
+            <p:nvPr/>
+          </p:nvPicPr>
+          <p:blipFill>
+            <a:blip r:embed="rId2"/>
+            <a:stretch>
+              <a:fillRect/>
+            </a:stretch>
+          </p:blipFill>
+          <p:spPr>
+            <a:xfrm>
+              <a:off x="6542250" y="1778000"/>
+              <a:ext cx="2463800" cy="5080000"/>
+            </a:xfrm>
+            <a:prstGeom prst="rect">
+              <a:avLst/>
+            </a:prstGeom>
+          </p:spPr>
+        </p:pic>
+        <p:sp>
+          <p:nvSpPr>
+            <p:cNvPr id="14" name="모서리가 둥근 직사각형 13">
+              <a:extLst>
+                <a:ext uri="{FF2B5EF4-FFF2-40B4-BE49-F238E27FC236}">
+                  <a16:creationId xmlns:a16="http://schemas.microsoft.com/office/drawing/2014/main" id="{43814376-7FDB-774E-938A-EB7C8286FBCD}"/>
+                </a:ext>
+              </a:extLst>
+            </p:cNvPr>
+            <p:cNvSpPr/>
+            <p:nvPr/>
+          </p:nvSpPr>
+          <p:spPr>
+            <a:xfrm>
+              <a:off x="6727596" y="3053236"/>
+              <a:ext cx="914400" cy="162612"/>
+            </a:xfrm>
+            <a:prstGeom prst="roundRect">
+              <a:avLst/>
+            </a:prstGeom>
+            <a:solidFill>
+              <a:schemeClr val="bg1"/>
+            </a:solidFill>
+            <a:ln>
+              <a:noFill/>
+            </a:ln>
+          </p:spPr>
+          <p:style>
+            <a:lnRef idx="2">
+              <a:schemeClr val="accent1">
+                <a:shade val="50000"/>
+              </a:schemeClr>
+            </a:lnRef>
+            <a:fillRef idx="1">
+              <a:schemeClr val="accent1"/>
+            </a:fillRef>
+            <a:effectRef idx="0">
+              <a:schemeClr val="accent1"/>
+            </a:effectRef>
+            <a:fontRef idx="minor">
+              <a:schemeClr val="lt1"/>
+            </a:fontRef>
+          </p:style>
+          <p:txBody>
+            <a:bodyPr rtlCol="0" anchor="ctr"/>
+            <a:lstStyle/>
+            <a:p>
+              <a:r>
+                <a:rPr kumimoji="1" lang="ko-KR" altLang="en-US" sz="800" dirty="0">
+                  <a:solidFill>
+                    <a:sysClr val="windowText" lastClr="000000"/>
+                  </a:solidFill>
+                </a:rPr>
+                <a:t>종료시간</a:t>
+              </a:r>
+              <a:endParaRPr kumimoji="1" lang="ko-Kore-KR" altLang="en-US" sz="800" dirty="0">
+                <a:solidFill>
+                  <a:sysClr val="windowText" lastClr="000000"/>
+                </a:solidFill>
+              </a:endParaRPr>
+            </a:p>
+          </p:txBody>
+        </p:sp>
+      </p:grpSp>
+      <p:grpSp>
+        <p:nvGrpSpPr>
+          <p:cNvPr id="20" name="그룹 19">
+            <a:extLst>
+              <a:ext uri="{FF2B5EF4-FFF2-40B4-BE49-F238E27FC236}">
+                <a16:creationId xmlns:a16="http://schemas.microsoft.com/office/drawing/2014/main" id="{4307FADD-129E-D445-A13F-B45565D208EF}"/>
+              </a:ext>
+            </a:extLst>
+          </p:cNvPr>
+          <p:cNvGrpSpPr/>
+          <p:nvPr/>
+        </p:nvGrpSpPr>
+        <p:grpSpPr>
+          <a:xfrm>
+            <a:off x="3632200" y="1778000"/>
+            <a:ext cx="2463800" cy="5080000"/>
+            <a:chOff x="3632200" y="1778000"/>
+            <a:chExt cx="2463800" cy="5080000"/>
+          </a:xfrm>
+        </p:grpSpPr>
+        <p:pic>
+          <p:nvPicPr>
+            <p:cNvPr id="10" name="그림 9">
+              <a:extLst>
+                <a:ext uri="{FF2B5EF4-FFF2-40B4-BE49-F238E27FC236}">
+                  <a16:creationId xmlns:a16="http://schemas.microsoft.com/office/drawing/2014/main" id="{5F4B0CF0-2947-5A46-8823-2F357A4776D8}"/>
+                </a:ext>
+              </a:extLst>
+            </p:cNvPr>
+            <p:cNvPicPr>
+              <a:picLocks noChangeAspect="1"/>
+            </p:cNvPicPr>
+            <p:nvPr/>
+          </p:nvPicPr>
+          <p:blipFill>
+            <a:blip r:embed="rId3"/>
+            <a:stretch>
+              <a:fillRect/>
+            </a:stretch>
+          </p:blipFill>
+          <p:spPr>
+            <a:xfrm>
+              <a:off x="3632200" y="1778000"/>
+              <a:ext cx="2463800" cy="5080000"/>
+            </a:xfrm>
+            <a:prstGeom prst="rect">
+              <a:avLst/>
+            </a:prstGeom>
+          </p:spPr>
+        </p:pic>
+        <p:sp>
+          <p:nvSpPr>
+            <p:cNvPr id="15" name="모서리가 둥근 직사각형 14">
+              <a:extLst>
+                <a:ext uri="{FF2B5EF4-FFF2-40B4-BE49-F238E27FC236}">
+                  <a16:creationId xmlns:a16="http://schemas.microsoft.com/office/drawing/2014/main" id="{DD987C58-2AE7-DF4D-90CC-CB268ABFAB4E}"/>
+                </a:ext>
+              </a:extLst>
+            </p:cNvPr>
+            <p:cNvSpPr/>
+            <p:nvPr/>
+          </p:nvSpPr>
+          <p:spPr>
+            <a:xfrm>
+              <a:off x="3805286" y="3053236"/>
+              <a:ext cx="914400" cy="162612"/>
+            </a:xfrm>
+            <a:prstGeom prst="roundRect">
+              <a:avLst/>
+            </a:prstGeom>
+            <a:solidFill>
+              <a:schemeClr val="bg1"/>
+            </a:solidFill>
+            <a:ln>
+              <a:noFill/>
+            </a:ln>
+          </p:spPr>
+          <p:style>
+            <a:lnRef idx="2">
+              <a:schemeClr val="accent1">
+                <a:shade val="50000"/>
+              </a:schemeClr>
+            </a:lnRef>
+            <a:fillRef idx="1">
+              <a:schemeClr val="accent1"/>
+            </a:fillRef>
+            <a:effectRef idx="0">
+              <a:schemeClr val="accent1"/>
+            </a:effectRef>
+            <a:fontRef idx="minor">
+              <a:schemeClr val="lt1"/>
+            </a:fontRef>
+          </p:style>
+          <p:txBody>
+            <a:bodyPr rtlCol="0" anchor="ctr"/>
+            <a:lstStyle/>
+            <a:p>
+              <a:r>
+                <a:rPr kumimoji="1" lang="ko-KR" altLang="en-US" sz="800" dirty="0">
+                  <a:solidFill>
+                    <a:sysClr val="windowText" lastClr="000000"/>
+                  </a:solidFill>
+                </a:rPr>
+                <a:t>종료시간</a:t>
+              </a:r>
+              <a:endParaRPr kumimoji="1" lang="ko-Kore-KR" altLang="en-US" sz="800" dirty="0">
+                <a:solidFill>
+                  <a:sysClr val="windowText" lastClr="000000"/>
+                </a:solidFill>
+              </a:endParaRPr>
+            </a:p>
+          </p:txBody>
+        </p:sp>
+      </p:grpSp>
+      <p:grpSp>
+        <p:nvGrpSpPr>
+          <p:cNvPr id="21" name="그룹 20">
+            <a:extLst>
+              <a:ext uri="{FF2B5EF4-FFF2-40B4-BE49-F238E27FC236}">
+                <a16:creationId xmlns:a16="http://schemas.microsoft.com/office/drawing/2014/main" id="{F78ECE7D-0E93-0344-9E4E-A6C697ED5843}"/>
+              </a:ext>
+            </a:extLst>
+          </p:cNvPr>
+          <p:cNvGrpSpPr/>
+          <p:nvPr/>
+        </p:nvGrpSpPr>
+        <p:grpSpPr>
+          <a:xfrm>
+            <a:off x="722150" y="1778000"/>
+            <a:ext cx="2463800" cy="5080000"/>
+            <a:chOff x="722150" y="1778000"/>
+            <a:chExt cx="2463800" cy="5080000"/>
+          </a:xfrm>
+        </p:grpSpPr>
+        <p:pic>
+          <p:nvPicPr>
+            <p:cNvPr id="8" name="그림 7">
+              <a:extLst>
+                <a:ext uri="{FF2B5EF4-FFF2-40B4-BE49-F238E27FC236}">
+                  <a16:creationId xmlns:a16="http://schemas.microsoft.com/office/drawing/2014/main" id="{73B2D970-F378-8F4E-A4E7-421450DCFAF4}"/>
+                </a:ext>
+              </a:extLst>
+            </p:cNvPr>
+            <p:cNvPicPr>
+              <a:picLocks noChangeAspect="1"/>
+            </p:cNvPicPr>
+            <p:nvPr/>
+          </p:nvPicPr>
+          <p:blipFill>
+            <a:blip r:embed="rId4"/>
+            <a:stretch>
+              <a:fillRect/>
+            </a:stretch>
+          </p:blipFill>
+          <p:spPr>
+            <a:xfrm>
+              <a:off x="722150" y="1778000"/>
+              <a:ext cx="2463800" cy="5080000"/>
+            </a:xfrm>
+            <a:prstGeom prst="rect">
+              <a:avLst/>
+            </a:prstGeom>
+          </p:spPr>
+        </p:pic>
+        <p:sp>
+          <p:nvSpPr>
+            <p:cNvPr id="17" name="모서리가 둥근 직사각형 16">
+              <a:extLst>
+                <a:ext uri="{FF2B5EF4-FFF2-40B4-BE49-F238E27FC236}">
+                  <a16:creationId xmlns:a16="http://schemas.microsoft.com/office/drawing/2014/main" id="{52B3448A-628B-034E-A1EC-E2AD0ED46541}"/>
+                </a:ext>
+              </a:extLst>
+            </p:cNvPr>
+            <p:cNvSpPr/>
+            <p:nvPr/>
+          </p:nvSpPr>
+          <p:spPr>
+            <a:xfrm>
+              <a:off x="930111" y="3053236"/>
+              <a:ext cx="914400" cy="162612"/>
+            </a:xfrm>
+            <a:prstGeom prst="roundRect">
+              <a:avLst/>
+            </a:prstGeom>
+            <a:solidFill>
+              <a:schemeClr val="bg1"/>
+            </a:solidFill>
+            <a:ln>
+              <a:noFill/>
+            </a:ln>
+          </p:spPr>
+          <p:style>
+            <a:lnRef idx="2">
+              <a:schemeClr val="accent1">
+                <a:shade val="50000"/>
+              </a:schemeClr>
+            </a:lnRef>
+            <a:fillRef idx="1">
+              <a:schemeClr val="accent1"/>
+            </a:fillRef>
+            <a:effectRef idx="0">
+              <a:schemeClr val="accent1"/>
+            </a:effectRef>
+            <a:fontRef idx="minor">
+              <a:schemeClr val="lt1"/>
+            </a:fontRef>
+          </p:style>
+          <p:txBody>
+            <a:bodyPr rtlCol="0" anchor="ctr"/>
+            <a:lstStyle/>
+            <a:p>
+              <a:r>
+                <a:rPr kumimoji="1" lang="ko-KR" altLang="en-US" sz="800" dirty="0">
+                  <a:solidFill>
+                    <a:sysClr val="windowText" lastClr="000000"/>
+                  </a:solidFill>
+                </a:rPr>
+                <a:t>종료시간</a:t>
+              </a:r>
+              <a:endParaRPr kumimoji="1" lang="ko-Kore-KR" altLang="en-US" sz="800" dirty="0">
+                <a:solidFill>
+                  <a:sysClr val="windowText" lastClr="000000"/>
+                </a:solidFill>
+              </a:endParaRPr>
+            </a:p>
+          </p:txBody>
+        </p:sp>
+      </p:grpSp>
+      <p:grpSp>
+        <p:nvGrpSpPr>
+          <p:cNvPr id="18" name="그룹 17">
+            <a:extLst>
+              <a:ext uri="{FF2B5EF4-FFF2-40B4-BE49-F238E27FC236}">
+                <a16:creationId xmlns:a16="http://schemas.microsoft.com/office/drawing/2014/main" id="{83BF715D-4639-0345-A052-F2BBF8D2B8BE}"/>
+              </a:ext>
+            </a:extLst>
+          </p:cNvPr>
+          <p:cNvGrpSpPr/>
+          <p:nvPr/>
+        </p:nvGrpSpPr>
+        <p:grpSpPr>
+          <a:xfrm>
+            <a:off x="9452300" y="1778000"/>
+            <a:ext cx="2463800" cy="5080000"/>
+            <a:chOff x="9452300" y="1778000"/>
+            <a:chExt cx="2463800" cy="5080000"/>
+          </a:xfrm>
+        </p:grpSpPr>
+        <p:pic>
+          <p:nvPicPr>
+            <p:cNvPr id="7" name="그림 6">
+              <a:extLst>
+                <a:ext uri="{FF2B5EF4-FFF2-40B4-BE49-F238E27FC236}">
+                  <a16:creationId xmlns:a16="http://schemas.microsoft.com/office/drawing/2014/main" id="{CA10BEC0-D253-6941-83D7-0B81245B448D}"/>
+                </a:ext>
+              </a:extLst>
+            </p:cNvPr>
+            <p:cNvPicPr>
+              <a:picLocks noChangeAspect="1"/>
+            </p:cNvPicPr>
+            <p:nvPr/>
+          </p:nvPicPr>
+          <p:blipFill>
+            <a:blip r:embed="rId4"/>
+            <a:stretch>
+              <a:fillRect/>
+            </a:stretch>
+          </p:blipFill>
+          <p:spPr>
+            <a:xfrm>
+              <a:off x="9452300" y="1778000"/>
+              <a:ext cx="2463800" cy="5080000"/>
+            </a:xfrm>
+            <a:prstGeom prst="rect">
+              <a:avLst/>
+            </a:prstGeom>
+          </p:spPr>
+        </p:pic>
+        <p:sp>
+          <p:nvSpPr>
+            <p:cNvPr id="2" name="직사각형 1">
+              <a:extLst>
+                <a:ext uri="{FF2B5EF4-FFF2-40B4-BE49-F238E27FC236}">
+                  <a16:creationId xmlns:a16="http://schemas.microsoft.com/office/drawing/2014/main" id="{1CA457E7-F382-7649-B95F-6959CEEF456E}"/>
+                </a:ext>
+              </a:extLst>
+            </p:cNvPr>
+            <p:cNvSpPr/>
+            <p:nvPr/>
+          </p:nvSpPr>
+          <p:spPr>
+            <a:xfrm>
+              <a:off x="10227000" y="2163451"/>
+              <a:ext cx="914400" cy="249810"/>
+            </a:xfrm>
+            <a:prstGeom prst="rect">
+              <a:avLst/>
+            </a:prstGeom>
+            <a:solidFill>
+              <a:schemeClr val="bg1"/>
+            </a:solidFill>
+            <a:ln>
+              <a:noFill/>
+            </a:ln>
+          </p:spPr>
+          <p:style>
+            <a:lnRef idx="2">
+              <a:schemeClr val="accent1">
+                <a:shade val="50000"/>
+              </a:schemeClr>
+            </a:lnRef>
+            <a:fillRef idx="1">
+              <a:schemeClr val="accent1"/>
+            </a:fillRef>
+            <a:effectRef idx="0">
+              <a:schemeClr val="accent1"/>
+            </a:effectRef>
+            <a:fontRef idx="minor">
+              <a:schemeClr val="lt1"/>
+            </a:fontRef>
+          </p:style>
+          <p:txBody>
+            <a:bodyPr rtlCol="0" anchor="ctr"/>
+            <a:lstStyle/>
+            <a:p>
+              <a:pPr algn="ctr"/>
+              <a:r>
+                <a:rPr kumimoji="1" lang="en-US" altLang="ko-Kore-KR" sz="800" dirty="0">
+                  <a:solidFill>
+                    <a:sysClr val="windowText" lastClr="000000"/>
+                  </a:solidFill>
+                </a:rPr>
+                <a:t>To Do List Edit</a:t>
+              </a:r>
+              <a:endParaRPr kumimoji="1" lang="ko-Kore-KR" altLang="en-US" sz="800" dirty="0">
+                <a:solidFill>
+                  <a:sysClr val="windowText" lastClr="000000"/>
+                </a:solidFill>
+              </a:endParaRPr>
+            </a:p>
+          </p:txBody>
+        </p:sp>
+        <p:sp>
+          <p:nvSpPr>
+            <p:cNvPr id="9" name="직사각형 8">
+              <a:extLst>
+                <a:ext uri="{FF2B5EF4-FFF2-40B4-BE49-F238E27FC236}">
+                  <a16:creationId xmlns:a16="http://schemas.microsoft.com/office/drawing/2014/main" id="{B449A29A-C2B9-5548-8067-917D5957C302}"/>
+                </a:ext>
+              </a:extLst>
+            </p:cNvPr>
+            <p:cNvSpPr/>
+            <p:nvPr/>
+          </p:nvSpPr>
+          <p:spPr>
+            <a:xfrm>
+              <a:off x="11321459" y="2092612"/>
+              <a:ext cx="406650" cy="390019"/>
+            </a:xfrm>
+            <a:prstGeom prst="rect">
+              <a:avLst/>
+            </a:prstGeom>
+            <a:solidFill>
+              <a:schemeClr val="bg1"/>
+            </a:solidFill>
+            <a:ln>
+              <a:noFill/>
+            </a:ln>
+          </p:spPr>
+          <p:style>
+            <a:lnRef idx="2">
+              <a:schemeClr val="accent1">
+                <a:shade val="50000"/>
+              </a:schemeClr>
+            </a:lnRef>
+            <a:fillRef idx="1">
+              <a:schemeClr val="accent1"/>
+            </a:fillRef>
+            <a:effectRef idx="0">
+              <a:schemeClr val="accent1"/>
+            </a:effectRef>
+            <a:fontRef idx="minor">
+              <a:schemeClr val="lt1"/>
+            </a:fontRef>
+          </p:style>
+          <p:txBody>
+            <a:bodyPr rtlCol="0" anchor="ctr"/>
+            <a:lstStyle/>
+            <a:p>
+              <a:pPr algn="ctr"/>
+              <a:r>
+                <a:rPr kumimoji="1" lang="en-US" altLang="ko-Kore-KR" sz="1000" dirty="0">
+                  <a:solidFill>
+                    <a:schemeClr val="accent1"/>
+                  </a:solidFill>
+                </a:rPr>
+                <a:t>Edit</a:t>
+              </a:r>
+              <a:endParaRPr kumimoji="1" lang="ko-Kore-KR" altLang="en-US" sz="1000" dirty="0">
+                <a:solidFill>
+                  <a:schemeClr val="accent1"/>
+                </a:solidFill>
+              </a:endParaRPr>
+            </a:p>
+          </p:txBody>
+        </p:sp>
+        <p:sp>
+          <p:nvSpPr>
+            <p:cNvPr id="4" name="모서리가 둥근 직사각형 3">
+              <a:extLst>
+                <a:ext uri="{FF2B5EF4-FFF2-40B4-BE49-F238E27FC236}">
+                  <a16:creationId xmlns:a16="http://schemas.microsoft.com/office/drawing/2014/main" id="{633B467B-37A7-A742-ABFE-951FB2F80D3C}"/>
+                </a:ext>
+              </a:extLst>
+            </p:cNvPr>
+            <p:cNvSpPr/>
+            <p:nvPr/>
+          </p:nvSpPr>
+          <p:spPr>
+            <a:xfrm>
+              <a:off x="9676614" y="2514600"/>
+              <a:ext cx="1974916" cy="162612"/>
+            </a:xfrm>
+            <a:prstGeom prst="roundRect">
+              <a:avLst/>
+            </a:prstGeom>
+            <a:solidFill>
+              <a:schemeClr val="bg1"/>
+            </a:solidFill>
+            <a:ln>
+              <a:noFill/>
+            </a:ln>
+          </p:spPr>
+          <p:style>
+            <a:lnRef idx="2">
+              <a:schemeClr val="accent1">
+                <a:shade val="50000"/>
+              </a:schemeClr>
+            </a:lnRef>
+            <a:fillRef idx="1">
+              <a:schemeClr val="accent1"/>
+            </a:fillRef>
+            <a:effectRef idx="0">
+              <a:schemeClr val="accent1"/>
+            </a:effectRef>
+            <a:fontRef idx="minor">
+              <a:schemeClr val="lt1"/>
+            </a:fontRef>
+          </p:style>
+          <p:txBody>
+            <a:bodyPr rtlCol="0" anchor="ctr"/>
+            <a:lstStyle/>
+            <a:p>
+              <a:r>
+                <a:rPr kumimoji="1" lang="en-US" altLang="ko-Kore-KR" sz="800" dirty="0">
+                  <a:solidFill>
+                    <a:schemeClr val="tx1"/>
+                  </a:solidFill>
+                </a:rPr>
+                <a:t>Swift Programming - </a:t>
+              </a:r>
+              <a:r>
+                <a:rPr kumimoji="1" lang="ko-KR" altLang="en-US" sz="800" dirty="0">
+                  <a:solidFill>
+                    <a:schemeClr val="tx1"/>
+                  </a:solidFill>
+                </a:rPr>
+                <a:t>과제</a:t>
+              </a:r>
+              <a:endParaRPr kumimoji="1" lang="ko-Kore-KR" altLang="en-US" sz="800" dirty="0">
+                <a:solidFill>
+                  <a:schemeClr val="tx1"/>
+                </a:solidFill>
+              </a:endParaRPr>
+            </a:p>
+          </p:txBody>
+        </p:sp>
+        <p:sp>
+          <p:nvSpPr>
+            <p:cNvPr id="13" name="모서리가 둥근 직사각형 12">
+              <a:extLst>
+                <a:ext uri="{FF2B5EF4-FFF2-40B4-BE49-F238E27FC236}">
+                  <a16:creationId xmlns:a16="http://schemas.microsoft.com/office/drawing/2014/main" id="{02014102-0302-E647-AC8B-C046F9022B9A}"/>
+                </a:ext>
+              </a:extLst>
+            </p:cNvPr>
+            <p:cNvSpPr/>
+            <p:nvPr/>
+          </p:nvSpPr>
+          <p:spPr>
+            <a:xfrm>
+              <a:off x="9676614" y="2759697"/>
+              <a:ext cx="1974916" cy="162612"/>
+            </a:xfrm>
+            <a:prstGeom prst="roundRect">
+              <a:avLst/>
+            </a:prstGeom>
+            <a:solidFill>
+              <a:schemeClr val="bg1"/>
+            </a:solidFill>
+            <a:ln>
+              <a:noFill/>
+            </a:ln>
+          </p:spPr>
+          <p:style>
+            <a:lnRef idx="2">
+              <a:schemeClr val="accent1">
+                <a:shade val="50000"/>
+              </a:schemeClr>
+            </a:lnRef>
+            <a:fillRef idx="1">
+              <a:schemeClr val="accent1"/>
+            </a:fillRef>
+            <a:effectRef idx="0">
+              <a:schemeClr val="accent1"/>
+            </a:effectRef>
+            <a:fontRef idx="minor">
+              <a:schemeClr val="lt1"/>
+            </a:fontRef>
+          </p:style>
+          <p:txBody>
+            <a:bodyPr rtlCol="0" anchor="ctr"/>
+            <a:lstStyle/>
+            <a:p>
+              <a:r>
+                <a:rPr kumimoji="1" lang="en-US" altLang="ko-Kore-KR" sz="800" dirty="0" err="1">
+                  <a:solidFill>
+                    <a:schemeClr val="tx1"/>
+                  </a:solidFill>
+                </a:rPr>
+                <a:t>WorkSheet</a:t>
+              </a:r>
+              <a:r>
+                <a:rPr kumimoji="1" lang="en-US" altLang="ko-Kore-KR" sz="800" dirty="0">
+                  <a:solidFill>
+                    <a:schemeClr val="tx1"/>
+                  </a:solidFill>
+                </a:rPr>
+                <a:t> #3</a:t>
+              </a:r>
+              <a:endParaRPr kumimoji="1" lang="ko-Kore-KR" altLang="en-US" sz="800" dirty="0">
+                <a:solidFill>
+                  <a:schemeClr val="tx1"/>
+                </a:solidFill>
+              </a:endParaRPr>
+            </a:p>
+          </p:txBody>
+        </p:sp>
+        <p:sp>
+          <p:nvSpPr>
+            <p:cNvPr id="5" name="모서리가 둥근 직사각형 4">
+              <a:extLst>
+                <a:ext uri="{FF2B5EF4-FFF2-40B4-BE49-F238E27FC236}">
+                  <a16:creationId xmlns:a16="http://schemas.microsoft.com/office/drawing/2014/main" id="{A1815C59-0105-DE43-ACA4-ED3529536EE5}"/>
+                </a:ext>
+              </a:extLst>
+            </p:cNvPr>
+            <p:cNvSpPr/>
+            <p:nvPr/>
+          </p:nvSpPr>
+          <p:spPr>
+            <a:xfrm>
+              <a:off x="9667187" y="3053236"/>
+              <a:ext cx="914400" cy="162612"/>
+            </a:xfrm>
+            <a:prstGeom prst="roundRect">
+              <a:avLst/>
+            </a:prstGeom>
+            <a:solidFill>
+              <a:schemeClr val="bg1"/>
+            </a:solidFill>
+            <a:ln>
+              <a:noFill/>
+            </a:ln>
+          </p:spPr>
+          <p:style>
+            <a:lnRef idx="2">
+              <a:schemeClr val="accent1">
+                <a:shade val="50000"/>
+              </a:schemeClr>
+            </a:lnRef>
+            <a:fillRef idx="1">
+              <a:schemeClr val="accent1"/>
+            </a:fillRef>
+            <a:effectRef idx="0">
+              <a:schemeClr val="accent1"/>
+            </a:effectRef>
+            <a:fontRef idx="minor">
+              <a:schemeClr val="lt1"/>
+            </a:fontRef>
+          </p:style>
+          <p:txBody>
+            <a:bodyPr rtlCol="0" anchor="ctr"/>
+            <a:lstStyle/>
+            <a:p>
+              <a:r>
+                <a:rPr kumimoji="1" lang="ko-KR" altLang="en-US" sz="800" dirty="0">
+                  <a:solidFill>
+                    <a:sysClr val="windowText" lastClr="000000"/>
+                  </a:solidFill>
+                </a:rPr>
+                <a:t>종료시간</a:t>
+              </a:r>
+              <a:endParaRPr kumimoji="1" lang="ko-Kore-KR" altLang="en-US" sz="800" dirty="0">
+                <a:solidFill>
+                  <a:sysClr val="windowText" lastClr="000000"/>
+                </a:solidFill>
+              </a:endParaRPr>
+            </a:p>
+          </p:txBody>
+        </p:sp>
+        <p:sp>
+          <p:nvSpPr>
+            <p:cNvPr id="11" name="모서리가 둥근 직사각형 10">
+              <a:extLst>
+                <a:ext uri="{FF2B5EF4-FFF2-40B4-BE49-F238E27FC236}">
+                  <a16:creationId xmlns:a16="http://schemas.microsoft.com/office/drawing/2014/main" id="{F6D58172-0237-244A-8B0E-163A92DDD70E}"/>
+                </a:ext>
+              </a:extLst>
+            </p:cNvPr>
+            <p:cNvSpPr/>
+            <p:nvPr/>
+          </p:nvSpPr>
+          <p:spPr>
+            <a:xfrm>
+              <a:off x="10609868" y="3037782"/>
+              <a:ext cx="550386" cy="180000"/>
+            </a:xfrm>
+            <a:prstGeom prst="roundRect">
+              <a:avLst/>
+            </a:prstGeom>
+            <a:solidFill>
+              <a:srgbClr val="EFEFF1"/>
+            </a:solidFill>
+            <a:ln>
+              <a:noFill/>
+            </a:ln>
+          </p:spPr>
+          <p:style>
+            <a:lnRef idx="2">
+              <a:schemeClr val="accent1">
+                <a:shade val="50000"/>
+              </a:schemeClr>
+            </a:lnRef>
+            <a:fillRef idx="1">
+              <a:schemeClr val="accent1"/>
+            </a:fillRef>
+            <a:effectRef idx="0">
+              <a:schemeClr val="accent1"/>
+            </a:effectRef>
+            <a:fontRef idx="minor">
+              <a:schemeClr val="lt1"/>
+            </a:fontRef>
+          </p:style>
+          <p:txBody>
+            <a:bodyPr rtlCol="0" anchor="ctr"/>
+            <a:lstStyle/>
+            <a:p>
+              <a:pPr algn="ctr"/>
+              <a:r>
+                <a:rPr kumimoji="1" lang="en-US" altLang="ko-Kore-KR" sz="800" dirty="0">
+                  <a:solidFill>
+                    <a:sysClr val="windowText" lastClr="000000"/>
+                  </a:solidFill>
+                </a:rPr>
+                <a:t>3</a:t>
+              </a:r>
+              <a:r>
+                <a:rPr kumimoji="1" lang="en-US" altLang="ko-KR" sz="800" dirty="0">
+                  <a:solidFill>
+                    <a:sysClr val="windowText" lastClr="000000"/>
+                  </a:solidFill>
+                </a:rPr>
+                <a:t>/31/22</a:t>
+              </a:r>
+              <a:endParaRPr kumimoji="1" lang="ko-Kore-KR" altLang="en-US" sz="800" dirty="0">
+                <a:solidFill>
+                  <a:sysClr val="windowText" lastClr="000000"/>
+                </a:solidFill>
+              </a:endParaRPr>
+            </a:p>
+          </p:txBody>
+        </p:sp>
+      </p:grpSp>
+    </p:spTree>
+    <p:extLst>
+      <p:ext uri="{BB962C8B-B14F-4D97-AF65-F5344CB8AC3E}">
+        <p14:creationId xmlns:p14="http://schemas.microsoft.com/office/powerpoint/2010/main" val="3013990923"/>
+      </p:ext>
+    </p:extLst>
+  </p:cSld>
+  <p:clrMapOvr>
+    <a:masterClrMapping/>
+  </p:clrMapOvr>
+</p:sld>
+</file>
+
+<file path=ppt/slides/slide7.xml><?xml version="1.0" encoding="utf-8"?>
+<p:sld xmlns:a="http://schemas.openxmlformats.org/drawingml/2006/main" xmlns:r="http://schemas.openxmlformats.org/officeDocument/2006/relationships" xmlns:p="http://schemas.openxmlformats.org/presentationml/2006/main">
+  <p:cSld>
+    <p:spTree>
+      <p:nvGrpSpPr>
+        <p:cNvPr id="1" name=""/>
+        <p:cNvGrpSpPr/>
+        <p:nvPr/>
+      </p:nvGrpSpPr>
+      <p:grpSpPr>
+        <a:xfrm>
+          <a:off x="0" y="0"/>
+          <a:ext cx="0" cy="0"/>
+          <a:chOff x="0" y="0"/>
+          <a:chExt cx="0" cy="0"/>
+        </a:xfrm>
+      </p:grpSpPr>
+      <p:sp>
+        <p:nvSpPr>
+          <p:cNvPr id="5" name="모서리가 둥근 직사각형 4">
+            <a:extLst>
+              <a:ext uri="{FF2B5EF4-FFF2-40B4-BE49-F238E27FC236}">
+                <a16:creationId xmlns:a16="http://schemas.microsoft.com/office/drawing/2014/main" id="{52281441-5C7D-DA46-B8BC-454C59DA0B01}"/>
+              </a:ext>
+            </a:extLst>
+          </p:cNvPr>
+          <p:cNvSpPr/>
+          <p:nvPr/>
+        </p:nvSpPr>
+        <p:spPr>
+          <a:xfrm>
+            <a:off x="722150" y="213749"/>
+            <a:ext cx="1970223" cy="513045"/>
+          </a:xfrm>
+          <a:prstGeom prst="roundRect">
+            <a:avLst/>
+          </a:prstGeom>
+          <a:solidFill>
+            <a:srgbClr val="FD997D"/>
+          </a:solidFill>
+          <a:ln>
+            <a:noFill/>
+          </a:ln>
+        </p:spPr>
+        <p:style>
+          <a:lnRef idx="2">
+            <a:schemeClr val="accent1">
+              <a:shade val="50000"/>
+            </a:schemeClr>
+          </a:lnRef>
+          <a:fillRef idx="1">
+            <a:schemeClr val="accent1"/>
+          </a:fillRef>
+          <a:effectRef idx="0">
+            <a:schemeClr val="accent1"/>
+          </a:effectRef>
+          <a:fontRef idx="minor">
+            <a:schemeClr val="lt1"/>
+          </a:fontRef>
+        </p:style>
+        <p:txBody>
+          <a:bodyPr rtlCol="0" anchor="ctr"/>
+          <a:lstStyle/>
+          <a:p>
+            <a:pPr algn="ctr"/>
+            <a:r>
+              <a:rPr kumimoji="1" lang="en-US" altLang="ko-Kore-KR" dirty="0"/>
+              <a:t>Setting</a:t>
+            </a:r>
+          </a:p>
+        </p:txBody>
+      </p:sp>
+      <p:sp>
+        <p:nvSpPr>
+          <p:cNvPr id="10" name="모서리가 둥근 직사각형 9">
+            <a:extLst>
+              <a:ext uri="{FF2B5EF4-FFF2-40B4-BE49-F238E27FC236}">
+                <a16:creationId xmlns:a16="http://schemas.microsoft.com/office/drawing/2014/main" id="{BA8EF961-5419-FD44-82E3-8C5AD6CCC6C8}"/>
+              </a:ext>
+            </a:extLst>
+          </p:cNvPr>
+          <p:cNvSpPr/>
+          <p:nvPr/>
+        </p:nvSpPr>
+        <p:spPr>
+          <a:xfrm>
+            <a:off x="722150" y="892397"/>
+            <a:ext cx="2520000" cy="360000"/>
+          </a:xfrm>
+          <a:prstGeom prst="roundRect">
+            <a:avLst/>
+          </a:prstGeom>
+          <a:solidFill>
+            <a:srgbClr val="FD997D"/>
+          </a:solidFill>
+          <a:ln>
+            <a:noFill/>
+          </a:ln>
+        </p:spPr>
+        <p:style>
+          <a:lnRef idx="2">
+            <a:schemeClr val="accent1">
+              <a:shade val="50000"/>
+            </a:schemeClr>
+          </a:lnRef>
+          <a:fillRef idx="1">
+            <a:schemeClr val="accent1"/>
+          </a:fillRef>
+          <a:effectRef idx="0">
+            <a:schemeClr val="accent1"/>
+          </a:effectRef>
+          <a:fontRef idx="minor">
+            <a:schemeClr val="lt1"/>
+          </a:fontRef>
+        </p:style>
+        <p:txBody>
+          <a:bodyPr rtlCol="0" anchor="ctr"/>
+          <a:lstStyle/>
+          <a:p>
+            <a:pPr algn="ctr"/>
+            <a:r>
               <a:rPr kumimoji="1" lang="en-US" altLang="ko-Kore-KR" dirty="0" err="1"/>
               <a:t>SettingViewController</a:t>
             </a:r>
@@ -4557,10 +8885,10 @@
       </p:pic>
       <p:pic>
         <p:nvPicPr>
-          <p:cNvPr id="19" name="그림 18">
-            <a:extLst>
-              <a:ext uri="{FF2B5EF4-FFF2-40B4-BE49-F238E27FC236}">
-                <a16:creationId xmlns:a16="http://schemas.microsoft.com/office/drawing/2014/main" id="{44295D32-E719-194C-9E92-84618552E604}"/>
+          <p:cNvPr id="2" name="그림 1">
+            <a:extLst>
+              <a:ext uri="{FF2B5EF4-FFF2-40B4-BE49-F238E27FC236}">
+                <a16:creationId xmlns:a16="http://schemas.microsoft.com/office/drawing/2014/main" id="{9E47F682-BC9E-8F4C-86FC-BBC18EB7B3B1}"/>
               </a:ext>
             </a:extLst>
           </p:cNvPr>
@@ -4577,7 +8905,7 @@
         </p:blipFill>
         <p:spPr>
           <a:xfrm>
-            <a:off x="3632200" y="1778000"/>
+            <a:off x="4864100" y="1778000"/>
             <a:ext cx="2463800" cy="5080000"/>
           </a:xfrm>
           <a:prstGeom prst="rect">
@@ -4585,10 +8913,615 @@
           </a:prstGeom>
         </p:spPr>
       </p:pic>
+      <p:pic>
+        <p:nvPicPr>
+          <p:cNvPr id="3" name="그림 2">
+            <a:extLst>
+              <a:ext uri="{FF2B5EF4-FFF2-40B4-BE49-F238E27FC236}">
+                <a16:creationId xmlns:a16="http://schemas.microsoft.com/office/drawing/2014/main" id="{75150B4A-A198-A241-8887-0BAF581267EE}"/>
+              </a:ext>
+            </a:extLst>
+          </p:cNvPr>
+          <p:cNvPicPr>
+            <a:picLocks noChangeAspect="1"/>
+          </p:cNvPicPr>
+          <p:nvPr/>
+        </p:nvPicPr>
+        <p:blipFill>
+          <a:blip r:embed="rId4"/>
+          <a:stretch>
+            <a:fillRect/>
+          </a:stretch>
+        </p:blipFill>
+        <p:spPr>
+          <a:xfrm>
+            <a:off x="9006050" y="1778000"/>
+            <a:ext cx="2463800" cy="5080000"/>
+          </a:xfrm>
+          <a:prstGeom prst="rect">
+            <a:avLst/>
+          </a:prstGeom>
+        </p:spPr>
+      </p:pic>
+      <p:sp>
+        <p:nvSpPr>
+          <p:cNvPr id="6" name="모서리가 둥근 직사각형 5">
+            <a:extLst>
+              <a:ext uri="{FF2B5EF4-FFF2-40B4-BE49-F238E27FC236}">
+                <a16:creationId xmlns:a16="http://schemas.microsoft.com/office/drawing/2014/main" id="{94645A81-527D-8B44-A9C6-B1D3A4D560A0}"/>
+              </a:ext>
+            </a:extLst>
+          </p:cNvPr>
+          <p:cNvSpPr/>
+          <p:nvPr/>
+        </p:nvSpPr>
+        <p:spPr>
+          <a:xfrm>
+            <a:off x="10383625" y="2663072"/>
+            <a:ext cx="914400" cy="259238"/>
+          </a:xfrm>
+          <a:prstGeom prst="roundRect">
+            <a:avLst/>
+          </a:prstGeom>
+          <a:solidFill>
+            <a:schemeClr val="bg1"/>
+          </a:solidFill>
+          <a:ln>
+            <a:noFill/>
+          </a:ln>
+        </p:spPr>
+        <p:style>
+          <a:lnRef idx="2">
+            <a:schemeClr val="accent1">
+              <a:shade val="50000"/>
+            </a:schemeClr>
+          </a:lnRef>
+          <a:fillRef idx="1">
+            <a:schemeClr val="accent1"/>
+          </a:fillRef>
+          <a:effectRef idx="0">
+            <a:schemeClr val="accent1"/>
+          </a:effectRef>
+          <a:fontRef idx="minor">
+            <a:schemeClr val="lt1"/>
+          </a:fontRef>
+        </p:style>
+        <p:txBody>
+          <a:bodyPr rtlCol="0" anchor="ctr"/>
+          <a:lstStyle/>
+          <a:p>
+            <a:pPr algn="r"/>
+            <a:r>
+              <a:rPr kumimoji="1" lang="ko-Kore-KR" altLang="en-US" sz="600" dirty="0">
+                <a:solidFill>
+                  <a:sysClr val="windowText" lastClr="000000"/>
+                </a:solidFill>
+              </a:rPr>
+              <a:t>아주작게</a:t>
+            </a:r>
+          </a:p>
+        </p:txBody>
+      </p:sp>
+      <p:sp>
+        <p:nvSpPr>
+          <p:cNvPr id="11" name="모서리가 둥근 직사각형 10">
+            <a:extLst>
+              <a:ext uri="{FF2B5EF4-FFF2-40B4-BE49-F238E27FC236}">
+                <a16:creationId xmlns:a16="http://schemas.microsoft.com/office/drawing/2014/main" id="{D100B380-36F7-1E4A-A5B7-75BD0669291A}"/>
+              </a:ext>
+            </a:extLst>
+          </p:cNvPr>
+          <p:cNvSpPr/>
+          <p:nvPr/>
+        </p:nvSpPr>
+        <p:spPr>
+          <a:xfrm>
+            <a:off x="10383625" y="2994582"/>
+            <a:ext cx="914400" cy="259238"/>
+          </a:xfrm>
+          <a:prstGeom prst="roundRect">
+            <a:avLst/>
+          </a:prstGeom>
+          <a:solidFill>
+            <a:schemeClr val="bg1"/>
+          </a:solidFill>
+          <a:ln>
+            <a:noFill/>
+          </a:ln>
+        </p:spPr>
+        <p:style>
+          <a:lnRef idx="2">
+            <a:schemeClr val="accent1">
+              <a:shade val="50000"/>
+            </a:schemeClr>
+          </a:lnRef>
+          <a:fillRef idx="1">
+            <a:schemeClr val="accent1"/>
+          </a:fillRef>
+          <a:effectRef idx="0">
+            <a:schemeClr val="accent1"/>
+          </a:effectRef>
+          <a:fontRef idx="minor">
+            <a:schemeClr val="lt1"/>
+          </a:fontRef>
+        </p:style>
+        <p:txBody>
+          <a:bodyPr rtlCol="0" anchor="ctr"/>
+          <a:lstStyle/>
+          <a:p>
+            <a:pPr algn="r"/>
+            <a:r>
+              <a:rPr kumimoji="1" lang="ko-Kore-KR" altLang="en-US" sz="800" dirty="0">
+                <a:solidFill>
+                  <a:sysClr val="windowText" lastClr="000000"/>
+                </a:solidFill>
+              </a:rPr>
+              <a:t>작게</a:t>
+            </a:r>
+          </a:p>
+        </p:txBody>
+      </p:sp>
+      <p:sp>
+        <p:nvSpPr>
+          <p:cNvPr id="12" name="모서리가 둥근 직사각형 11">
+            <a:extLst>
+              <a:ext uri="{FF2B5EF4-FFF2-40B4-BE49-F238E27FC236}">
+                <a16:creationId xmlns:a16="http://schemas.microsoft.com/office/drawing/2014/main" id="{9BE7AF0D-85F7-CA43-B2D8-08ADEC577D1D}"/>
+              </a:ext>
+            </a:extLst>
+          </p:cNvPr>
+          <p:cNvSpPr/>
+          <p:nvPr/>
+        </p:nvSpPr>
+        <p:spPr>
+          <a:xfrm>
+            <a:off x="10383625" y="3326092"/>
+            <a:ext cx="914400" cy="259238"/>
+          </a:xfrm>
+          <a:prstGeom prst="roundRect">
+            <a:avLst/>
+          </a:prstGeom>
+          <a:solidFill>
+            <a:schemeClr val="bg1"/>
+          </a:solidFill>
+          <a:ln>
+            <a:noFill/>
+          </a:ln>
+        </p:spPr>
+        <p:style>
+          <a:lnRef idx="2">
+            <a:schemeClr val="accent1">
+              <a:shade val="50000"/>
+            </a:schemeClr>
+          </a:lnRef>
+          <a:fillRef idx="1">
+            <a:schemeClr val="accent1"/>
+          </a:fillRef>
+          <a:effectRef idx="0">
+            <a:schemeClr val="accent1"/>
+          </a:effectRef>
+          <a:fontRef idx="minor">
+            <a:schemeClr val="lt1"/>
+          </a:fontRef>
+        </p:style>
+        <p:txBody>
+          <a:bodyPr rtlCol="0" anchor="ctr"/>
+          <a:lstStyle/>
+          <a:p>
+            <a:pPr algn="r"/>
+            <a:r>
+              <a:rPr kumimoji="1" lang="ko-Kore-KR" altLang="en-US" sz="1000" dirty="0">
+                <a:solidFill>
+                  <a:sysClr val="windowText" lastClr="000000"/>
+                </a:solidFill>
+              </a:rPr>
+              <a:t>중간</a:t>
+            </a:r>
+          </a:p>
+        </p:txBody>
+      </p:sp>
+      <p:sp>
+        <p:nvSpPr>
+          <p:cNvPr id="13" name="모서리가 둥근 직사각형 12">
+            <a:extLst>
+              <a:ext uri="{FF2B5EF4-FFF2-40B4-BE49-F238E27FC236}">
+                <a16:creationId xmlns:a16="http://schemas.microsoft.com/office/drawing/2014/main" id="{A81DB210-7246-FB4F-B7D4-28930954143E}"/>
+              </a:ext>
+            </a:extLst>
+          </p:cNvPr>
+          <p:cNvSpPr/>
+          <p:nvPr/>
+        </p:nvSpPr>
+        <p:spPr>
+          <a:xfrm>
+            <a:off x="10383625" y="3638750"/>
+            <a:ext cx="914400" cy="259238"/>
+          </a:xfrm>
+          <a:prstGeom prst="roundRect">
+            <a:avLst/>
+          </a:prstGeom>
+          <a:solidFill>
+            <a:schemeClr val="bg1"/>
+          </a:solidFill>
+          <a:ln>
+            <a:noFill/>
+          </a:ln>
+        </p:spPr>
+        <p:style>
+          <a:lnRef idx="2">
+            <a:schemeClr val="accent1">
+              <a:shade val="50000"/>
+            </a:schemeClr>
+          </a:lnRef>
+          <a:fillRef idx="1">
+            <a:schemeClr val="accent1"/>
+          </a:fillRef>
+          <a:effectRef idx="0">
+            <a:schemeClr val="accent1"/>
+          </a:effectRef>
+          <a:fontRef idx="minor">
+            <a:schemeClr val="lt1"/>
+          </a:fontRef>
+        </p:style>
+        <p:txBody>
+          <a:bodyPr rtlCol="0" anchor="ctr"/>
+          <a:lstStyle/>
+          <a:p>
+            <a:pPr algn="r"/>
+            <a:r>
+              <a:rPr kumimoji="1" lang="ko-Kore-KR" altLang="en-US" sz="1200" dirty="0">
+                <a:solidFill>
+                  <a:sysClr val="windowText" lastClr="000000"/>
+                </a:solidFill>
+              </a:rPr>
+              <a:t>크게</a:t>
+            </a:r>
+          </a:p>
+        </p:txBody>
+      </p:sp>
+      <p:sp>
+        <p:nvSpPr>
+          <p:cNvPr id="14" name="모서리가 둥근 직사각형 13">
+            <a:extLst>
+              <a:ext uri="{FF2B5EF4-FFF2-40B4-BE49-F238E27FC236}">
+                <a16:creationId xmlns:a16="http://schemas.microsoft.com/office/drawing/2014/main" id="{91F3778F-F5AB-4B44-89C2-266FE5F70663}"/>
+              </a:ext>
+            </a:extLst>
+          </p:cNvPr>
+          <p:cNvSpPr/>
+          <p:nvPr/>
+        </p:nvSpPr>
+        <p:spPr>
+          <a:xfrm>
+            <a:off x="10209229" y="3951408"/>
+            <a:ext cx="1088796" cy="259238"/>
+          </a:xfrm>
+          <a:prstGeom prst="roundRect">
+            <a:avLst/>
+          </a:prstGeom>
+          <a:solidFill>
+            <a:schemeClr val="bg1"/>
+          </a:solidFill>
+          <a:ln>
+            <a:noFill/>
+          </a:ln>
+        </p:spPr>
+        <p:style>
+          <a:lnRef idx="2">
+            <a:schemeClr val="accent1">
+              <a:shade val="50000"/>
+            </a:schemeClr>
+          </a:lnRef>
+          <a:fillRef idx="1">
+            <a:schemeClr val="accent1"/>
+          </a:fillRef>
+          <a:effectRef idx="0">
+            <a:schemeClr val="accent1"/>
+          </a:effectRef>
+          <a:fontRef idx="minor">
+            <a:schemeClr val="lt1"/>
+          </a:fontRef>
+        </p:style>
+        <p:txBody>
+          <a:bodyPr rtlCol="0" anchor="ctr"/>
+          <a:lstStyle/>
+          <a:p>
+            <a:pPr algn="r"/>
+            <a:r>
+              <a:rPr kumimoji="1" lang="ko-Kore-KR" altLang="en-US" sz="1400" dirty="0">
+                <a:solidFill>
+                  <a:sysClr val="windowText" lastClr="000000"/>
+                </a:solidFill>
+              </a:rPr>
+              <a:t>아주크게</a:t>
+            </a:r>
+          </a:p>
+        </p:txBody>
+      </p:sp>
     </p:spTree>
     <p:extLst>
       <p:ext uri="{BB962C8B-B14F-4D97-AF65-F5344CB8AC3E}">
         <p14:creationId xmlns:p14="http://schemas.microsoft.com/office/powerpoint/2010/main" val="3722125593"/>
+      </p:ext>
+    </p:extLst>
+  </p:cSld>
+  <p:clrMapOvr>
+    <a:masterClrMapping/>
+  </p:clrMapOvr>
+</p:sld>
+</file>
+
+<file path=ppt/slides/slide8.xml><?xml version="1.0" encoding="utf-8"?>
+<p:sld xmlns:a="http://schemas.openxmlformats.org/drawingml/2006/main" xmlns:r="http://schemas.openxmlformats.org/officeDocument/2006/relationships" xmlns:p="http://schemas.openxmlformats.org/presentationml/2006/main">
+  <p:cSld>
+    <p:spTree>
+      <p:nvGrpSpPr>
+        <p:cNvPr id="1" name=""/>
+        <p:cNvGrpSpPr/>
+        <p:nvPr/>
+      </p:nvGrpSpPr>
+      <p:grpSpPr>
+        <a:xfrm>
+          <a:off x="0" y="0"/>
+          <a:ext cx="0" cy="0"/>
+          <a:chOff x="0" y="0"/>
+          <a:chExt cx="0" cy="0"/>
+        </a:xfrm>
+      </p:grpSpPr>
+      <p:sp>
+        <p:nvSpPr>
+          <p:cNvPr id="5" name="모서리가 둥근 직사각형 4">
+            <a:extLst>
+              <a:ext uri="{FF2B5EF4-FFF2-40B4-BE49-F238E27FC236}">
+                <a16:creationId xmlns:a16="http://schemas.microsoft.com/office/drawing/2014/main" id="{52281441-5C7D-DA46-B8BC-454C59DA0B01}"/>
+              </a:ext>
+            </a:extLst>
+          </p:cNvPr>
+          <p:cNvSpPr/>
+          <p:nvPr/>
+        </p:nvSpPr>
+        <p:spPr>
+          <a:xfrm>
+            <a:off x="722150" y="213749"/>
+            <a:ext cx="1970223" cy="513045"/>
+          </a:xfrm>
+          <a:prstGeom prst="roundRect">
+            <a:avLst/>
+          </a:prstGeom>
+          <a:solidFill>
+            <a:srgbClr val="FD997D"/>
+          </a:solidFill>
+          <a:ln>
+            <a:noFill/>
+          </a:ln>
+        </p:spPr>
+        <p:style>
+          <a:lnRef idx="2">
+            <a:schemeClr val="accent1">
+              <a:shade val="50000"/>
+            </a:schemeClr>
+          </a:lnRef>
+          <a:fillRef idx="1">
+            <a:schemeClr val="accent1"/>
+          </a:fillRef>
+          <a:effectRef idx="0">
+            <a:schemeClr val="accent1"/>
+          </a:effectRef>
+          <a:fontRef idx="minor">
+            <a:schemeClr val="lt1"/>
+          </a:fontRef>
+        </p:style>
+        <p:txBody>
+          <a:bodyPr rtlCol="0" anchor="ctr"/>
+          <a:lstStyle/>
+          <a:p>
+            <a:pPr algn="ctr"/>
+            <a:r>
+              <a:rPr kumimoji="1" lang="en-US" altLang="ko-Kore-KR" dirty="0"/>
+              <a:t>Setting</a:t>
+            </a:r>
+          </a:p>
+        </p:txBody>
+      </p:sp>
+      <p:sp>
+        <p:nvSpPr>
+          <p:cNvPr id="10" name="모서리가 둥근 직사각형 9">
+            <a:extLst>
+              <a:ext uri="{FF2B5EF4-FFF2-40B4-BE49-F238E27FC236}">
+                <a16:creationId xmlns:a16="http://schemas.microsoft.com/office/drawing/2014/main" id="{BA8EF961-5419-FD44-82E3-8C5AD6CCC6C8}"/>
+              </a:ext>
+            </a:extLst>
+          </p:cNvPr>
+          <p:cNvSpPr/>
+          <p:nvPr/>
+        </p:nvSpPr>
+        <p:spPr>
+          <a:xfrm>
+            <a:off x="722150" y="892397"/>
+            <a:ext cx="2520000" cy="360000"/>
+          </a:xfrm>
+          <a:prstGeom prst="roundRect">
+            <a:avLst/>
+          </a:prstGeom>
+          <a:solidFill>
+            <a:srgbClr val="FD997D"/>
+          </a:solidFill>
+          <a:ln>
+            <a:noFill/>
+          </a:ln>
+        </p:spPr>
+        <p:style>
+          <a:lnRef idx="2">
+            <a:schemeClr val="accent1">
+              <a:shade val="50000"/>
+            </a:schemeClr>
+          </a:lnRef>
+          <a:fillRef idx="1">
+            <a:schemeClr val="accent1"/>
+          </a:fillRef>
+          <a:effectRef idx="0">
+            <a:schemeClr val="accent1"/>
+          </a:effectRef>
+          <a:fontRef idx="minor">
+            <a:schemeClr val="lt1"/>
+          </a:fontRef>
+        </p:style>
+        <p:txBody>
+          <a:bodyPr rtlCol="0" anchor="ctr"/>
+          <a:lstStyle/>
+          <a:p>
+            <a:pPr algn="ctr"/>
+            <a:r>
+              <a:rPr kumimoji="1" lang="en-US" altLang="ko-Kore-KR" dirty="0" err="1"/>
+              <a:t>SettingViewController</a:t>
+            </a:r>
+            <a:endParaRPr kumimoji="1" lang="ko-Kore-KR" altLang="en-US" dirty="0"/>
+          </a:p>
+        </p:txBody>
+      </p:sp>
+      <p:pic>
+        <p:nvPicPr>
+          <p:cNvPr id="8" name="그림 7">
+            <a:extLst>
+              <a:ext uri="{FF2B5EF4-FFF2-40B4-BE49-F238E27FC236}">
+                <a16:creationId xmlns:a16="http://schemas.microsoft.com/office/drawing/2014/main" id="{0B5265D0-172B-DE4D-9083-1235B5CB549D}"/>
+              </a:ext>
+            </a:extLst>
+          </p:cNvPr>
+          <p:cNvPicPr>
+            <a:picLocks noChangeAspect="1"/>
+          </p:cNvPicPr>
+          <p:nvPr/>
+        </p:nvPicPr>
+        <p:blipFill>
+          <a:blip r:embed="rId2"/>
+          <a:stretch>
+            <a:fillRect/>
+          </a:stretch>
+        </p:blipFill>
+        <p:spPr>
+          <a:xfrm>
+            <a:off x="722150" y="1778000"/>
+            <a:ext cx="2463800" cy="5080000"/>
+          </a:xfrm>
+          <a:prstGeom prst="rect">
+            <a:avLst/>
+          </a:prstGeom>
+        </p:spPr>
+      </p:pic>
+      <p:pic>
+        <p:nvPicPr>
+          <p:cNvPr id="4" name="그림 3">
+            <a:extLst>
+              <a:ext uri="{FF2B5EF4-FFF2-40B4-BE49-F238E27FC236}">
+                <a16:creationId xmlns:a16="http://schemas.microsoft.com/office/drawing/2014/main" id="{E7ADCDCE-20BB-8141-96D6-92855793F69B}"/>
+              </a:ext>
+            </a:extLst>
+          </p:cNvPr>
+          <p:cNvPicPr>
+            <a:picLocks noChangeAspect="1"/>
+          </p:cNvPicPr>
+          <p:nvPr/>
+        </p:nvPicPr>
+        <p:blipFill>
+          <a:blip r:embed="rId3"/>
+          <a:stretch>
+            <a:fillRect/>
+          </a:stretch>
+        </p:blipFill>
+        <p:spPr>
+          <a:xfrm>
+            <a:off x="4864100" y="1778000"/>
+            <a:ext cx="2463800" cy="5080000"/>
+          </a:xfrm>
+          <a:prstGeom prst="rect">
+            <a:avLst/>
+          </a:prstGeom>
+        </p:spPr>
+      </p:pic>
+      <p:pic>
+        <p:nvPicPr>
+          <p:cNvPr id="6" name="그림 5">
+            <a:extLst>
+              <a:ext uri="{FF2B5EF4-FFF2-40B4-BE49-F238E27FC236}">
+                <a16:creationId xmlns:a16="http://schemas.microsoft.com/office/drawing/2014/main" id="{29B266C1-70C9-3E47-A66A-00CCC27F8C74}"/>
+              </a:ext>
+            </a:extLst>
+          </p:cNvPr>
+          <p:cNvPicPr>
+            <a:picLocks noChangeAspect="1"/>
+          </p:cNvPicPr>
+          <p:nvPr/>
+        </p:nvPicPr>
+        <p:blipFill>
+          <a:blip r:embed="rId4"/>
+          <a:stretch>
+            <a:fillRect/>
+          </a:stretch>
+        </p:blipFill>
+        <p:spPr>
+          <a:xfrm>
+            <a:off x="9006050" y="1778000"/>
+            <a:ext cx="2463800" cy="5080000"/>
+          </a:xfrm>
+          <a:prstGeom prst="rect">
+            <a:avLst/>
+          </a:prstGeom>
+        </p:spPr>
+      </p:pic>
+      <p:sp>
+        <p:nvSpPr>
+          <p:cNvPr id="7" name="타원 6">
+            <a:extLst>
+              <a:ext uri="{FF2B5EF4-FFF2-40B4-BE49-F238E27FC236}">
+                <a16:creationId xmlns:a16="http://schemas.microsoft.com/office/drawing/2014/main" id="{949FF851-5137-B44D-94F4-04070E81A386}"/>
+              </a:ext>
+            </a:extLst>
+          </p:cNvPr>
+          <p:cNvSpPr/>
+          <p:nvPr/>
+        </p:nvSpPr>
+        <p:spPr>
+          <a:xfrm>
+            <a:off x="10694710" y="5575953"/>
+            <a:ext cx="144000" cy="144000"/>
+          </a:xfrm>
+          <a:prstGeom prst="ellipse">
+            <a:avLst/>
+          </a:prstGeom>
+          <a:ln>
+            <a:noFill/>
+          </a:ln>
+        </p:spPr>
+        <p:style>
+          <a:lnRef idx="2">
+            <a:schemeClr val="accent1">
+              <a:shade val="50000"/>
+            </a:schemeClr>
+          </a:lnRef>
+          <a:fillRef idx="1">
+            <a:schemeClr val="accent1"/>
+          </a:fillRef>
+          <a:effectRef idx="0">
+            <a:schemeClr val="accent1"/>
+          </a:effectRef>
+          <a:fontRef idx="minor">
+            <a:schemeClr val="lt1"/>
+          </a:fontRef>
+        </p:style>
+        <p:txBody>
+          <a:bodyPr rtlCol="0" anchor="ctr"/>
+          <a:lstStyle/>
+          <a:p>
+            <a:pPr algn="ctr"/>
+            <a:endParaRPr kumimoji="1" lang="ko-Kore-KR" altLang="en-US"/>
+          </a:p>
+        </p:txBody>
+      </p:sp>
+    </p:spTree>
+    <p:extLst>
+      <p:ext uri="{BB962C8B-B14F-4D97-AF65-F5344CB8AC3E}">
+        <p14:creationId xmlns:p14="http://schemas.microsoft.com/office/powerpoint/2010/main" val="2632588654"/>
       </p:ext>
     </p:extLst>
   </p:cSld>
